--- a/slides/2_deploy-model_azure/2-Train and deploy ML models.pptx
+++ b/slides/2_deploy-model_azure/2-Train and deploy ML models.pptx
@@ -5,7 +5,7 @@
     <p:sldMasterId id="2147483702" r:id="rId1"/>
   </p:sldMasterIdLst>
   <p:notesMasterIdLst>
-    <p:notesMasterId r:id="rId17"/>
+    <p:notesMasterId r:id="rId19"/>
   </p:notesMasterIdLst>
   <p:sldIdLst>
     <p:sldId id="256" r:id="rId2"/>
@@ -13,16 +13,18 @@
     <p:sldId id="272" r:id="rId4"/>
     <p:sldId id="264" r:id="rId5"/>
     <p:sldId id="266" r:id="rId6"/>
-    <p:sldId id="265" r:id="rId7"/>
-    <p:sldId id="267" r:id="rId8"/>
-    <p:sldId id="263" r:id="rId9"/>
-    <p:sldId id="268" r:id="rId10"/>
-    <p:sldId id="269" r:id="rId11"/>
-    <p:sldId id="270" r:id="rId12"/>
-    <p:sldId id="271" r:id="rId13"/>
-    <p:sldId id="259" r:id="rId14"/>
-    <p:sldId id="273" r:id="rId15"/>
-    <p:sldId id="258" r:id="rId16"/>
+    <p:sldId id="274" r:id="rId7"/>
+    <p:sldId id="275" r:id="rId8"/>
+    <p:sldId id="265" r:id="rId9"/>
+    <p:sldId id="267" r:id="rId10"/>
+    <p:sldId id="263" r:id="rId11"/>
+    <p:sldId id="268" r:id="rId12"/>
+    <p:sldId id="269" r:id="rId13"/>
+    <p:sldId id="270" r:id="rId14"/>
+    <p:sldId id="271" r:id="rId15"/>
+    <p:sldId id="259" r:id="rId16"/>
+    <p:sldId id="273" r:id="rId17"/>
+    <p:sldId id="258" r:id="rId18"/>
   </p:sldIdLst>
   <p:sldSz cx="12192000" cy="6858000"/>
   <p:notesSz cx="6735763" cy="9866313"/>
@@ -214,7 +216,7 @@
           <a:p>
             <a:fld id="{9357E7CD-833A-4057-A34F-721214C10A5F}" type="datetimeFigureOut">
               <a:rPr lang="fr-FR" smtClean="0"/>
-              <a:t>06/05/2025</a:t>
+              <a:t>20/05/2025</a:t>
             </a:fld>
             <a:endParaRPr lang="fr-FR"/>
           </a:p>
@@ -636,6 +638,214 @@
             </a:r>
             <a:r>
               <a:rPr lang="fr-FR" dirty="0" smtClean="0"/>
+              <a:t> </a:t>
+            </a:r>
+            <a:r>
+              <a:rPr lang="fr-FR" dirty="0" err="1" smtClean="0"/>
+              <a:t>market</a:t>
+            </a:r>
+            <a:r>
+              <a:rPr lang="fr-FR" dirty="0" smtClean="0"/>
+              <a:t> </a:t>
+            </a:r>
+            <a:r>
+              <a:rPr lang="fr-FR" dirty="0" err="1" smtClean="0"/>
+              <a:t>share</a:t>
+            </a:r>
+            <a:endParaRPr lang="fr-FR" dirty="0"/>
+          </a:p>
+        </p:txBody>
+      </p:sp>
+      <p:sp>
+        <p:nvSpPr>
+          <p:cNvPr id="4" name="Espace réservé du numéro de diapositive 3"/>
+          <p:cNvSpPr>
+            <a:spLocks noGrp="1"/>
+          </p:cNvSpPr>
+          <p:nvPr>
+            <p:ph type="sldNum" sz="quarter" idx="10"/>
+          </p:nvPr>
+        </p:nvSpPr>
+        <p:spPr/>
+        <p:txBody>
+          <a:bodyPr/>
+          <a:lstStyle/>
+          <a:p>
+            <a:fld id="{F6BF3BD9-BA5A-4CBB-9C78-D323B9124BDA}" type="slidenum">
+              <a:rPr lang="fr-FR" smtClean="0"/>
+              <a:t>6</a:t>
+            </a:fld>
+            <a:endParaRPr lang="fr-FR"/>
+          </a:p>
+        </p:txBody>
+      </p:sp>
+    </p:spTree>
+    <p:extLst>
+      <p:ext uri="{BB962C8B-B14F-4D97-AF65-F5344CB8AC3E}">
+        <p14:creationId xmlns:p14="http://schemas.microsoft.com/office/powerpoint/2010/main" val="1484561439"/>
+      </p:ext>
+    </p:extLst>
+  </p:cSld>
+  <p:clrMapOvr>
+    <a:masterClrMapping/>
+  </p:clrMapOvr>
+</p:notes>
+</file>
+
+<file path=ppt/notesSlides/notesSlide3.xml><?xml version="1.0" encoding="utf-8"?>
+<p:notes xmlns:a="http://schemas.openxmlformats.org/drawingml/2006/main" xmlns:r="http://schemas.openxmlformats.org/officeDocument/2006/relationships" xmlns:p="http://schemas.openxmlformats.org/presentationml/2006/main">
+  <p:cSld>
+    <p:spTree>
+      <p:nvGrpSpPr>
+        <p:cNvPr id="1" name=""/>
+        <p:cNvGrpSpPr/>
+        <p:nvPr/>
+      </p:nvGrpSpPr>
+      <p:grpSpPr>
+        <a:xfrm>
+          <a:off x="0" y="0"/>
+          <a:ext cx="0" cy="0"/>
+          <a:chOff x="0" y="0"/>
+          <a:chExt cx="0" cy="0"/>
+        </a:xfrm>
+      </p:grpSpPr>
+      <p:sp>
+        <p:nvSpPr>
+          <p:cNvPr id="2" name="Espace réservé de l'image des diapositives 1"/>
+          <p:cNvSpPr>
+            <a:spLocks noGrp="1" noRot="1" noChangeAspect="1"/>
+          </p:cNvSpPr>
+          <p:nvPr>
+            <p:ph type="sldImg"/>
+          </p:nvPr>
+        </p:nvSpPr>
+        <p:spPr/>
+      </p:sp>
+      <p:sp>
+        <p:nvSpPr>
+          <p:cNvPr id="3" name="Espace réservé des notes 2"/>
+          <p:cNvSpPr>
+            <a:spLocks noGrp="1"/>
+          </p:cNvSpPr>
+          <p:nvPr>
+            <p:ph type="body" idx="1"/>
+          </p:nvPr>
+        </p:nvSpPr>
+        <p:spPr/>
+        <p:txBody>
+          <a:bodyPr/>
+          <a:lstStyle/>
+          <a:p>
+            <a:r>
+              <a:rPr lang="fr-FR" dirty="0" err="1" smtClean="0"/>
+              <a:t>Added</a:t>
+            </a:r>
+            <a:r>
+              <a:rPr lang="fr-FR" dirty="0" smtClean="0"/>
+              <a:t> </a:t>
+            </a:r>
+            <a:r>
+              <a:rPr lang="fr-FR" dirty="0" err="1" smtClean="0"/>
+              <a:t>market</a:t>
+            </a:r>
+            <a:r>
+              <a:rPr lang="fr-FR" dirty="0" smtClean="0"/>
+              <a:t> </a:t>
+            </a:r>
+            <a:r>
+              <a:rPr lang="fr-FR" dirty="0" err="1" smtClean="0"/>
+              <a:t>share</a:t>
+            </a:r>
+            <a:endParaRPr lang="fr-FR" dirty="0"/>
+          </a:p>
+        </p:txBody>
+      </p:sp>
+      <p:sp>
+        <p:nvSpPr>
+          <p:cNvPr id="4" name="Espace réservé du numéro de diapositive 3"/>
+          <p:cNvSpPr>
+            <a:spLocks noGrp="1"/>
+          </p:cNvSpPr>
+          <p:nvPr>
+            <p:ph type="sldNum" sz="quarter" idx="10"/>
+          </p:nvPr>
+        </p:nvSpPr>
+        <p:spPr/>
+        <p:txBody>
+          <a:bodyPr/>
+          <a:lstStyle/>
+          <a:p>
+            <a:fld id="{F6BF3BD9-BA5A-4CBB-9C78-D323B9124BDA}" type="slidenum">
+              <a:rPr lang="fr-FR" smtClean="0"/>
+              <a:t>7</a:t>
+            </a:fld>
+            <a:endParaRPr lang="fr-FR"/>
+          </a:p>
+        </p:txBody>
+      </p:sp>
+    </p:spTree>
+    <p:extLst>
+      <p:ext uri="{BB962C8B-B14F-4D97-AF65-F5344CB8AC3E}">
+        <p14:creationId xmlns:p14="http://schemas.microsoft.com/office/powerpoint/2010/main" val="3538561474"/>
+      </p:ext>
+    </p:extLst>
+  </p:cSld>
+  <p:clrMapOvr>
+    <a:masterClrMapping/>
+  </p:clrMapOvr>
+</p:notes>
+</file>
+
+<file path=ppt/notesSlides/notesSlide4.xml><?xml version="1.0" encoding="utf-8"?>
+<p:notes xmlns:a="http://schemas.openxmlformats.org/drawingml/2006/main" xmlns:r="http://schemas.openxmlformats.org/officeDocument/2006/relationships" xmlns:p="http://schemas.openxmlformats.org/presentationml/2006/main">
+  <p:cSld>
+    <p:spTree>
+      <p:nvGrpSpPr>
+        <p:cNvPr id="1" name=""/>
+        <p:cNvGrpSpPr/>
+        <p:nvPr/>
+      </p:nvGrpSpPr>
+      <p:grpSpPr>
+        <a:xfrm>
+          <a:off x="0" y="0"/>
+          <a:ext cx="0" cy="0"/>
+          <a:chOff x="0" y="0"/>
+          <a:chExt cx="0" cy="0"/>
+        </a:xfrm>
+      </p:grpSpPr>
+      <p:sp>
+        <p:nvSpPr>
+          <p:cNvPr id="2" name="Espace réservé de l'image des diapositives 1"/>
+          <p:cNvSpPr>
+            <a:spLocks noGrp="1" noRot="1" noChangeAspect="1"/>
+          </p:cNvSpPr>
+          <p:nvPr>
+            <p:ph type="sldImg"/>
+          </p:nvPr>
+        </p:nvSpPr>
+        <p:spPr/>
+      </p:sp>
+      <p:sp>
+        <p:nvSpPr>
+          <p:cNvPr id="3" name="Espace réservé des notes 2"/>
+          <p:cNvSpPr>
+            <a:spLocks noGrp="1"/>
+          </p:cNvSpPr>
+          <p:nvPr>
+            <p:ph type="body" idx="1"/>
+          </p:nvPr>
+        </p:nvSpPr>
+        <p:spPr/>
+        <p:txBody>
+          <a:bodyPr/>
+          <a:lstStyle/>
+          <a:p>
+            <a:r>
+              <a:rPr lang="fr-FR" dirty="0" err="1" smtClean="0"/>
+              <a:t>Added</a:t>
+            </a:r>
+            <a:r>
+              <a:rPr lang="fr-FR" dirty="0" smtClean="0"/>
               <a:t> « not to </a:t>
             </a:r>
             <a:r>
@@ -691,7 +901,7 @@
           <a:p>
             <a:fld id="{F6BF3BD9-BA5A-4CBB-9C78-D323B9124BDA}" type="slidenum">
               <a:rPr lang="fr-FR" smtClean="0"/>
-              <a:t>10</a:t>
+              <a:t>12</a:t>
             </a:fld>
             <a:endParaRPr lang="fr-FR"/>
           </a:p>
@@ -13162,11 +13372,7 @@
           <a:p>
             <a:r>
               <a:rPr lang="fr-FR" sz="2800" dirty="0" smtClean="0"/>
-              <a:t>3 – </a:t>
-            </a:r>
-            <a:r>
-              <a:rPr lang="fr-FR" sz="2800" dirty="0" smtClean="0"/>
-              <a:t>Train and </a:t>
+              <a:t>3 – Train and </a:t>
             </a:r>
             <a:r>
               <a:rPr lang="fr-FR" sz="2800" dirty="0" err="1" smtClean="0"/>
@@ -13245,11 +13451,7 @@
             </a:r>
             <a:r>
               <a:rPr lang="fr-FR" dirty="0" smtClean="0"/>
-              <a:t>, </a:t>
-            </a:r>
-            <a:r>
-              <a:rPr lang="fr-FR" dirty="0" smtClean="0"/>
-              <a:t>A/B </a:t>
+              <a:t>, A/B </a:t>
             </a:r>
             <a:r>
               <a:rPr lang="fr-FR" dirty="0" err="1" smtClean="0"/>
@@ -13312,16 +13514,12 @@
           <a:lstStyle/>
           <a:p>
             <a:r>
+              <a:rPr lang="fr-FR" dirty="0" smtClean="0"/>
+              <a:t>Training </a:t>
+            </a:r>
+            <a:r>
               <a:rPr lang="fr-FR" dirty="0" err="1" smtClean="0"/>
-              <a:t>Hyperparameter</a:t>
-            </a:r>
-            <a:r>
-              <a:rPr lang="fr-FR" dirty="0" smtClean="0"/>
-              <a:t> </a:t>
-            </a:r>
-            <a:r>
-              <a:rPr lang="fr-FR" dirty="0" err="1" smtClean="0"/>
-              <a:t>tuning</a:t>
+              <a:t>dataset</a:t>
             </a:r>
             <a:endParaRPr lang="fr-FR" dirty="0"/>
           </a:p>
@@ -13356,44 +13554,33 @@
           </a:p>
         </p:txBody>
       </p:sp>
-      <p:sp>
-        <p:nvSpPr>
-          <p:cNvPr id="5" name="Espace réservé du pied de page 4"/>
-          <p:cNvSpPr>
-            <a:spLocks noGrp="1"/>
-          </p:cNvSpPr>
-          <p:nvPr>
-            <p:ph type="ftr" sz="quarter" idx="3"/>
-          </p:nvPr>
-        </p:nvSpPr>
-        <p:spPr/>
-        <p:txBody>
-          <a:bodyPr/>
-          <a:lstStyle/>
-          <a:p>
-            <a:r>
-              <a:rPr lang="en-US" dirty="0" smtClean="0"/>
-              <a:t>2025 </a:t>
-            </a:r>
-            <a:r>
-              <a:rPr lang="en-US" dirty="0" smtClean="0"/>
-              <a:t>| ©</a:t>
-            </a:r>
-            <a:r>
-              <a:rPr lang="en-US" dirty="0" err="1" smtClean="0"/>
-              <a:t>HeadMind</a:t>
-            </a:r>
-            <a:r>
-              <a:rPr lang="en-US" dirty="0" smtClean="0"/>
-              <a:t> Partners</a:t>
-            </a:r>
-            <a:endParaRPr lang="fr-FR" dirty="0"/>
-          </a:p>
-        </p:txBody>
-      </p:sp>
-      <p:sp>
-        <p:nvSpPr>
-          <p:cNvPr id="6" name="Espace réservé du texte 5"/>
+      <p:pic>
+        <p:nvPicPr>
+          <p:cNvPr id="13" name="Image 12"/>
+          <p:cNvPicPr>
+            <a:picLocks noChangeAspect="1"/>
+          </p:cNvPicPr>
+          <p:nvPr/>
+        </p:nvPicPr>
+        <p:blipFill>
+          <a:blip r:embed="rId2"/>
+          <a:stretch>
+            <a:fillRect/>
+          </a:stretch>
+        </p:blipFill>
+        <p:spPr>
+          <a:xfrm>
+            <a:off x="7230852" y="3264992"/>
+            <a:ext cx="917784" cy="839911"/>
+          </a:xfrm>
+          <a:prstGeom prst="rect">
+            <a:avLst/>
+          </a:prstGeom>
+        </p:spPr>
+      </p:pic>
+      <p:sp>
+        <p:nvSpPr>
+          <p:cNvPr id="9" name="Espace réservé du texte 8"/>
           <p:cNvSpPr>
             <a:spLocks noGrp="1"/>
           </p:cNvSpPr>
@@ -13401,7 +13588,12 @@
             <p:ph type="body" sz="quarter" idx="14"/>
           </p:nvPr>
         </p:nvSpPr>
-        <p:spPr/>
+        <p:spPr>
+          <a:xfrm>
+            <a:off x="594389" y="1348953"/>
+            <a:ext cx="11137237" cy="4467225"/>
+          </a:xfrm>
+        </p:spPr>
         <p:txBody>
           <a:bodyPr/>
           <a:lstStyle/>
@@ -13411,7 +13603,7 @@
             </a:pPr>
             <a:r>
               <a:rPr lang="fr-FR" dirty="0" err="1" smtClean="0"/>
-              <a:t>What’s</a:t>
+              <a:t>What</a:t>
             </a:r>
             <a:r>
               <a:rPr lang="fr-FR" dirty="0" smtClean="0"/>
@@ -13419,192 +13611,102 @@
             </a:r>
             <a:r>
               <a:rPr lang="fr-FR" dirty="0" err="1" smtClean="0"/>
-              <a:t>hyperparameter</a:t>
+              <a:t>is</a:t>
             </a:r>
             <a:r>
               <a:rPr lang="fr-FR" dirty="0" smtClean="0"/>
+              <a:t> MNIST ?</a:t>
+            </a:r>
+          </a:p>
+          <a:p>
+            <a:r>
+              <a:rPr lang="en-US" b="1" dirty="0" smtClean="0"/>
+              <a:t>M</a:t>
+            </a:r>
+            <a:r>
+              <a:rPr lang="en-US" dirty="0" smtClean="0"/>
+              <a:t>odified </a:t>
+            </a:r>
+            <a:r>
+              <a:rPr lang="en-US" b="1" dirty="0" smtClean="0"/>
+              <a:t>N</a:t>
+            </a:r>
+            <a:r>
+              <a:rPr lang="en-US" dirty="0" smtClean="0"/>
+              <a:t>ational </a:t>
+            </a:r>
+            <a:r>
+              <a:rPr lang="en-US" b="1" dirty="0"/>
+              <a:t>I</a:t>
+            </a:r>
+            <a:r>
+              <a:rPr lang="en-US" dirty="0"/>
+              <a:t>nstitute of </a:t>
+            </a:r>
+            <a:r>
+              <a:rPr lang="en-US" b="1" dirty="0" smtClean="0"/>
+              <a:t>S</a:t>
+            </a:r>
+            <a:r>
+              <a:rPr lang="en-US" dirty="0" smtClean="0"/>
+              <a:t>tandards </a:t>
+            </a:r>
+            <a:r>
+              <a:rPr lang="en-US" dirty="0"/>
+              <a:t>and </a:t>
+            </a:r>
+            <a:r>
+              <a:rPr lang="en-US" b="1" dirty="0" smtClean="0"/>
+              <a:t>T</a:t>
+            </a:r>
+            <a:r>
+              <a:rPr lang="en-US" dirty="0" smtClean="0"/>
+              <a:t>echnology</a:t>
+            </a:r>
+          </a:p>
+          <a:p>
+            <a:r>
+              <a:rPr lang="en-US" dirty="0" smtClean="0"/>
+              <a:t>70 000 digit greyscale images</a:t>
+            </a:r>
+          </a:p>
+          <a:p>
+            <a:r>
+              <a:rPr lang="en-US" dirty="0" smtClean="0"/>
+              <a:t>60 000 training images &amp; 10 000 images in the test set</a:t>
+            </a:r>
+          </a:p>
+          <a:p>
+            <a:r>
+              <a:rPr lang="en-US" dirty="0" smtClean="0"/>
+              <a:t>Created by Yan </a:t>
+            </a:r>
+            <a:r>
+              <a:rPr lang="en-US" dirty="0" err="1" smtClean="0"/>
+              <a:t>LeCun</a:t>
+            </a:r>
+            <a:r>
+              <a:rPr lang="en-US" dirty="0" smtClean="0"/>
               <a:t> </a:t>
             </a:r>
-            <a:r>
-              <a:rPr lang="fr-FR" dirty="0" err="1" smtClean="0"/>
-              <a:t>tuning</a:t>
-            </a:r>
-            <a:r>
-              <a:rPr lang="fr-FR" dirty="0" smtClean="0"/>
-              <a:t> ?</a:t>
-            </a:r>
-            <a:endParaRPr lang="fr-FR" dirty="0" smtClean="0"/>
-          </a:p>
-          <a:p>
-            <a:r>
-              <a:rPr lang="fr-FR" dirty="0" err="1" smtClean="0"/>
-              <a:t>Aims</a:t>
-            </a:r>
-            <a:r>
-              <a:rPr lang="fr-FR" dirty="0" smtClean="0"/>
-              <a:t> to </a:t>
-            </a:r>
-            <a:r>
-              <a:rPr lang="fr-FR" dirty="0" err="1" smtClean="0"/>
-              <a:t>find</a:t>
-            </a:r>
-            <a:r>
-              <a:rPr lang="fr-FR" dirty="0" smtClean="0"/>
-              <a:t> the best </a:t>
-            </a:r>
-            <a:r>
-              <a:rPr lang="fr-FR" b="1" dirty="0" err="1" smtClean="0"/>
-              <a:t>hyperparameters</a:t>
-            </a:r>
-            <a:r>
-              <a:rPr lang="fr-FR" dirty="0" smtClean="0"/>
-              <a:t> of a model </a:t>
-            </a:r>
-            <a:r>
-              <a:rPr lang="fr-FR" dirty="0" smtClean="0"/>
-              <a:t>(batch size, </a:t>
-            </a:r>
-            <a:r>
-              <a:rPr lang="fr-FR" dirty="0" err="1" smtClean="0"/>
-              <a:t>number</a:t>
-            </a:r>
-            <a:r>
-              <a:rPr lang="fr-FR" dirty="0" smtClean="0"/>
-              <a:t> of </a:t>
-            </a:r>
-            <a:r>
-              <a:rPr lang="fr-FR" dirty="0" err="1" smtClean="0"/>
-              <a:t>hidden</a:t>
-            </a:r>
-            <a:r>
-              <a:rPr lang="fr-FR" dirty="0" smtClean="0"/>
-              <a:t> </a:t>
-            </a:r>
-            <a:r>
-              <a:rPr lang="fr-FR" dirty="0" err="1" smtClean="0"/>
-              <a:t>layers</a:t>
-            </a:r>
-            <a:r>
-              <a:rPr lang="fr-FR" dirty="0" smtClean="0"/>
-              <a:t>…)</a:t>
-            </a:r>
-          </a:p>
-          <a:p>
-            <a:r>
-              <a:rPr lang="fr-FR" dirty="0" smtClean="0"/>
-              <a:t>Not to </a:t>
-            </a:r>
-            <a:r>
-              <a:rPr lang="fr-FR" dirty="0" err="1" smtClean="0"/>
-              <a:t>be</a:t>
-            </a:r>
-            <a:r>
-              <a:rPr lang="fr-FR" dirty="0" smtClean="0"/>
-              <a:t> </a:t>
-            </a:r>
-            <a:r>
-              <a:rPr lang="fr-FR" dirty="0" err="1" smtClean="0"/>
-              <a:t>confused</a:t>
-            </a:r>
-            <a:r>
-              <a:rPr lang="fr-FR" dirty="0" smtClean="0"/>
-              <a:t> </a:t>
-            </a:r>
-            <a:r>
-              <a:rPr lang="fr-FR" dirty="0" err="1" smtClean="0"/>
-              <a:t>with</a:t>
-            </a:r>
-            <a:r>
-              <a:rPr lang="fr-FR" dirty="0" smtClean="0"/>
-              <a:t> model </a:t>
-            </a:r>
-            <a:r>
-              <a:rPr lang="fr-FR" dirty="0" err="1" smtClean="0"/>
-              <a:t>parameters</a:t>
-            </a:r>
-            <a:r>
-              <a:rPr lang="fr-FR" dirty="0" smtClean="0"/>
-              <a:t> (</a:t>
-            </a:r>
-            <a:r>
-              <a:rPr lang="fr-FR" dirty="0" err="1" smtClean="0"/>
-              <a:t>weight</a:t>
-            </a:r>
-            <a:r>
-              <a:rPr lang="fr-FR" dirty="0" smtClean="0"/>
-              <a:t> and </a:t>
-            </a:r>
-            <a:r>
-              <a:rPr lang="fr-FR" dirty="0" err="1" smtClean="0"/>
-              <a:t>bias</a:t>
-            </a:r>
-            <a:r>
-              <a:rPr lang="fr-FR" dirty="0" smtClean="0"/>
-              <a:t> of </a:t>
-            </a:r>
-            <a:r>
-              <a:rPr lang="fr-FR" dirty="0" err="1" smtClean="0"/>
-              <a:t>each</a:t>
-            </a:r>
-            <a:r>
-              <a:rPr lang="fr-FR" dirty="0" smtClean="0"/>
-              <a:t> </a:t>
-            </a:r>
-            <a:r>
-              <a:rPr lang="fr-FR" dirty="0" err="1" smtClean="0"/>
-              <a:t>neuron</a:t>
-            </a:r>
-            <a:r>
-              <a:rPr lang="fr-FR" dirty="0" smtClean="0"/>
-              <a:t>)</a:t>
-            </a:r>
-            <a:endParaRPr lang="fr-FR" dirty="0" smtClean="0"/>
-          </a:p>
-          <a:p>
-            <a:r>
-              <a:rPr lang="fr-FR" dirty="0" err="1" smtClean="0"/>
-              <a:t>These</a:t>
-            </a:r>
-            <a:r>
-              <a:rPr lang="fr-FR" dirty="0" smtClean="0"/>
-              <a:t> high-</a:t>
-            </a:r>
-            <a:r>
-              <a:rPr lang="fr-FR" dirty="0" err="1" smtClean="0"/>
-              <a:t>level</a:t>
-            </a:r>
-            <a:r>
-              <a:rPr lang="fr-FR" dirty="0" smtClean="0"/>
-              <a:t> </a:t>
-            </a:r>
-            <a:r>
-              <a:rPr lang="fr-FR" dirty="0" err="1" smtClean="0"/>
-              <a:t>hyperparameters</a:t>
-            </a:r>
-            <a:r>
-              <a:rPr lang="fr-FR" dirty="0" smtClean="0"/>
-              <a:t> </a:t>
-            </a:r>
-            <a:r>
-              <a:rPr lang="fr-FR" dirty="0" err="1" smtClean="0"/>
-              <a:t>will</a:t>
-            </a:r>
-            <a:r>
-              <a:rPr lang="fr-FR" dirty="0" smtClean="0"/>
-              <a:t> influence model training </a:t>
-            </a:r>
-            <a:endParaRPr lang="fr-FR" dirty="0" smtClean="0"/>
-          </a:p>
-          <a:p>
-            <a:endParaRPr lang="fr-FR" dirty="0"/>
           </a:p>
           <a:p>
             <a:pPr marL="0" indent="0">
               <a:buNone/>
             </a:pPr>
+            <a:endParaRPr lang="fr-FR" dirty="0" smtClean="0"/>
+          </a:p>
+          <a:p>
+            <a:pPr marL="0" indent="0">
+              <a:buNone/>
+            </a:pPr>
+            <a:r>
+              <a:rPr lang="fr-FR" dirty="0" err="1" smtClean="0"/>
+              <a:t>Why</a:t>
+            </a:r>
             <a:r>
               <a:rPr lang="fr-FR" dirty="0" smtClean="0"/>
-              <a:t>In </a:t>
+              <a:t> </a:t>
             </a:r>
             <a:r>
               <a:rPr lang="fr-FR" dirty="0" err="1" smtClean="0"/>
@@ -13616,180 +13718,176 @@
             </a:r>
             <a:r>
               <a:rPr lang="fr-FR" dirty="0" err="1" smtClean="0"/>
-              <a:t>lab</a:t>
+              <a:t>dataset</a:t>
             </a:r>
             <a:r>
               <a:rPr lang="fr-FR" dirty="0" smtClean="0"/>
-              <a:t>, Azure </a:t>
-            </a:r>
+              <a:t> ?</a:t>
+            </a:r>
+          </a:p>
+          <a:p>
             <a:r>
               <a:rPr lang="fr-FR" dirty="0" err="1" smtClean="0"/>
-              <a:t>provides</a:t>
-            </a:r>
-            <a:r>
-              <a:rPr lang="fr-FR" dirty="0" smtClean="0"/>
-              <a:t> us </a:t>
-            </a:r>
-            <a:r>
-              <a:rPr lang="fr-FR" dirty="0" err="1" smtClean="0"/>
-              <a:t>with</a:t>
-            </a:r>
-            <a:r>
-              <a:rPr lang="fr-FR" dirty="0" smtClean="0"/>
-              <a:t> one </a:t>
-            </a:r>
-            <a:r>
-              <a:rPr lang="fr-FR" dirty="0" err="1" smtClean="0"/>
-              <a:t>method</a:t>
+              <a:t>Staple</a:t>
             </a:r>
             <a:r>
               <a:rPr lang="fr-FR" dirty="0" smtClean="0"/>
               <a:t> </a:t>
             </a:r>
             <a:r>
+              <a:rPr lang="fr-FR" dirty="0" err="1" smtClean="0"/>
+              <a:t>dataset</a:t>
+            </a:r>
+            <a:r>
               <a:rPr lang="fr-FR" dirty="0" smtClean="0"/>
-              <a:t>: </a:t>
-            </a:r>
-            <a:r>
-              <a:rPr lang="fr-FR" b="1" dirty="0" err="1" smtClean="0"/>
-              <a:t>sweep</a:t>
-            </a:r>
-            <a:r>
-              <a:rPr lang="fr-FR" b="1" dirty="0" smtClean="0"/>
-              <a:t>()</a:t>
+              <a:t> for ML </a:t>
+            </a:r>
+            <a:r>
+              <a:rPr lang="fr-FR" dirty="0" err="1" smtClean="0"/>
+              <a:t>algorithms</a:t>
+            </a:r>
+            <a:endParaRPr lang="fr-FR" dirty="0" smtClean="0"/>
+          </a:p>
+          <a:p>
+            <a:r>
+              <a:rPr lang="fr-FR" dirty="0" smtClean="0"/>
+              <a:t>Simple</a:t>
+            </a:r>
+          </a:p>
+          <a:p>
+            <a:r>
+              <a:rPr lang="fr-FR" dirty="0" err="1" smtClean="0"/>
+              <a:t>Ideal</a:t>
+            </a:r>
+            <a:r>
+              <a:rPr lang="fr-FR" dirty="0" smtClean="0"/>
+              <a:t> for </a:t>
+            </a:r>
+            <a:r>
+              <a:rPr lang="fr-FR" dirty="0" err="1" smtClean="0"/>
+              <a:t>discovering</a:t>
             </a:r>
             <a:r>
               <a:rPr lang="fr-FR" dirty="0" smtClean="0"/>
               <a:t> </a:t>
             </a:r>
-            <a:endParaRPr lang="fr-FR" dirty="0" smtClean="0"/>
-          </a:p>
-          <a:p>
             <a:r>
               <a:rPr lang="fr-FR" dirty="0" err="1" smtClean="0"/>
-              <a:t>Define</a:t>
-            </a:r>
-            <a:r>
-              <a:rPr lang="fr-FR" dirty="0" smtClean="0"/>
-              <a:t> a </a:t>
-            </a:r>
-            <a:r>
-              <a:rPr lang="fr-FR" dirty="0" err="1" smtClean="0"/>
-              <a:t>search</a:t>
-            </a:r>
-            <a:r>
-              <a:rPr lang="fr-FR" dirty="0" smtClean="0"/>
-              <a:t> </a:t>
-            </a:r>
-            <a:r>
-              <a:rPr lang="fr-FR" dirty="0" err="1" smtClean="0"/>
-              <a:t>space</a:t>
-            </a:r>
-            <a:r>
-              <a:rPr lang="fr-FR" dirty="0" smtClean="0"/>
-              <a:t> : </a:t>
-            </a:r>
-            <a:r>
-              <a:rPr lang="fr-FR" dirty="0" err="1" smtClean="0"/>
-              <a:t>give</a:t>
-            </a:r>
-            <a:r>
-              <a:rPr lang="fr-FR" dirty="0" smtClean="0"/>
-              <a:t> ranges of values for </a:t>
-            </a:r>
-            <a:r>
-              <a:rPr lang="fr-FR" dirty="0" err="1" smtClean="0"/>
-              <a:t>each</a:t>
-            </a:r>
-            <a:r>
-              <a:rPr lang="fr-FR" dirty="0" smtClean="0"/>
-              <a:t> </a:t>
-            </a:r>
-            <a:r>
-              <a:rPr lang="fr-FR" dirty="0" err="1" smtClean="0"/>
-              <a:t>hyperparameter</a:t>
-            </a:r>
-            <a:r>
-              <a:rPr lang="fr-FR" dirty="0" smtClean="0"/>
-              <a:t> </a:t>
-            </a:r>
-            <a:r>
-              <a:rPr lang="fr-FR" dirty="0" err="1" smtClean="0"/>
-              <a:t>you</a:t>
-            </a:r>
-            <a:r>
-              <a:rPr lang="fr-FR" dirty="0" smtClean="0"/>
-              <a:t> </a:t>
-            </a:r>
-            <a:r>
-              <a:rPr lang="fr-FR" dirty="0" err="1" smtClean="0"/>
-              <a:t>want</a:t>
-            </a:r>
-            <a:r>
-              <a:rPr lang="fr-FR" dirty="0" smtClean="0"/>
-              <a:t> to tune</a:t>
-            </a:r>
-            <a:endParaRPr lang="fr-FR" dirty="0" smtClean="0"/>
-          </a:p>
-          <a:p>
-            <a:r>
-              <a:rPr lang="fr-FR" b="1" dirty="0" err="1"/>
-              <a:t>s</a:t>
-            </a:r>
-            <a:r>
-              <a:rPr lang="fr-FR" b="1" dirty="0" err="1" smtClean="0"/>
-              <a:t>weep</a:t>
-            </a:r>
-            <a:r>
-              <a:rPr lang="fr-FR" b="1" dirty="0" smtClean="0"/>
-              <a:t>() </a:t>
-            </a:r>
-            <a:r>
-              <a:rPr lang="fr-FR" dirty="0" err="1" smtClean="0"/>
-              <a:t>will</a:t>
-            </a:r>
-            <a:r>
-              <a:rPr lang="fr-FR" dirty="0" smtClean="0"/>
-              <a:t> test all or </a:t>
-            </a:r>
-            <a:r>
-              <a:rPr lang="fr-FR" dirty="0" err="1" smtClean="0"/>
-              <a:t>some</a:t>
-            </a:r>
-            <a:r>
-              <a:rPr lang="fr-FR" dirty="0" smtClean="0"/>
-              <a:t> </a:t>
-            </a:r>
-            <a:r>
-              <a:rPr lang="fr-FR" dirty="0" err="1" smtClean="0"/>
-              <a:t>combinations</a:t>
-            </a:r>
-            <a:r>
-              <a:rPr lang="fr-FR" dirty="0" smtClean="0"/>
-              <a:t> of </a:t>
-            </a:r>
-            <a:r>
-              <a:rPr lang="fr-FR" dirty="0" err="1" smtClean="0"/>
-              <a:t>hyperparameters</a:t>
-            </a:r>
-            <a:r>
-              <a:rPr lang="fr-FR" dirty="0" smtClean="0"/>
-              <a:t> and output the best </a:t>
-            </a:r>
-            <a:r>
-              <a:rPr lang="fr-FR" dirty="0" err="1" smtClean="0"/>
-              <a:t>result</a:t>
-            </a:r>
-            <a:endParaRPr lang="fr-FR" dirty="0" smtClean="0"/>
-          </a:p>
-          <a:p>
-            <a:r>
-              <a:rPr lang="en-US" dirty="0"/>
-              <a:t>You also need to choose a tolerance threshold that allows you to stop training if it becomes clear that the model will not perform </a:t>
-            </a:r>
+              <a:t>purposes</a:t>
+            </a:r>
+            <a:endParaRPr lang="fr-FR" dirty="0"/>
+          </a:p>
+        </p:txBody>
+      </p:sp>
+      <p:pic>
+        <p:nvPicPr>
+          <p:cNvPr id="10" name="Image 9"/>
+          <p:cNvPicPr>
+            <a:picLocks noChangeAspect="1"/>
+          </p:cNvPicPr>
+          <p:nvPr/>
+        </p:nvPicPr>
+        <p:blipFill rotWithShape="1">
+          <a:blip r:embed="rId3"/>
+          <a:srcRect l="39308"/>
+          <a:stretch/>
+        </p:blipFill>
+        <p:spPr>
+          <a:xfrm>
+            <a:off x="8782050" y="2883810"/>
+            <a:ext cx="2757487" cy="1628775"/>
+          </a:xfrm>
+          <a:prstGeom prst="rect">
+            <a:avLst/>
+          </a:prstGeom>
+        </p:spPr>
+      </p:pic>
+      <p:pic>
+        <p:nvPicPr>
+          <p:cNvPr id="12" name="Image 11"/>
+          <p:cNvPicPr>
+            <a:picLocks noChangeAspect="1"/>
+          </p:cNvPicPr>
+          <p:nvPr/>
+        </p:nvPicPr>
+        <p:blipFill rotWithShape="1">
+          <a:blip r:embed="rId3"/>
+          <a:srcRect r="86059"/>
+          <a:stretch/>
+        </p:blipFill>
+        <p:spPr>
+          <a:xfrm>
+            <a:off x="8148636" y="2868412"/>
+            <a:ext cx="633414" cy="1628775"/>
+          </a:xfrm>
+          <a:prstGeom prst="rect">
+            <a:avLst/>
+          </a:prstGeom>
+        </p:spPr>
+      </p:pic>
+      <p:sp>
+        <p:nvSpPr>
+          <p:cNvPr id="14" name="ZoneTexte 13"/>
+          <p:cNvSpPr txBox="1"/>
+          <p:nvPr/>
+        </p:nvSpPr>
+        <p:spPr>
+          <a:xfrm>
+            <a:off x="11018840" y="3484984"/>
+            <a:ext cx="391610" cy="307777"/>
+          </a:xfrm>
+          <a:prstGeom prst="rect">
+            <a:avLst/>
+          </a:prstGeom>
+          <a:solidFill>
+            <a:srgbClr val="FFAB40"/>
+          </a:solidFill>
+        </p:spPr>
+        <p:txBody>
+          <a:bodyPr wrap="square" rtlCol="0">
+            <a:spAutoFit/>
+          </a:bodyPr>
+          <a:lstStyle/>
+          <a:p>
+            <a:r>
+              <a:rPr lang="fr-FR" sz="1400" dirty="0" smtClean="0"/>
+              <a:t> 3</a:t>
+            </a:r>
+            <a:endParaRPr lang="fr-FR" dirty="0"/>
+          </a:p>
+        </p:txBody>
+      </p:sp>
+      <p:sp>
+        <p:nvSpPr>
+          <p:cNvPr id="15" name="Espace réservé du pied de page 4"/>
+          <p:cNvSpPr>
+            <a:spLocks noGrp="1"/>
+          </p:cNvSpPr>
+          <p:nvPr>
+            <p:ph type="ftr" sz="quarter" idx="3"/>
+          </p:nvPr>
+        </p:nvSpPr>
+        <p:spPr>
+          <a:xfrm>
+            <a:off x="194408" y="6435303"/>
+            <a:ext cx="5672016" cy="365125"/>
+          </a:xfrm>
+        </p:spPr>
+        <p:txBody>
+          <a:bodyPr/>
+          <a:lstStyle/>
+          <a:p>
             <a:r>
               <a:rPr lang="en-US" dirty="0" smtClean="0"/>
-              <a:t>well</a:t>
+              <a:t>2025 | ©</a:t>
+            </a:r>
+            <a:r>
+              <a:rPr lang="en-US" dirty="0" err="1" smtClean="0"/>
+              <a:t>HeadMind</a:t>
+            </a:r>
+            <a:r>
+              <a:rPr lang="en-US" dirty="0" smtClean="0"/>
+              <a:t> Partners</a:t>
             </a:r>
             <a:endParaRPr lang="fr-FR" dirty="0"/>
           </a:p>
@@ -13798,7 +13896,7 @@
     </p:spTree>
     <p:extLst>
       <p:ext uri="{BB962C8B-B14F-4D97-AF65-F5344CB8AC3E}">
-        <p14:creationId xmlns:p14="http://schemas.microsoft.com/office/powerpoint/2010/main" val="1992080593"/>
+        <p14:creationId xmlns:p14="http://schemas.microsoft.com/office/powerpoint/2010/main" val="4014395332"/>
       </p:ext>
     </p:extLst>
   </p:cSld>
@@ -13842,11 +13940,7 @@
           <a:p>
             <a:r>
               <a:rPr lang="fr-FR" dirty="0" smtClean="0"/>
-              <a:t>Model </a:t>
-            </a:r>
-            <a:r>
-              <a:rPr lang="fr-FR" dirty="0" err="1" smtClean="0"/>
-              <a:t>deployment</a:t>
+              <a:t>Model training</a:t>
             </a:r>
             <a:endParaRPr lang="fr-FR" dirty="0"/>
           </a:p>
@@ -13854,48 +13948,148 @@
       </p:sp>
       <p:sp>
         <p:nvSpPr>
-          <p:cNvPr id="3" name="Espace réservé du texte 2"/>
-          <p:cNvSpPr>
-            <a:spLocks noGrp="1"/>
-          </p:cNvSpPr>
-          <p:nvPr>
-            <p:ph type="body" sz="quarter" idx="10"/>
-          </p:nvPr>
-        </p:nvSpPr>
-        <p:spPr>
-          <a:xfrm>
-            <a:off x="4385569" y="4459399"/>
-            <a:ext cx="7222956" cy="1128170"/>
-          </a:xfrm>
-        </p:spPr>
+          <p:cNvPr id="4" name="Espace réservé du numéro de diapositive 3"/>
+          <p:cNvSpPr>
+            <a:spLocks noGrp="1"/>
+          </p:cNvSpPr>
+          <p:nvPr>
+            <p:ph type="sldNum" sz="quarter" idx="4"/>
+          </p:nvPr>
+        </p:nvSpPr>
+        <p:spPr/>
         <p:txBody>
           <a:bodyPr/>
           <a:lstStyle/>
           <a:p>
+            <a:pPr>
+              <a:defRPr/>
+            </a:pPr>
+            <a:fld id="{F4FEB08F-923E-484A-9FC5-0AA7BDA29BD6}" type="slidenum">
+              <a:rPr lang="fr-FR" smtClean="0"/>
+              <a:pPr>
+                <a:defRPr/>
+              </a:pPr>
+              <a:t>11</a:t>
+            </a:fld>
+            <a:endParaRPr lang="fr-FR" dirty="0"/>
+          </a:p>
+        </p:txBody>
+      </p:sp>
+      <p:sp>
+        <p:nvSpPr>
+          <p:cNvPr id="5" name="Espace réservé du pied de page 4"/>
+          <p:cNvSpPr>
+            <a:spLocks noGrp="1"/>
+          </p:cNvSpPr>
+          <p:nvPr>
+            <p:ph type="ftr" sz="quarter" idx="3"/>
+          </p:nvPr>
+        </p:nvSpPr>
+        <p:spPr/>
+        <p:txBody>
+          <a:bodyPr/>
+          <a:lstStyle/>
+          <a:p>
             <a:r>
               <a:rPr lang="en-US" dirty="0" smtClean="0"/>
-              <a:t>Specificities, </a:t>
-            </a:r>
-            <a:r>
-              <a:rPr lang="en-US" dirty="0"/>
-              <a:t>Batch inference </a:t>
+              <a:t>2025 | ©</a:t>
+            </a:r>
+            <a:r>
+              <a:rPr lang="en-US" dirty="0" err="1" smtClean="0"/>
+              <a:t>HeadMind</a:t>
             </a:r>
             <a:r>
               <a:rPr lang="en-US" dirty="0" smtClean="0"/>
-              <a:t>V.S. </a:t>
-            </a:r>
-            <a:r>
-              <a:rPr lang="en-US" dirty="0"/>
-              <a:t>streaming</a:t>
+              <a:t> Partners</a:t>
             </a:r>
             <a:endParaRPr lang="fr-FR" dirty="0"/>
           </a:p>
         </p:txBody>
       </p:sp>
+      <p:sp>
+        <p:nvSpPr>
+          <p:cNvPr id="3" name="Espace réservé du texte 2"/>
+          <p:cNvSpPr>
+            <a:spLocks noGrp="1"/>
+          </p:cNvSpPr>
+          <p:nvPr>
+            <p:ph type="body" sz="quarter" idx="14"/>
+          </p:nvPr>
+        </p:nvSpPr>
+        <p:spPr>
+          <a:xfrm>
+            <a:off x="5202604" y="4894268"/>
+            <a:ext cx="2547602" cy="1049137"/>
+          </a:xfrm>
+        </p:spPr>
+        <p:txBody>
+          <a:bodyPr/>
+          <a:lstStyle/>
+          <a:p>
+            <a:pPr marL="0" indent="0">
+              <a:buNone/>
+            </a:pPr>
+            <a:r>
+              <a:rPr lang="fr-FR" dirty="0" smtClean="0"/>
+              <a:t>Part 1 of the </a:t>
+            </a:r>
+            <a:r>
+              <a:rPr lang="fr-FR" dirty="0" err="1" smtClean="0"/>
+              <a:t>lab</a:t>
+            </a:r>
+            <a:r>
+              <a:rPr lang="fr-FR" dirty="0" smtClean="0"/>
+              <a:t> !</a:t>
+            </a:r>
+            <a:endParaRPr lang="fr-FR" dirty="0"/>
+          </a:p>
+        </p:txBody>
+      </p:sp>
+      <p:pic>
+        <p:nvPicPr>
+          <p:cNvPr id="11" name="Picture 2" descr="👨‍💻 Informaticien Emoji"/>
+          <p:cNvPicPr>
+            <a:picLocks noChangeAspect="1" noChangeArrowheads="1"/>
+          </p:cNvPicPr>
+          <p:nvPr/>
+        </p:nvPicPr>
+        <p:blipFill>
+          <a:blip r:embed="rId2">
+            <a:extLst>
+              <a:ext uri="{28A0092B-C50C-407E-A947-70E740481C1C}">
+                <a14:useLocalDpi xmlns:a14="http://schemas.microsoft.com/office/drawing/2010/main" val="0"/>
+              </a:ext>
+            </a:extLst>
+          </a:blip>
+          <a:srcRect/>
+          <a:stretch>
+            <a:fillRect/>
+          </a:stretch>
+        </p:blipFill>
+        <p:spPr bwMode="auto">
+          <a:xfrm>
+            <a:off x="4505528" y="1544634"/>
+            <a:ext cx="3165803" cy="3165803"/>
+          </a:xfrm>
+          <a:prstGeom prst="rect">
+            <a:avLst/>
+          </a:prstGeom>
+          <a:noFill/>
+          <a:extLst>
+            <a:ext uri="{909E8E84-426E-40DD-AFC4-6F175D3DCCD1}">
+              <a14:hiddenFill xmlns:a14="http://schemas.microsoft.com/office/drawing/2010/main">
+                <a:solidFill>
+                  <a:srgbClr val="FFFFFF"/>
+                </a:solidFill>
+              </a14:hiddenFill>
+            </a:ext>
+          </a:extLst>
+        </p:spPr>
+      </p:pic>
     </p:spTree>
     <p:extLst>
       <p:ext uri="{BB962C8B-B14F-4D97-AF65-F5344CB8AC3E}">
-        <p14:creationId xmlns:p14="http://schemas.microsoft.com/office/powerpoint/2010/main" val="354128735"/>
+        <p14:creationId xmlns:p14="http://schemas.microsoft.com/office/powerpoint/2010/main" val="2213275979"/>
       </p:ext>
     </p:extLst>
   </p:cSld>
@@ -13938,16 +14132,16 @@
           <a:lstStyle/>
           <a:p>
             <a:r>
-              <a:rPr lang="fr-FR" dirty="0" err="1"/>
-              <a:t>Endpoints</a:t>
-            </a:r>
-            <a:r>
-              <a:rPr lang="fr-FR" dirty="0"/>
-              <a:t> &amp; </a:t>
-            </a:r>
-            <a:r>
-              <a:rPr lang="fr-FR" dirty="0" err="1"/>
-              <a:t>Deployments</a:t>
+              <a:rPr lang="fr-FR" dirty="0" err="1" smtClean="0"/>
+              <a:t>Hyperparameter</a:t>
+            </a:r>
+            <a:r>
+              <a:rPr lang="fr-FR" dirty="0" smtClean="0"/>
+              <a:t> </a:t>
+            </a:r>
+            <a:r>
+              <a:rPr lang="fr-FR" dirty="0" err="1" smtClean="0"/>
+              <a:t>tuning</a:t>
             </a:r>
             <a:endParaRPr lang="fr-FR" dirty="0"/>
           </a:p>
@@ -13984,6 +14178,37 @@
       </p:sp>
       <p:sp>
         <p:nvSpPr>
+          <p:cNvPr id="5" name="Espace réservé du pied de page 4"/>
+          <p:cNvSpPr>
+            <a:spLocks noGrp="1"/>
+          </p:cNvSpPr>
+          <p:nvPr>
+            <p:ph type="ftr" sz="quarter" idx="3"/>
+          </p:nvPr>
+        </p:nvSpPr>
+        <p:spPr/>
+        <p:txBody>
+          <a:bodyPr/>
+          <a:lstStyle/>
+          <a:p>
+            <a:r>
+              <a:rPr lang="en-US" dirty="0" smtClean="0"/>
+              <a:t>2025 | ©</a:t>
+            </a:r>
+            <a:r>
+              <a:rPr lang="en-US" dirty="0" err="1" smtClean="0"/>
+              <a:t>HeadMind</a:t>
+            </a:r>
+            <a:r>
+              <a:rPr lang="en-US" dirty="0" smtClean="0"/>
+              <a:t> Partners</a:t>
+            </a:r>
+            <a:endParaRPr lang="fr-FR" dirty="0"/>
+          </a:p>
+        </p:txBody>
+      </p:sp>
+      <p:sp>
+        <p:nvSpPr>
           <p:cNvPr id="6" name="Espace réservé du texte 5"/>
           <p:cNvSpPr>
             <a:spLocks noGrp="1"/>
@@ -13992,12 +14217,7 @@
             <p:ph type="body" sz="quarter" idx="14"/>
           </p:nvPr>
         </p:nvSpPr>
-        <p:spPr>
-          <a:xfrm>
-            <a:off x="527381" y="1568450"/>
-            <a:ext cx="11502693" cy="4467225"/>
-          </a:xfrm>
-        </p:spPr>
+        <p:spPr/>
         <p:txBody>
           <a:bodyPr/>
           <a:lstStyle/>
@@ -14006,34 +14226,182 @@
               <a:buNone/>
             </a:pPr>
             <a:r>
+              <a:rPr lang="fr-FR" dirty="0" err="1" smtClean="0"/>
+              <a:t>What’s</a:t>
+            </a:r>
+            <a:r>
+              <a:rPr lang="fr-FR" dirty="0" smtClean="0"/>
+              <a:t> </a:t>
+            </a:r>
+            <a:r>
+              <a:rPr lang="fr-FR" dirty="0" err="1" smtClean="0"/>
+              <a:t>hyperparameter</a:t>
+            </a:r>
+            <a:r>
+              <a:rPr lang="fr-FR" dirty="0" smtClean="0"/>
+              <a:t> </a:t>
+            </a:r>
+            <a:r>
+              <a:rPr lang="fr-FR" dirty="0" err="1" smtClean="0"/>
+              <a:t>tuning</a:t>
+            </a:r>
+            <a:r>
+              <a:rPr lang="fr-FR" dirty="0" smtClean="0"/>
+              <a:t> ?</a:t>
+            </a:r>
+          </a:p>
+          <a:p>
+            <a:r>
+              <a:rPr lang="fr-FR" dirty="0" err="1" smtClean="0"/>
+              <a:t>Aims</a:t>
+            </a:r>
+            <a:r>
+              <a:rPr lang="fr-FR" dirty="0" smtClean="0"/>
+              <a:t> to </a:t>
+            </a:r>
+            <a:r>
+              <a:rPr lang="fr-FR" dirty="0" err="1" smtClean="0"/>
+              <a:t>find</a:t>
+            </a:r>
+            <a:r>
+              <a:rPr lang="fr-FR" dirty="0" smtClean="0"/>
+              <a:t> the best </a:t>
+            </a:r>
+            <a:r>
               <a:rPr lang="fr-FR" b="1" dirty="0" err="1" smtClean="0"/>
-              <a:t>Endpoint</a:t>
+              <a:t>hyperparameters</a:t>
             </a:r>
             <a:r>
               <a:rPr lang="fr-FR" dirty="0" smtClean="0"/>
-              <a:t> ? </a:t>
-            </a:r>
-            <a:endParaRPr lang="fr-FR" dirty="0" smtClean="0"/>
-          </a:p>
-          <a:p>
-            <a:r>
-              <a:rPr lang="en-US" dirty="0"/>
-              <a:t>An endpoint is a server that handles incoming requests. It distributes the necessary computations to provide responses with minimal latency. </a:t>
-            </a:r>
-            <a:endParaRPr lang="en-US" dirty="0" smtClean="0"/>
-          </a:p>
-          <a:p>
-            <a:r>
-              <a:rPr lang="en-US" dirty="0" smtClean="0"/>
-              <a:t>By </a:t>
-            </a:r>
-            <a:r>
-              <a:rPr lang="en-US" dirty="0"/>
-              <a:t>exposing a model through an API, applications can send data and receive predictions</a:t>
-            </a:r>
-            <a:r>
-              <a:rPr lang="en-US" dirty="0" smtClean="0"/>
-              <a:t>.</a:t>
+              <a:t> of a model (batch size, </a:t>
+            </a:r>
+            <a:r>
+              <a:rPr lang="fr-FR" dirty="0" err="1" smtClean="0"/>
+              <a:t>number</a:t>
+            </a:r>
+            <a:r>
+              <a:rPr lang="fr-FR" dirty="0" smtClean="0"/>
+              <a:t> of </a:t>
+            </a:r>
+            <a:r>
+              <a:rPr lang="fr-FR" dirty="0" err="1" smtClean="0"/>
+              <a:t>hidden</a:t>
+            </a:r>
+            <a:r>
+              <a:rPr lang="fr-FR" dirty="0" smtClean="0"/>
+              <a:t> </a:t>
+            </a:r>
+            <a:r>
+              <a:rPr lang="fr-FR" dirty="0" err="1" smtClean="0"/>
+              <a:t>layers</a:t>
+            </a:r>
+            <a:r>
+              <a:rPr lang="fr-FR" dirty="0" smtClean="0"/>
+              <a:t>…)</a:t>
+            </a:r>
+          </a:p>
+          <a:p>
+            <a:r>
+              <a:rPr lang="fr-FR" dirty="0" smtClean="0"/>
+              <a:t>Not to </a:t>
+            </a:r>
+            <a:r>
+              <a:rPr lang="fr-FR" dirty="0" err="1" smtClean="0"/>
+              <a:t>be</a:t>
+            </a:r>
+            <a:r>
+              <a:rPr lang="fr-FR" dirty="0" smtClean="0"/>
+              <a:t> </a:t>
+            </a:r>
+            <a:r>
+              <a:rPr lang="fr-FR" dirty="0" err="1" smtClean="0"/>
+              <a:t>confused</a:t>
+            </a:r>
+            <a:r>
+              <a:rPr lang="fr-FR" dirty="0" smtClean="0"/>
+              <a:t> </a:t>
+            </a:r>
+            <a:r>
+              <a:rPr lang="fr-FR" dirty="0" err="1" smtClean="0"/>
+              <a:t>with</a:t>
+            </a:r>
+            <a:r>
+              <a:rPr lang="fr-FR" dirty="0" smtClean="0"/>
+              <a:t> model </a:t>
+            </a:r>
+            <a:r>
+              <a:rPr lang="fr-FR" dirty="0" err="1" smtClean="0"/>
+              <a:t>parameters</a:t>
+            </a:r>
+            <a:r>
+              <a:rPr lang="fr-FR" dirty="0" smtClean="0"/>
+              <a:t> (</a:t>
+            </a:r>
+            <a:r>
+              <a:rPr lang="fr-FR" dirty="0" err="1" smtClean="0"/>
+              <a:t>weight</a:t>
+            </a:r>
+            <a:r>
+              <a:rPr lang="fr-FR" dirty="0" smtClean="0"/>
+              <a:t> and </a:t>
+            </a:r>
+            <a:r>
+              <a:rPr lang="fr-FR" dirty="0" err="1" smtClean="0"/>
+              <a:t>bias</a:t>
+            </a:r>
+            <a:r>
+              <a:rPr lang="fr-FR" dirty="0" smtClean="0"/>
+              <a:t> of </a:t>
+            </a:r>
+            <a:r>
+              <a:rPr lang="fr-FR" dirty="0" err="1" smtClean="0"/>
+              <a:t>each</a:t>
+            </a:r>
+            <a:r>
+              <a:rPr lang="fr-FR" dirty="0" smtClean="0"/>
+              <a:t> </a:t>
+            </a:r>
+            <a:r>
+              <a:rPr lang="fr-FR" dirty="0" err="1" smtClean="0"/>
+              <a:t>neuron</a:t>
+            </a:r>
+            <a:r>
+              <a:rPr lang="fr-FR" dirty="0" smtClean="0"/>
+              <a:t>)</a:t>
+            </a:r>
+          </a:p>
+          <a:p>
+            <a:r>
+              <a:rPr lang="fr-FR" dirty="0" err="1" smtClean="0"/>
+              <a:t>These</a:t>
+            </a:r>
+            <a:r>
+              <a:rPr lang="fr-FR" dirty="0" smtClean="0"/>
+              <a:t> high-</a:t>
+            </a:r>
+            <a:r>
+              <a:rPr lang="fr-FR" dirty="0" err="1" smtClean="0"/>
+              <a:t>level</a:t>
+            </a:r>
+            <a:r>
+              <a:rPr lang="fr-FR" dirty="0" smtClean="0"/>
+              <a:t> </a:t>
+            </a:r>
+            <a:r>
+              <a:rPr lang="fr-FR" dirty="0" err="1" smtClean="0"/>
+              <a:t>hyperparameters</a:t>
+            </a:r>
+            <a:r>
+              <a:rPr lang="fr-FR" dirty="0" smtClean="0"/>
+              <a:t> </a:t>
+            </a:r>
+            <a:r>
+              <a:rPr lang="fr-FR" dirty="0" err="1" smtClean="0"/>
+              <a:t>will</a:t>
+            </a:r>
+            <a:r>
+              <a:rPr lang="fr-FR" dirty="0" smtClean="0"/>
+              <a:t> influence model training </a:t>
             </a:r>
           </a:p>
           <a:p>
@@ -14044,133 +14412,187 @@
               <a:buNone/>
             </a:pPr>
             <a:r>
-              <a:rPr lang="en-US" b="1" dirty="0" smtClean="0"/>
-              <a:t>Deploying</a:t>
+              <a:rPr lang="fr-FR" dirty="0" smtClean="0"/>
+              <a:t>In </a:t>
+            </a:r>
+            <a:r>
+              <a:rPr lang="fr-FR" dirty="0" err="1" smtClean="0"/>
+              <a:t>this</a:t>
+            </a:r>
+            <a:r>
+              <a:rPr lang="fr-FR" dirty="0" smtClean="0"/>
+              <a:t> </a:t>
+            </a:r>
+            <a:r>
+              <a:rPr lang="fr-FR" dirty="0" err="1" smtClean="0"/>
+              <a:t>lab</a:t>
+            </a:r>
+            <a:r>
+              <a:rPr lang="fr-FR" dirty="0" smtClean="0"/>
+              <a:t>, Azure </a:t>
+            </a:r>
+            <a:r>
+              <a:rPr lang="fr-FR" dirty="0" err="1" smtClean="0"/>
+              <a:t>provides</a:t>
+            </a:r>
+            <a:r>
+              <a:rPr lang="fr-FR" dirty="0" smtClean="0"/>
+              <a:t> us </a:t>
+            </a:r>
+            <a:r>
+              <a:rPr lang="fr-FR" dirty="0" err="1" smtClean="0"/>
+              <a:t>with</a:t>
+            </a:r>
+            <a:r>
+              <a:rPr lang="fr-FR" dirty="0" smtClean="0"/>
+              <a:t> one </a:t>
+            </a:r>
+            <a:r>
+              <a:rPr lang="fr-FR" dirty="0" err="1" smtClean="0"/>
+              <a:t>method</a:t>
+            </a:r>
+            <a:r>
+              <a:rPr lang="fr-FR" dirty="0" smtClean="0"/>
+              <a:t> : </a:t>
+            </a:r>
+            <a:r>
+              <a:rPr lang="fr-FR" b="1" dirty="0" err="1" smtClean="0"/>
+              <a:t>sweep</a:t>
+            </a:r>
+            <a:r>
+              <a:rPr lang="fr-FR" b="1" dirty="0" smtClean="0"/>
+              <a:t>()</a:t>
+            </a:r>
+            <a:r>
+              <a:rPr lang="fr-FR" dirty="0" smtClean="0"/>
+              <a:t> </a:t>
+            </a:r>
+          </a:p>
+          <a:p>
+            <a:r>
+              <a:rPr lang="fr-FR" dirty="0" err="1" smtClean="0"/>
+              <a:t>Define</a:t>
+            </a:r>
+            <a:r>
+              <a:rPr lang="fr-FR" dirty="0" smtClean="0"/>
+              <a:t> a </a:t>
+            </a:r>
+            <a:r>
+              <a:rPr lang="fr-FR" dirty="0" err="1" smtClean="0"/>
+              <a:t>search</a:t>
+            </a:r>
+            <a:r>
+              <a:rPr lang="fr-FR" dirty="0" smtClean="0"/>
+              <a:t> </a:t>
+            </a:r>
+            <a:r>
+              <a:rPr lang="fr-FR" dirty="0" err="1" smtClean="0"/>
+              <a:t>space</a:t>
+            </a:r>
+            <a:r>
+              <a:rPr lang="fr-FR" dirty="0" smtClean="0"/>
+              <a:t> : </a:t>
+            </a:r>
+            <a:r>
+              <a:rPr lang="fr-FR" dirty="0" err="1" smtClean="0"/>
+              <a:t>give</a:t>
+            </a:r>
+            <a:r>
+              <a:rPr lang="fr-FR" dirty="0" smtClean="0"/>
+              <a:t> ranges of values for </a:t>
+            </a:r>
+            <a:r>
+              <a:rPr lang="fr-FR" dirty="0" err="1" smtClean="0"/>
+              <a:t>each</a:t>
+            </a:r>
+            <a:r>
+              <a:rPr lang="fr-FR" dirty="0" smtClean="0"/>
+              <a:t> </a:t>
+            </a:r>
+            <a:r>
+              <a:rPr lang="fr-FR" dirty="0" err="1" smtClean="0"/>
+              <a:t>hyperparameter</a:t>
+            </a:r>
+            <a:r>
+              <a:rPr lang="fr-FR" dirty="0" smtClean="0"/>
+              <a:t> </a:t>
+            </a:r>
+            <a:r>
+              <a:rPr lang="fr-FR" dirty="0" err="1" smtClean="0"/>
+              <a:t>you</a:t>
+            </a:r>
+            <a:r>
+              <a:rPr lang="fr-FR" dirty="0" smtClean="0"/>
+              <a:t> </a:t>
+            </a:r>
+            <a:r>
+              <a:rPr lang="fr-FR" dirty="0" err="1" smtClean="0"/>
+              <a:t>want</a:t>
+            </a:r>
+            <a:r>
+              <a:rPr lang="fr-FR" dirty="0" smtClean="0"/>
+              <a:t> to tune</a:t>
+            </a:r>
+          </a:p>
+          <a:p>
+            <a:r>
+              <a:rPr lang="fr-FR" b="1" dirty="0" err="1"/>
+              <a:t>s</a:t>
+            </a:r>
+            <a:r>
+              <a:rPr lang="fr-FR" b="1" dirty="0" err="1" smtClean="0"/>
+              <a:t>weep</a:t>
+            </a:r>
+            <a:r>
+              <a:rPr lang="fr-FR" b="1" dirty="0" smtClean="0"/>
+              <a:t>() </a:t>
+            </a:r>
+            <a:r>
+              <a:rPr lang="fr-FR" dirty="0" err="1" smtClean="0"/>
+              <a:t>will</a:t>
+            </a:r>
+            <a:r>
+              <a:rPr lang="fr-FR" dirty="0" smtClean="0"/>
+              <a:t> test all or </a:t>
+            </a:r>
+            <a:r>
+              <a:rPr lang="fr-FR" dirty="0" err="1" smtClean="0"/>
+              <a:t>some</a:t>
+            </a:r>
+            <a:r>
+              <a:rPr lang="fr-FR" dirty="0" smtClean="0"/>
+              <a:t> </a:t>
+            </a:r>
+            <a:r>
+              <a:rPr lang="fr-FR" dirty="0" err="1" smtClean="0"/>
+              <a:t>combinations</a:t>
+            </a:r>
+            <a:r>
+              <a:rPr lang="fr-FR" dirty="0" smtClean="0"/>
+              <a:t> of </a:t>
+            </a:r>
+            <a:r>
+              <a:rPr lang="fr-FR" dirty="0" err="1" smtClean="0"/>
+              <a:t>hyperparameters</a:t>
+            </a:r>
+            <a:r>
+              <a:rPr lang="fr-FR" dirty="0" smtClean="0"/>
+              <a:t> and output the best </a:t>
+            </a:r>
+            <a:r>
+              <a:rPr lang="fr-FR" dirty="0" err="1" smtClean="0"/>
+              <a:t>result</a:t>
+            </a:r>
+            <a:endParaRPr lang="fr-FR" dirty="0" smtClean="0"/>
+          </a:p>
+          <a:p>
+            <a:r>
+              <a:rPr lang="en-US" dirty="0"/>
+              <a:t>You also need to choose a tolerance threshold that allows you to stop training if it becomes clear that the model will not perform </a:t>
             </a:r>
             <a:r>
               <a:rPr lang="en-US" dirty="0" smtClean="0"/>
-              <a:t> </a:t>
-            </a:r>
-            <a:r>
-              <a:rPr lang="en-US" dirty="0"/>
-              <a:t>to an endpoint involves allocating a resource that hosts a model and makes it accessible via an API for inference.</a:t>
-            </a:r>
-          </a:p>
-          <a:p>
-            <a:pPr marL="0" indent="0">
-              <a:buNone/>
-            </a:pPr>
-            <a:endParaRPr lang="en-US" dirty="0"/>
-          </a:p>
-          <a:p>
-            <a:pPr marL="0" indent="0">
-              <a:buNone/>
-            </a:pPr>
-            <a:endParaRPr lang="en-US" dirty="0"/>
-          </a:p>
-          <a:p>
-            <a:pPr marL="0" indent="0">
-              <a:buNone/>
-            </a:pPr>
-            <a:endParaRPr lang="en-US" dirty="0"/>
-          </a:p>
-          <a:p>
-            <a:pPr marL="0" indent="0">
-              <a:buNone/>
-            </a:pPr>
-            <a:endParaRPr lang="en-US" dirty="0"/>
-          </a:p>
-          <a:p>
-            <a:pPr marL="0" indent="0">
-              <a:buNone/>
-            </a:pPr>
-            <a:endParaRPr lang="en-US" dirty="0"/>
-          </a:p>
-          <a:p>
-            <a:pPr marL="0" indent="0">
-              <a:buNone/>
-            </a:pPr>
-            <a:endParaRPr lang="en-US" dirty="0"/>
-          </a:p>
-          <a:p>
-            <a:pPr marL="0" indent="0">
-              <a:buNone/>
-            </a:pPr>
-            <a:endParaRPr lang="fr-FR" dirty="0" smtClean="0"/>
-          </a:p>
-          <a:p>
-            <a:pPr marL="0" indent="0">
-              <a:buNone/>
-            </a:pPr>
-            <a:endParaRPr lang="fr-FR" dirty="0"/>
-          </a:p>
-          <a:p>
-            <a:pPr marL="0" indent="0">
-              <a:buNone/>
-            </a:pPr>
-            <a:endParaRPr lang="fr-FR" dirty="0"/>
-          </a:p>
-        </p:txBody>
-      </p:sp>
-      <p:pic>
-        <p:nvPicPr>
-          <p:cNvPr id="3" name="Image 2"/>
-          <p:cNvPicPr>
-            <a:picLocks noChangeAspect="1"/>
-          </p:cNvPicPr>
-          <p:nvPr/>
-        </p:nvPicPr>
-        <p:blipFill>
-          <a:blip r:embed="rId2"/>
-          <a:stretch>
-            <a:fillRect/>
-          </a:stretch>
-        </p:blipFill>
-        <p:spPr>
-          <a:xfrm>
-            <a:off x="2956264" y="4077512"/>
-            <a:ext cx="4909537" cy="2050387"/>
-          </a:xfrm>
-          <a:prstGeom prst="rect">
-            <a:avLst/>
-          </a:prstGeom>
-        </p:spPr>
-      </p:pic>
-      <p:sp>
-        <p:nvSpPr>
-          <p:cNvPr id="7" name="Espace réservé du pied de page 4"/>
-          <p:cNvSpPr>
-            <a:spLocks noGrp="1"/>
-          </p:cNvSpPr>
-          <p:nvPr>
-            <p:ph type="ftr" sz="quarter" idx="3"/>
-          </p:nvPr>
-        </p:nvSpPr>
-        <p:spPr>
-          <a:xfrm>
-            <a:off x="194408" y="6435303"/>
-            <a:ext cx="5672016" cy="365125"/>
-          </a:xfrm>
-        </p:spPr>
-        <p:txBody>
-          <a:bodyPr/>
-          <a:lstStyle/>
-          <a:p>
-            <a:r>
-              <a:rPr lang="en-US" dirty="0" smtClean="0"/>
-              <a:t>2025 </a:t>
-            </a:r>
-            <a:r>
-              <a:rPr lang="en-US" dirty="0" smtClean="0"/>
-              <a:t>| ©</a:t>
-            </a:r>
-            <a:r>
-              <a:rPr lang="en-US" dirty="0" err="1" smtClean="0"/>
-              <a:t>HeadMind</a:t>
-            </a:r>
-            <a:r>
-              <a:rPr lang="en-US" dirty="0" smtClean="0"/>
-              <a:t> Partners</a:t>
+              <a:t>well</a:t>
             </a:r>
             <a:endParaRPr lang="fr-FR" dirty="0"/>
           </a:p>
@@ -14179,20 +14601,13 @@
     </p:spTree>
     <p:extLst>
       <p:ext uri="{BB962C8B-B14F-4D97-AF65-F5344CB8AC3E}">
-        <p14:creationId xmlns:p14="http://schemas.microsoft.com/office/powerpoint/2010/main" val="1355928903"/>
+        <p14:creationId xmlns:p14="http://schemas.microsoft.com/office/powerpoint/2010/main" val="1992080593"/>
       </p:ext>
     </p:extLst>
   </p:cSld>
   <p:clrMapOvr>
     <a:masterClrMapping/>
   </p:clrMapOvr>
-  <p:timing>
-    <p:tnLst>
-      <p:par>
-        <p:cTn id="1" dur="indefinite" restart="never" nodeType="tmRoot"/>
-      </p:par>
-    </p:tnLst>
-  </p:timing>
 </p:sld>
 </file>
 
@@ -14230,7 +14645,11 @@
           <a:p>
             <a:r>
               <a:rPr lang="fr-FR" dirty="0" smtClean="0"/>
-              <a:t>Batch vs Streaming</a:t>
+              <a:t>Model </a:t>
+            </a:r>
+            <a:r>
+              <a:rPr lang="fr-FR" dirty="0" err="1" smtClean="0"/>
+              <a:t>deployment</a:t>
             </a:r>
             <a:endParaRPr lang="fr-FR" dirty="0"/>
           </a:p>
@@ -14238,581 +14657,39 @@
       </p:sp>
       <p:sp>
         <p:nvSpPr>
-          <p:cNvPr id="3" name="Espace réservé du numéro de diapositive 2"/>
-          <p:cNvSpPr>
-            <a:spLocks noGrp="1"/>
-          </p:cNvSpPr>
-          <p:nvPr>
-            <p:ph type="sldNum" sz="quarter" idx="4"/>
-          </p:nvPr>
-        </p:nvSpPr>
-        <p:spPr/>
+          <p:cNvPr id="3" name="Espace réservé du texte 2"/>
+          <p:cNvSpPr>
+            <a:spLocks noGrp="1"/>
+          </p:cNvSpPr>
+          <p:nvPr>
+            <p:ph type="body" sz="quarter" idx="10"/>
+          </p:nvPr>
+        </p:nvSpPr>
+        <p:spPr>
+          <a:xfrm>
+            <a:off x="4385569" y="4459399"/>
+            <a:ext cx="7222956" cy="1128170"/>
+          </a:xfrm>
+        </p:spPr>
         <p:txBody>
           <a:bodyPr/>
           <a:lstStyle/>
           <a:p>
-            <a:pPr>
-              <a:defRPr/>
-            </a:pPr>
-            <a:fld id="{F4FEB08F-923E-484A-9FC5-0AA7BDA29BD6}" type="slidenum">
-              <a:rPr lang="fr-FR" smtClean="0"/>
-              <a:pPr>
-                <a:defRPr/>
-              </a:pPr>
-              <a:t>13</a:t>
-            </a:fld>
-            <a:endParaRPr lang="fr-FR" dirty="0"/>
-          </a:p>
-        </p:txBody>
-      </p:sp>
-      <p:sp>
-        <p:nvSpPr>
-          <p:cNvPr id="5" name="Espace réservé du texte 4"/>
-          <p:cNvSpPr>
-            <a:spLocks noGrp="1"/>
-          </p:cNvSpPr>
-          <p:nvPr>
-            <p:ph type="body" sz="quarter" idx="13"/>
-          </p:nvPr>
-        </p:nvSpPr>
-        <p:spPr>
-          <a:xfrm>
-            <a:off x="818228" y="2845802"/>
-            <a:ext cx="4557487" cy="3132088"/>
-          </a:xfrm>
-        </p:spPr>
-        <p:txBody>
-          <a:bodyPr/>
-          <a:lstStyle/>
-          <a:p>
-            <a:r>
-              <a:rPr lang="fr-FR" dirty="0" err="1"/>
-              <a:t>Idea</a:t>
-            </a:r>
-            <a:r>
-              <a:rPr lang="fr-FR" dirty="0"/>
-              <a:t>: </a:t>
-            </a:r>
-            <a:r>
-              <a:rPr lang="fr-FR" dirty="0" err="1"/>
-              <a:t>Process</a:t>
-            </a:r>
-            <a:r>
-              <a:rPr lang="fr-FR" dirty="0"/>
-              <a:t> large volumes of data by </a:t>
-            </a:r>
-            <a:r>
-              <a:rPr lang="fr-FR" dirty="0" err="1"/>
-              <a:t>parallelizing</a:t>
-            </a:r>
-            <a:r>
-              <a:rPr lang="fr-FR" dirty="0"/>
-              <a:t> computations, </a:t>
-            </a:r>
-            <a:r>
-              <a:rPr lang="fr-FR" dirty="0" err="1"/>
-              <a:t>particularly</a:t>
-            </a:r>
-            <a:r>
-              <a:rPr lang="fr-FR" dirty="0"/>
-              <a:t> </a:t>
-            </a:r>
-            <a:r>
-              <a:rPr lang="fr-FR" dirty="0" err="1"/>
-              <a:t>using</a:t>
-            </a:r>
-            <a:r>
-              <a:rPr lang="fr-FR" dirty="0"/>
-              <a:t> </a:t>
-            </a:r>
-            <a:r>
-              <a:rPr lang="fr-FR" dirty="0" err="1"/>
-              <a:t>GPUs</a:t>
-            </a:r>
-            <a:r>
-              <a:rPr lang="fr-FR" dirty="0"/>
-              <a:t>.</a:t>
-            </a:r>
-          </a:p>
-          <a:p>
-            <a:pPr marL="285750" indent="-285750">
-              <a:buFont typeface="Arial" panose="020B0604020202020204" pitchFamily="34" charset="0"/>
-              <a:buChar char="•"/>
-            </a:pPr>
-            <a:r>
-              <a:rPr lang="fr-FR" dirty="0" err="1"/>
-              <a:t>Accelerates</a:t>
-            </a:r>
-            <a:r>
-              <a:rPr lang="fr-FR" dirty="0"/>
-              <a:t> data </a:t>
-            </a:r>
-            <a:r>
-              <a:rPr lang="fr-FR" dirty="0" err="1"/>
-              <a:t>processing</a:t>
-            </a:r>
-            <a:r>
-              <a:rPr lang="fr-FR" dirty="0"/>
-              <a:t> and </a:t>
-            </a:r>
-            <a:r>
-              <a:rPr lang="fr-FR" dirty="0" err="1"/>
-              <a:t>optimizes</a:t>
-            </a:r>
-            <a:r>
-              <a:rPr lang="fr-FR" dirty="0"/>
-              <a:t> </a:t>
-            </a:r>
-            <a:r>
-              <a:rPr lang="fr-FR" dirty="0" err="1"/>
-              <a:t>compute</a:t>
-            </a:r>
-            <a:r>
-              <a:rPr lang="fr-FR" dirty="0"/>
-              <a:t> </a:t>
-            </a:r>
-            <a:r>
-              <a:rPr lang="fr-FR" dirty="0" err="1"/>
-              <a:t>resource</a:t>
-            </a:r>
-            <a:r>
-              <a:rPr lang="fr-FR" dirty="0"/>
-              <a:t> </a:t>
-            </a:r>
-            <a:r>
-              <a:rPr lang="fr-FR" dirty="0" err="1"/>
-              <a:t>utilization</a:t>
-            </a:r>
-            <a:r>
-              <a:rPr lang="fr-FR" dirty="0"/>
-              <a:t>, </a:t>
-            </a:r>
-            <a:r>
-              <a:rPr lang="fr-FR" dirty="0" err="1"/>
-              <a:t>thereby</a:t>
-            </a:r>
-            <a:r>
-              <a:rPr lang="fr-FR" dirty="0"/>
-              <a:t> </a:t>
-            </a:r>
-            <a:r>
-              <a:rPr lang="fr-FR" dirty="0" err="1"/>
-              <a:t>reducing</a:t>
-            </a:r>
-            <a:r>
-              <a:rPr lang="fr-FR" dirty="0"/>
-              <a:t> </a:t>
-            </a:r>
-            <a:r>
-              <a:rPr lang="fr-FR" dirty="0" err="1"/>
-              <a:t>operational</a:t>
-            </a:r>
-            <a:r>
-              <a:rPr lang="fr-FR" dirty="0"/>
-              <a:t> </a:t>
-            </a:r>
-            <a:r>
-              <a:rPr lang="fr-FR" dirty="0" err="1"/>
-              <a:t>costs</a:t>
-            </a:r>
-            <a:r>
-              <a:rPr lang="fr-FR" dirty="0"/>
-              <a:t>.</a:t>
-            </a:r>
-          </a:p>
-          <a:p>
-            <a:pPr marL="285750" indent="-285750">
-              <a:buFont typeface="Arial" panose="020B0604020202020204" pitchFamily="34" charset="0"/>
-              <a:buChar char="•"/>
-            </a:pPr>
-            <a:r>
-              <a:rPr lang="fr-FR" dirty="0"/>
-              <a:t>May </a:t>
-            </a:r>
-            <a:r>
-              <a:rPr lang="fr-FR" dirty="0" err="1"/>
-              <a:t>introduce</a:t>
-            </a:r>
-            <a:r>
-              <a:rPr lang="fr-FR" dirty="0"/>
-              <a:t> </a:t>
-            </a:r>
-            <a:r>
-              <a:rPr lang="fr-FR" dirty="0" err="1"/>
-              <a:t>inference</a:t>
-            </a:r>
-            <a:r>
-              <a:rPr lang="fr-FR" dirty="0"/>
-              <a:t> </a:t>
-            </a:r>
-            <a:r>
-              <a:rPr lang="fr-FR" dirty="0" err="1" smtClean="0"/>
-              <a:t>latencies</a:t>
-            </a:r>
-            <a:r>
-              <a:rPr lang="fr-FR" dirty="0"/>
-              <a:t> </a:t>
-            </a:r>
-            <a:r>
-              <a:rPr lang="fr-FR" dirty="0" smtClean="0"/>
-              <a:t>(</a:t>
-            </a:r>
-            <a:r>
-              <a:rPr lang="fr-FR" dirty="0" err="1" smtClean="0"/>
-              <a:t>wait</a:t>
-            </a:r>
-            <a:r>
-              <a:rPr lang="fr-FR" dirty="0" smtClean="0"/>
-              <a:t> for the batch to </a:t>
-            </a:r>
-            <a:r>
-              <a:rPr lang="fr-FR" dirty="0" err="1" smtClean="0"/>
-              <a:t>be</a:t>
-            </a:r>
-            <a:r>
-              <a:rPr lang="fr-FR" dirty="0" smtClean="0"/>
-              <a:t> </a:t>
-            </a:r>
-            <a:r>
-              <a:rPr lang="fr-FR" dirty="0" err="1" smtClean="0"/>
-              <a:t>filled</a:t>
-            </a:r>
-            <a:r>
-              <a:rPr lang="fr-FR" dirty="0" smtClean="0"/>
-              <a:t>, </a:t>
-            </a:r>
-            <a:r>
-              <a:rPr lang="fr-FR" dirty="0" err="1" smtClean="0"/>
-              <a:t>then</a:t>
-            </a:r>
-            <a:r>
-              <a:rPr lang="fr-FR" dirty="0" smtClean="0"/>
-              <a:t> </a:t>
-            </a:r>
-            <a:r>
-              <a:rPr lang="fr-FR" dirty="0" err="1" smtClean="0"/>
-              <a:t>you</a:t>
-            </a:r>
-            <a:r>
-              <a:rPr lang="fr-FR" dirty="0" smtClean="0"/>
-              <a:t> </a:t>
-            </a:r>
-            <a:r>
-              <a:rPr lang="fr-FR" dirty="0" err="1" smtClean="0"/>
-              <a:t>can</a:t>
-            </a:r>
-            <a:r>
-              <a:rPr lang="fr-FR" dirty="0" smtClean="0"/>
-              <a:t> </a:t>
-            </a:r>
-            <a:r>
-              <a:rPr lang="fr-FR" dirty="0" err="1" smtClean="0"/>
-              <a:t>start</a:t>
-            </a:r>
-            <a:r>
-              <a:rPr lang="fr-FR" dirty="0" smtClean="0"/>
-              <a:t> </a:t>
-            </a:r>
-            <a:r>
-              <a:rPr lang="fr-FR" dirty="0" err="1" smtClean="0"/>
-              <a:t>processing</a:t>
-            </a:r>
-            <a:r>
-              <a:rPr lang="fr-FR" dirty="0" smtClean="0"/>
-              <a:t>)</a:t>
-            </a:r>
-          </a:p>
-          <a:p>
-            <a:pPr marL="285750" indent="-285750">
-              <a:buFont typeface="Arial" panose="020B0604020202020204" pitchFamily="34" charset="0"/>
-              <a:buChar char="•"/>
-            </a:pPr>
-            <a:endParaRPr lang="fr-FR" dirty="0"/>
-          </a:p>
-          <a:p>
-            <a:r>
-              <a:rPr lang="fr-FR" dirty="0" err="1" smtClean="0"/>
-              <a:t>Examples</a:t>
-            </a:r>
-            <a:r>
-              <a:rPr lang="fr-FR" dirty="0" smtClean="0"/>
-              <a:t> :</a:t>
-            </a:r>
-            <a:endParaRPr lang="fr-FR" dirty="0"/>
-          </a:p>
-          <a:p>
-            <a:r>
-              <a:rPr lang="fr-FR" dirty="0"/>
-              <a:t>Image </a:t>
-            </a:r>
-            <a:r>
-              <a:rPr lang="fr-FR" dirty="0" smtClean="0"/>
-              <a:t>classification, </a:t>
-            </a:r>
-            <a:r>
-              <a:rPr lang="fr-FR" dirty="0" err="1" smtClean="0"/>
-              <a:t>Hyperparameter</a:t>
-            </a:r>
-            <a:r>
-              <a:rPr lang="fr-FR" dirty="0" smtClean="0"/>
-              <a:t> </a:t>
-            </a:r>
-            <a:r>
-              <a:rPr lang="fr-FR" dirty="0" err="1" smtClean="0"/>
-              <a:t>tuning</a:t>
-            </a:r>
-            <a:r>
-              <a:rPr lang="fr-FR" dirty="0" smtClean="0"/>
-              <a:t>, Large workflow </a:t>
-            </a:r>
-            <a:r>
-              <a:rPr lang="fr-FR" dirty="0" err="1" smtClean="0"/>
-              <a:t>scheduled</a:t>
-            </a:r>
-            <a:r>
-              <a:rPr lang="fr-FR" dirty="0" smtClean="0"/>
-              <a:t> </a:t>
-            </a:r>
-            <a:r>
-              <a:rPr lang="fr-FR" dirty="0" err="1" smtClean="0"/>
-              <a:t>every</a:t>
-            </a:r>
-            <a:r>
-              <a:rPr lang="fr-FR" dirty="0" smtClean="0"/>
-              <a:t> night</a:t>
-            </a:r>
-          </a:p>
-        </p:txBody>
-      </p:sp>
-      <p:sp>
-        <p:nvSpPr>
-          <p:cNvPr id="6" name="Espace réservé du texte 5"/>
-          <p:cNvSpPr>
-            <a:spLocks noGrp="1"/>
-          </p:cNvSpPr>
-          <p:nvPr>
-            <p:ph type="body" sz="quarter" idx="18"/>
-          </p:nvPr>
-        </p:nvSpPr>
-        <p:spPr/>
-        <p:txBody>
-          <a:bodyPr/>
-          <a:lstStyle/>
-          <a:p>
-            <a:r>
-              <a:rPr lang="fr-FR" dirty="0" smtClean="0"/>
-              <a:t>Batch </a:t>
-            </a:r>
-            <a:r>
-              <a:rPr lang="fr-FR" dirty="0" err="1" smtClean="0"/>
-              <a:t>inference</a:t>
-            </a:r>
-            <a:endParaRPr lang="fr-FR" dirty="0"/>
-          </a:p>
-        </p:txBody>
-      </p:sp>
-      <p:sp>
-        <p:nvSpPr>
-          <p:cNvPr id="7" name="Espace réservé du texte 6"/>
-          <p:cNvSpPr>
-            <a:spLocks noGrp="1"/>
-          </p:cNvSpPr>
-          <p:nvPr>
-            <p:ph type="body" sz="quarter" idx="19"/>
-          </p:nvPr>
-        </p:nvSpPr>
-        <p:spPr>
-          <a:xfrm>
-            <a:off x="6612146" y="2845802"/>
-            <a:ext cx="4557487" cy="3131486"/>
-          </a:xfrm>
-        </p:spPr>
-        <p:txBody>
-          <a:bodyPr/>
-          <a:lstStyle/>
-          <a:p>
+            <a:r>
+              <a:rPr lang="en-US" dirty="0" smtClean="0"/>
+              <a:t>Specificities, </a:t>
+            </a:r>
             <a:r>
               <a:rPr lang="en-US" dirty="0"/>
-              <a:t>Idea: Process data in real time as it is collected.</a:t>
-            </a:r>
-          </a:p>
-          <a:p>
-            <a:pPr marL="285750" indent="-285750">
-              <a:buFont typeface="Arial" panose="020B0604020202020204" pitchFamily="34" charset="0"/>
-              <a:buChar char="•"/>
-            </a:pPr>
+              <a:t>Batch inference </a:t>
+            </a:r>
+            <a:r>
+              <a:rPr lang="en-US" dirty="0" smtClean="0"/>
+              <a:t>V.S. </a:t>
+            </a:r>
             <a:r>
               <a:rPr lang="en-US" dirty="0"/>
-              <a:t>Real-time processing</a:t>
-            </a:r>
-          </a:p>
-          <a:p>
-            <a:pPr marL="285750" indent="-285750">
-              <a:buFont typeface="Arial" panose="020B0604020202020204" pitchFamily="34" charset="0"/>
-              <a:buChar char="•"/>
-            </a:pPr>
-            <a:r>
-              <a:rPr lang="en-US" dirty="0"/>
-              <a:t>Requires an efficient preprocessing pipeline</a:t>
-            </a:r>
-          </a:p>
-          <a:p>
-            <a:pPr marL="285750" indent="-285750">
-              <a:buFont typeface="Arial" panose="020B0604020202020204" pitchFamily="34" charset="0"/>
-              <a:buChar char="•"/>
-            </a:pPr>
-            <a:r>
-              <a:rPr lang="en-US" dirty="0"/>
-              <a:t>The need for real-time or near-real-time response limits the complexity of models that can be </a:t>
-            </a:r>
-            <a:r>
-              <a:rPr lang="en-US" dirty="0" smtClean="0"/>
-              <a:t>used</a:t>
-            </a:r>
-          </a:p>
-          <a:p>
-            <a:pPr marL="285750" indent="-285750">
-              <a:buFont typeface="Arial" panose="020B0604020202020204" pitchFamily="34" charset="0"/>
-              <a:buChar char="•"/>
-            </a:pPr>
-            <a:endParaRPr lang="en-US" dirty="0" smtClean="0"/>
-          </a:p>
-          <a:p>
-            <a:endParaRPr lang="en-US" dirty="0"/>
-          </a:p>
-          <a:p>
-            <a:r>
-              <a:rPr lang="en-US" dirty="0"/>
-              <a:t>Examples:</a:t>
-            </a:r>
-          </a:p>
-          <a:p>
-            <a:r>
-              <a:rPr lang="en-US" dirty="0"/>
-              <a:t>Recommendation </a:t>
-            </a:r>
-            <a:r>
-              <a:rPr lang="en-US" dirty="0" smtClean="0"/>
-              <a:t>systems, </a:t>
-            </a:r>
-            <a:r>
-              <a:rPr lang="en-US" dirty="0" err="1" smtClean="0"/>
-              <a:t>Chatbots</a:t>
-            </a:r>
-            <a:endParaRPr lang="en-US" dirty="0"/>
-          </a:p>
-        </p:txBody>
-      </p:sp>
-      <p:sp>
-        <p:nvSpPr>
-          <p:cNvPr id="8" name="Espace réservé du texte 7"/>
-          <p:cNvSpPr>
-            <a:spLocks noGrp="1"/>
-          </p:cNvSpPr>
-          <p:nvPr>
-            <p:ph type="body" sz="quarter" idx="20"/>
-          </p:nvPr>
-        </p:nvSpPr>
-        <p:spPr/>
-        <p:txBody>
-          <a:bodyPr/>
-          <a:lstStyle/>
-          <a:p>
-            <a:r>
-              <a:rPr lang="fr-FR" dirty="0" smtClean="0"/>
-              <a:t>Real-Time (Streaming) </a:t>
-            </a:r>
-            <a:r>
-              <a:rPr lang="fr-FR" dirty="0" err="1" smtClean="0"/>
-              <a:t>inference</a:t>
-            </a:r>
-            <a:endParaRPr lang="fr-FR" dirty="0"/>
-          </a:p>
-        </p:txBody>
-      </p:sp>
-      <p:pic>
-        <p:nvPicPr>
-          <p:cNvPr id="9" name="Image 8"/>
-          <p:cNvPicPr>
-            <a:picLocks noChangeAspect="1"/>
-          </p:cNvPicPr>
-          <p:nvPr/>
-        </p:nvPicPr>
-        <p:blipFill>
-          <a:blip r:embed="rId2"/>
-          <a:stretch>
-            <a:fillRect/>
-          </a:stretch>
-        </p:blipFill>
-        <p:spPr>
-          <a:xfrm>
-            <a:off x="2567940" y="2069249"/>
-            <a:ext cx="735330" cy="735330"/>
-          </a:xfrm>
-          <a:prstGeom prst="rect">
-            <a:avLst/>
-          </a:prstGeom>
-        </p:spPr>
-      </p:pic>
-      <p:pic>
-        <p:nvPicPr>
-          <p:cNvPr id="10" name="Image 9"/>
-          <p:cNvPicPr>
-            <a:picLocks noChangeAspect="1"/>
-          </p:cNvPicPr>
-          <p:nvPr/>
-        </p:nvPicPr>
-        <p:blipFill>
-          <a:blip r:embed="rId3"/>
-          <a:stretch>
-            <a:fillRect/>
-          </a:stretch>
-        </p:blipFill>
-        <p:spPr>
-          <a:xfrm>
-            <a:off x="8835390" y="2122589"/>
-            <a:ext cx="628650" cy="628650"/>
-          </a:xfrm>
-          <a:prstGeom prst="rect">
-            <a:avLst/>
-          </a:prstGeom>
-        </p:spPr>
-      </p:pic>
-      <p:sp>
-        <p:nvSpPr>
-          <p:cNvPr id="11" name="Espace réservé du pied de page 4"/>
-          <p:cNvSpPr>
-            <a:spLocks noGrp="1"/>
-          </p:cNvSpPr>
-          <p:nvPr>
-            <p:ph type="ftr" sz="quarter" idx="3"/>
-          </p:nvPr>
-        </p:nvSpPr>
-        <p:spPr>
-          <a:xfrm>
-            <a:off x="194408" y="6435303"/>
-            <a:ext cx="5672016" cy="365125"/>
-          </a:xfrm>
-        </p:spPr>
-        <p:txBody>
-          <a:bodyPr/>
-          <a:lstStyle/>
-          <a:p>
-            <a:r>
-              <a:rPr lang="en-US" dirty="0" smtClean="0"/>
-              <a:t>2025 </a:t>
-            </a:r>
-            <a:r>
-              <a:rPr lang="en-US" dirty="0" smtClean="0"/>
-              <a:t>| ©</a:t>
-            </a:r>
-            <a:r>
-              <a:rPr lang="en-US" dirty="0" err="1" smtClean="0"/>
-              <a:t>HeadMind</a:t>
-            </a:r>
-            <a:r>
-              <a:rPr lang="en-US" dirty="0" smtClean="0"/>
-              <a:t> Partners</a:t>
+              <a:t>streaming</a:t>
             </a:r>
             <a:endParaRPr lang="fr-FR" dirty="0"/>
           </a:p>
@@ -14821,7 +14698,7 @@
     </p:spTree>
     <p:extLst>
       <p:ext uri="{BB962C8B-B14F-4D97-AF65-F5344CB8AC3E}">
-        <p14:creationId xmlns:p14="http://schemas.microsoft.com/office/powerpoint/2010/main" val="379505522"/>
+        <p14:creationId xmlns:p14="http://schemas.microsoft.com/office/powerpoint/2010/main" val="354128735"/>
       </p:ext>
     </p:extLst>
   </p:cSld>
@@ -14858,27 +14735,22 @@
             <p:ph type="title"/>
           </p:nvPr>
         </p:nvSpPr>
-        <p:spPr>
-          <a:xfrm>
-            <a:off x="4891733" y="1669002"/>
-            <a:ext cx="6716792" cy="1519966"/>
-          </a:xfrm>
-        </p:spPr>
+        <p:spPr/>
         <p:txBody>
           <a:bodyPr/>
           <a:lstStyle/>
           <a:p>
             <a:r>
-              <a:rPr lang="fr-FR" dirty="0" err="1" smtClean="0"/>
-              <a:t>Scaling</a:t>
-            </a:r>
-            <a:r>
-              <a:rPr lang="fr-FR" dirty="0" smtClean="0"/>
-              <a:t> up an </a:t>
-            </a:r>
-            <a:r>
-              <a:rPr lang="fr-FR" dirty="0" err="1" smtClean="0"/>
-              <a:t>endpoint</a:t>
+              <a:rPr lang="fr-FR" dirty="0" err="1"/>
+              <a:t>Endpoints</a:t>
+            </a:r>
+            <a:r>
+              <a:rPr lang="fr-FR" dirty="0"/>
+              <a:t> &amp; </a:t>
+            </a:r>
+            <a:r>
+              <a:rPr lang="fr-FR" dirty="0" err="1"/>
+              <a:t>Deployments</a:t>
             </a:r>
             <a:endParaRPr lang="fr-FR" dirty="0"/>
           </a:p>
@@ -14886,12 +14758,12 @@
       </p:sp>
       <p:sp>
         <p:nvSpPr>
-          <p:cNvPr id="3" name="Espace réservé du texte 2"/>
-          <p:cNvSpPr>
-            <a:spLocks noGrp="1"/>
-          </p:cNvSpPr>
-          <p:nvPr>
-            <p:ph type="body" sz="quarter" idx="10"/>
+          <p:cNvPr id="4" name="Espace réservé du numéro de diapositive 3"/>
+          <p:cNvSpPr>
+            <a:spLocks noGrp="1"/>
+          </p:cNvSpPr>
+          <p:nvPr>
+            <p:ph type="sldNum" sz="quarter" idx="4"/>
           </p:nvPr>
         </p:nvSpPr>
         <p:spPr/>
@@ -14899,17 +14771,204 @@
           <a:bodyPr/>
           <a:lstStyle/>
           <a:p>
-            <a:r>
-              <a:rPr lang="fr-FR" dirty="0" err="1" smtClean="0"/>
-              <a:t>Using</a:t>
+            <a:pPr>
+              <a:defRPr/>
+            </a:pPr>
+            <a:fld id="{F4FEB08F-923E-484A-9FC5-0AA7BDA29BD6}" type="slidenum">
+              <a:rPr lang="fr-FR" smtClean="0"/>
+              <a:pPr>
+                <a:defRPr/>
+              </a:pPr>
+              <a:t>14</a:t>
+            </a:fld>
+            <a:endParaRPr lang="fr-FR" dirty="0"/>
+          </a:p>
+        </p:txBody>
+      </p:sp>
+      <p:sp>
+        <p:nvSpPr>
+          <p:cNvPr id="6" name="Espace réservé du texte 5"/>
+          <p:cNvSpPr>
+            <a:spLocks noGrp="1"/>
+          </p:cNvSpPr>
+          <p:nvPr>
+            <p:ph type="body" sz="quarter" idx="14"/>
+          </p:nvPr>
+        </p:nvSpPr>
+        <p:spPr>
+          <a:xfrm>
+            <a:off x="527381" y="1568450"/>
+            <a:ext cx="11502693" cy="4467225"/>
+          </a:xfrm>
+        </p:spPr>
+        <p:txBody>
+          <a:bodyPr/>
+          <a:lstStyle/>
+          <a:p>
+            <a:pPr marL="0" indent="0">
+              <a:buNone/>
+            </a:pPr>
+            <a:r>
+              <a:rPr lang="fr-FR" b="1" dirty="0" err="1" smtClean="0"/>
+              <a:t>Endpoint</a:t>
             </a:r>
             <a:r>
               <a:rPr lang="fr-FR" dirty="0" smtClean="0"/>
+              <a:t> ? </a:t>
+            </a:r>
+          </a:p>
+          <a:p>
+            <a:r>
+              <a:rPr lang="en-US" dirty="0"/>
+              <a:t>An endpoint is a server that handles incoming requests. It distributes the necessary computations to provide responses with minimal latency. </a:t>
+            </a:r>
+            <a:endParaRPr lang="en-US" dirty="0" smtClean="0"/>
+          </a:p>
+          <a:p>
+            <a:r>
+              <a:rPr lang="en-US" dirty="0" smtClean="0"/>
+              <a:t>By </a:t>
+            </a:r>
+            <a:r>
+              <a:rPr lang="en-US" dirty="0"/>
+              <a:t>exposing a model through an API, applications can send data and receive predictions</a:t>
+            </a:r>
+            <a:r>
+              <a:rPr lang="en-US" dirty="0" smtClean="0"/>
+              <a:t>.</a:t>
+            </a:r>
+          </a:p>
+          <a:p>
+            <a:endParaRPr lang="fr-FR" dirty="0"/>
+          </a:p>
+          <a:p>
+            <a:pPr marL="0" indent="0">
+              <a:buNone/>
+            </a:pPr>
+            <a:r>
+              <a:rPr lang="en-US" b="1" dirty="0" smtClean="0"/>
+              <a:t>Deploying</a:t>
+            </a:r>
+            <a:r>
+              <a:rPr lang="en-US" dirty="0" smtClean="0"/>
               <a:t> </a:t>
             </a:r>
             <a:r>
-              <a:rPr lang="fr-FR" dirty="0" err="1" smtClean="0"/>
-              <a:t>Locust</a:t>
+              <a:rPr lang="en-US" dirty="0"/>
+              <a:t>to an endpoint involves allocating a resource that hosts a model and makes it accessible via an API for inference.</a:t>
+            </a:r>
+          </a:p>
+          <a:p>
+            <a:pPr marL="0" indent="0">
+              <a:buNone/>
+            </a:pPr>
+            <a:endParaRPr lang="en-US" dirty="0"/>
+          </a:p>
+          <a:p>
+            <a:pPr marL="0" indent="0">
+              <a:buNone/>
+            </a:pPr>
+            <a:endParaRPr lang="en-US" dirty="0"/>
+          </a:p>
+          <a:p>
+            <a:pPr marL="0" indent="0">
+              <a:buNone/>
+            </a:pPr>
+            <a:endParaRPr lang="en-US" dirty="0"/>
+          </a:p>
+          <a:p>
+            <a:pPr marL="0" indent="0">
+              <a:buNone/>
+            </a:pPr>
+            <a:endParaRPr lang="en-US" dirty="0"/>
+          </a:p>
+          <a:p>
+            <a:pPr marL="0" indent="0">
+              <a:buNone/>
+            </a:pPr>
+            <a:endParaRPr lang="en-US" dirty="0"/>
+          </a:p>
+          <a:p>
+            <a:pPr marL="0" indent="0">
+              <a:buNone/>
+            </a:pPr>
+            <a:endParaRPr lang="en-US" dirty="0"/>
+          </a:p>
+          <a:p>
+            <a:pPr marL="0" indent="0">
+              <a:buNone/>
+            </a:pPr>
+            <a:endParaRPr lang="fr-FR" dirty="0" smtClean="0"/>
+          </a:p>
+          <a:p>
+            <a:pPr marL="0" indent="0">
+              <a:buNone/>
+            </a:pPr>
+            <a:endParaRPr lang="fr-FR" dirty="0"/>
+          </a:p>
+          <a:p>
+            <a:pPr marL="0" indent="0">
+              <a:buNone/>
+            </a:pPr>
+            <a:endParaRPr lang="fr-FR" dirty="0"/>
+          </a:p>
+        </p:txBody>
+      </p:sp>
+      <p:pic>
+        <p:nvPicPr>
+          <p:cNvPr id="3" name="Image 2"/>
+          <p:cNvPicPr>
+            <a:picLocks noChangeAspect="1"/>
+          </p:cNvPicPr>
+          <p:nvPr/>
+        </p:nvPicPr>
+        <p:blipFill>
+          <a:blip r:embed="rId2"/>
+          <a:stretch>
+            <a:fillRect/>
+          </a:stretch>
+        </p:blipFill>
+        <p:spPr>
+          <a:xfrm>
+            <a:off x="3633661" y="3985288"/>
+            <a:ext cx="4909537" cy="2050387"/>
+          </a:xfrm>
+          <a:prstGeom prst="rect">
+            <a:avLst/>
+          </a:prstGeom>
+        </p:spPr>
+      </p:pic>
+      <p:sp>
+        <p:nvSpPr>
+          <p:cNvPr id="7" name="Espace réservé du pied de page 4"/>
+          <p:cNvSpPr>
+            <a:spLocks noGrp="1"/>
+          </p:cNvSpPr>
+          <p:nvPr>
+            <p:ph type="ftr" sz="quarter" idx="3"/>
+          </p:nvPr>
+        </p:nvSpPr>
+        <p:spPr>
+          <a:xfrm>
+            <a:off x="194408" y="6435303"/>
+            <a:ext cx="5672016" cy="365125"/>
+          </a:xfrm>
+        </p:spPr>
+        <p:txBody>
+          <a:bodyPr/>
+          <a:lstStyle/>
+          <a:p>
+            <a:r>
+              <a:rPr lang="en-US" dirty="0" smtClean="0"/>
+              <a:t>2025 | ©</a:t>
+            </a:r>
+            <a:r>
+              <a:rPr lang="en-US" dirty="0" err="1" smtClean="0"/>
+              <a:t>HeadMind</a:t>
+            </a:r>
+            <a:r>
+              <a:rPr lang="en-US" dirty="0" smtClean="0"/>
+              <a:t> Partners</a:t>
             </a:r>
             <a:endParaRPr lang="fr-FR" dirty="0"/>
           </a:p>
@@ -14918,13 +14977,20 @@
     </p:spTree>
     <p:extLst>
       <p:ext uri="{BB962C8B-B14F-4D97-AF65-F5344CB8AC3E}">
-        <p14:creationId xmlns:p14="http://schemas.microsoft.com/office/powerpoint/2010/main" val="1882114450"/>
+        <p14:creationId xmlns:p14="http://schemas.microsoft.com/office/powerpoint/2010/main" val="1355928903"/>
       </p:ext>
     </p:extLst>
   </p:cSld>
   <p:clrMapOvr>
     <a:masterClrMapping/>
   </p:clrMapOvr>
+  <p:timing>
+    <p:tnLst>
+      <p:par>
+        <p:cTn id="1" dur="indefinite" restart="never" nodeType="tmRoot"/>
+      </p:par>
+    </p:tnLst>
+  </p:timing>
 </p:sld>
 </file>
 
@@ -14961,24 +15027,8 @@
           <a:lstStyle/>
           <a:p>
             <a:r>
-              <a:rPr lang="fr-FR" dirty="0" err="1" smtClean="0"/>
-              <a:t>Scaling</a:t>
-            </a:r>
-            <a:r>
               <a:rPr lang="fr-FR" dirty="0" smtClean="0"/>
-              <a:t> up </a:t>
-            </a:r>
-            <a:r>
-              <a:rPr lang="fr-FR" dirty="0" err="1" smtClean="0"/>
-              <a:t>endpoint</a:t>
-            </a:r>
-            <a:r>
-              <a:rPr lang="fr-FR" dirty="0" smtClean="0"/>
-              <a:t> </a:t>
-            </a:r>
-            <a:r>
-              <a:rPr lang="fr-FR" dirty="0" err="1" smtClean="0"/>
-              <a:t>capacities</a:t>
+              <a:t>Batch vs Streaming</a:t>
             </a:r>
             <a:endParaRPr lang="fr-FR" dirty="0"/>
           </a:p>
@@ -14986,160 +15036,7 @@
       </p:sp>
       <p:sp>
         <p:nvSpPr>
-          <p:cNvPr id="3" name="Espace réservé du texte 2"/>
-          <p:cNvSpPr>
-            <a:spLocks noGrp="1"/>
-          </p:cNvSpPr>
-          <p:nvPr>
-            <p:ph type="body" sz="quarter" idx="14"/>
-          </p:nvPr>
-        </p:nvSpPr>
-        <p:spPr/>
-        <p:txBody>
-          <a:bodyPr/>
-          <a:lstStyle/>
-          <a:p>
-            <a:pPr marL="0" indent="0">
-              <a:buNone/>
-            </a:pPr>
-            <a:r>
-              <a:rPr lang="en-US" dirty="0"/>
-              <a:t>We will test the service's ability to </a:t>
-            </a:r>
-            <a:r>
-              <a:rPr lang="en-US" b="1" dirty="0"/>
-              <a:t>handle increased traffic</a:t>
-            </a:r>
-          </a:p>
-          <a:p>
-            <a:r>
-              <a:rPr lang="en-US" dirty="0"/>
-              <a:t>Sending a large number of API requests in parallel</a:t>
-            </a:r>
-          </a:p>
-          <a:p>
-            <a:r>
-              <a:rPr lang="en-US" dirty="0"/>
-              <a:t>Monitoring </a:t>
-            </a:r>
-            <a:r>
-              <a:rPr lang="en-US" dirty="0" smtClean="0"/>
-              <a:t>average </a:t>
-            </a:r>
-            <a:r>
-              <a:rPr lang="en-US" dirty="0"/>
-              <a:t>response time and </a:t>
-            </a:r>
-            <a:r>
-              <a:rPr lang="en-US" dirty="0" smtClean="0"/>
-              <a:t>number </a:t>
-            </a:r>
-            <a:r>
-              <a:rPr lang="en-US" dirty="0"/>
-              <a:t>of errors</a:t>
-            </a:r>
-          </a:p>
-          <a:p>
-            <a:endParaRPr lang="fr-FR" dirty="0" smtClean="0"/>
-          </a:p>
-          <a:p>
-            <a:pPr marL="0" indent="0">
-              <a:buNone/>
-            </a:pPr>
-            <a:r>
-              <a:rPr lang="fr-FR" dirty="0" smtClean="0"/>
-              <a:t>Utilisation </a:t>
-            </a:r>
-            <a:r>
-              <a:rPr lang="fr-FR" dirty="0" smtClean="0"/>
-              <a:t>de </a:t>
-            </a:r>
-            <a:r>
-              <a:rPr lang="fr-FR" b="1" dirty="0" err="1" smtClean="0"/>
-              <a:t>Locust</a:t>
-            </a:r>
-            <a:r>
-              <a:rPr lang="fr-FR" dirty="0" smtClean="0"/>
-              <a:t> :</a:t>
-            </a:r>
-          </a:p>
-          <a:p>
-            <a:r>
-              <a:rPr lang="fr-FR" dirty="0" smtClean="0"/>
-              <a:t>Open source python </a:t>
-            </a:r>
-            <a:r>
-              <a:rPr lang="fr-FR" dirty="0" err="1" smtClean="0"/>
-              <a:t>library</a:t>
-            </a:r>
-            <a:r>
-              <a:rPr lang="fr-FR" dirty="0" smtClean="0"/>
-              <a:t> for </a:t>
-            </a:r>
-            <a:r>
-              <a:rPr lang="fr-FR" dirty="0" err="1" smtClean="0"/>
-              <a:t>load</a:t>
-            </a:r>
-            <a:r>
-              <a:rPr lang="fr-FR" dirty="0" smtClean="0"/>
-              <a:t> </a:t>
-            </a:r>
-            <a:r>
-              <a:rPr lang="fr-FR" dirty="0" err="1" smtClean="0"/>
-              <a:t>testing</a:t>
-            </a:r>
-            <a:endParaRPr lang="fr-FR" dirty="0" smtClean="0"/>
-          </a:p>
-          <a:p>
-            <a:r>
-              <a:rPr lang="fr-FR" dirty="0" err="1" smtClean="0"/>
-              <a:t>Allows</a:t>
-            </a:r>
-            <a:r>
-              <a:rPr lang="fr-FR" dirty="0" smtClean="0"/>
-              <a:t> simulation of multiple </a:t>
-            </a:r>
-            <a:r>
-              <a:rPr lang="fr-FR" dirty="0" err="1" smtClean="0"/>
-              <a:t>simultaneous</a:t>
-            </a:r>
-            <a:r>
-              <a:rPr lang="fr-FR" dirty="0" smtClean="0"/>
-              <a:t> </a:t>
-            </a:r>
-            <a:r>
-              <a:rPr lang="fr-FR" dirty="0" err="1" smtClean="0"/>
-              <a:t>users</a:t>
-            </a:r>
-            <a:endParaRPr lang="fr-FR" dirty="0" smtClean="0"/>
-          </a:p>
-          <a:p>
-            <a:r>
-              <a:rPr lang="fr-FR" dirty="0" err="1" smtClean="0"/>
-              <a:t>Praised</a:t>
-            </a:r>
-            <a:r>
-              <a:rPr lang="fr-FR" dirty="0" smtClean="0"/>
-              <a:t> for </a:t>
-            </a:r>
-            <a:r>
-              <a:rPr lang="fr-FR" dirty="0" err="1" smtClean="0"/>
-              <a:t>its</a:t>
-            </a:r>
-            <a:r>
-              <a:rPr lang="fr-FR" dirty="0" smtClean="0"/>
-              <a:t> intuitive interface</a:t>
-            </a:r>
-            <a:endParaRPr lang="fr-FR" dirty="0" smtClean="0"/>
-          </a:p>
-          <a:p>
-            <a:endParaRPr lang="fr-FR" dirty="0" smtClean="0"/>
-          </a:p>
-        </p:txBody>
-      </p:sp>
-      <p:sp>
-        <p:nvSpPr>
-          <p:cNvPr id="4" name="Espace réservé du numéro de diapositive 3"/>
+          <p:cNvPr id="3" name="Espace réservé du numéro de diapositive 2"/>
           <p:cNvSpPr>
             <a:spLocks noGrp="1"/>
           </p:cNvSpPr>
@@ -15168,7 +15065,520 @@
       </p:sp>
       <p:sp>
         <p:nvSpPr>
-          <p:cNvPr id="7" name="Espace réservé du pied de page 4"/>
+          <p:cNvPr id="5" name="Espace réservé du texte 4"/>
+          <p:cNvSpPr>
+            <a:spLocks noGrp="1"/>
+          </p:cNvSpPr>
+          <p:nvPr>
+            <p:ph type="body" sz="quarter" idx="13"/>
+          </p:nvPr>
+        </p:nvSpPr>
+        <p:spPr>
+          <a:xfrm>
+            <a:off x="818228" y="2845802"/>
+            <a:ext cx="4557487" cy="3132088"/>
+          </a:xfrm>
+        </p:spPr>
+        <p:txBody>
+          <a:bodyPr/>
+          <a:lstStyle/>
+          <a:p>
+            <a:r>
+              <a:rPr lang="fr-FR" dirty="0" err="1"/>
+              <a:t>Idea</a:t>
+            </a:r>
+            <a:r>
+              <a:rPr lang="fr-FR" dirty="0"/>
+              <a:t>: </a:t>
+            </a:r>
+            <a:r>
+              <a:rPr lang="fr-FR" dirty="0" err="1"/>
+              <a:t>Process</a:t>
+            </a:r>
+            <a:r>
+              <a:rPr lang="fr-FR" dirty="0"/>
+              <a:t> large volumes of data by </a:t>
+            </a:r>
+            <a:r>
+              <a:rPr lang="fr-FR" dirty="0" err="1"/>
+              <a:t>parallelizing</a:t>
+            </a:r>
+            <a:r>
+              <a:rPr lang="fr-FR" dirty="0"/>
+              <a:t> computations, </a:t>
+            </a:r>
+            <a:r>
+              <a:rPr lang="fr-FR" dirty="0" err="1"/>
+              <a:t>particularly</a:t>
+            </a:r>
+            <a:r>
+              <a:rPr lang="fr-FR" dirty="0"/>
+              <a:t> </a:t>
+            </a:r>
+            <a:r>
+              <a:rPr lang="fr-FR" dirty="0" err="1"/>
+              <a:t>using</a:t>
+            </a:r>
+            <a:r>
+              <a:rPr lang="fr-FR" dirty="0"/>
+              <a:t> </a:t>
+            </a:r>
+            <a:r>
+              <a:rPr lang="fr-FR" dirty="0" err="1"/>
+              <a:t>GPUs</a:t>
+            </a:r>
+            <a:r>
+              <a:rPr lang="fr-FR" dirty="0"/>
+              <a:t>.</a:t>
+            </a:r>
+          </a:p>
+          <a:p>
+            <a:pPr marL="285750" indent="-285750">
+              <a:buFont typeface="Arial" panose="020B0604020202020204" pitchFamily="34" charset="0"/>
+              <a:buChar char="•"/>
+            </a:pPr>
+            <a:r>
+              <a:rPr lang="fr-FR" dirty="0" err="1"/>
+              <a:t>Accelerates</a:t>
+            </a:r>
+            <a:r>
+              <a:rPr lang="fr-FR" dirty="0"/>
+              <a:t> data </a:t>
+            </a:r>
+            <a:r>
+              <a:rPr lang="fr-FR" dirty="0" err="1"/>
+              <a:t>processing</a:t>
+            </a:r>
+            <a:r>
+              <a:rPr lang="fr-FR" dirty="0"/>
+              <a:t> and </a:t>
+            </a:r>
+            <a:r>
+              <a:rPr lang="fr-FR" dirty="0" err="1"/>
+              <a:t>optimizes</a:t>
+            </a:r>
+            <a:r>
+              <a:rPr lang="fr-FR" dirty="0"/>
+              <a:t> </a:t>
+            </a:r>
+            <a:r>
+              <a:rPr lang="fr-FR" dirty="0" err="1"/>
+              <a:t>compute</a:t>
+            </a:r>
+            <a:r>
+              <a:rPr lang="fr-FR" dirty="0"/>
+              <a:t> </a:t>
+            </a:r>
+            <a:r>
+              <a:rPr lang="fr-FR" dirty="0" err="1"/>
+              <a:t>resource</a:t>
+            </a:r>
+            <a:r>
+              <a:rPr lang="fr-FR" dirty="0"/>
+              <a:t> </a:t>
+            </a:r>
+            <a:r>
+              <a:rPr lang="fr-FR" dirty="0" err="1"/>
+              <a:t>utilization</a:t>
+            </a:r>
+            <a:r>
+              <a:rPr lang="fr-FR" dirty="0"/>
+              <a:t>, </a:t>
+            </a:r>
+            <a:r>
+              <a:rPr lang="fr-FR" dirty="0" err="1"/>
+              <a:t>thereby</a:t>
+            </a:r>
+            <a:r>
+              <a:rPr lang="fr-FR" dirty="0"/>
+              <a:t> </a:t>
+            </a:r>
+            <a:r>
+              <a:rPr lang="fr-FR" dirty="0" err="1"/>
+              <a:t>reducing</a:t>
+            </a:r>
+            <a:r>
+              <a:rPr lang="fr-FR" dirty="0"/>
+              <a:t> </a:t>
+            </a:r>
+            <a:r>
+              <a:rPr lang="fr-FR" dirty="0" err="1"/>
+              <a:t>operational</a:t>
+            </a:r>
+            <a:r>
+              <a:rPr lang="fr-FR" dirty="0"/>
+              <a:t> </a:t>
+            </a:r>
+            <a:r>
+              <a:rPr lang="fr-FR" dirty="0" err="1"/>
+              <a:t>costs</a:t>
+            </a:r>
+            <a:r>
+              <a:rPr lang="fr-FR" dirty="0"/>
+              <a:t>.</a:t>
+            </a:r>
+          </a:p>
+          <a:p>
+            <a:pPr marL="285750" indent="-285750">
+              <a:buFont typeface="Arial" panose="020B0604020202020204" pitchFamily="34" charset="0"/>
+              <a:buChar char="•"/>
+            </a:pPr>
+            <a:r>
+              <a:rPr lang="fr-FR" dirty="0"/>
+              <a:t>May </a:t>
+            </a:r>
+            <a:r>
+              <a:rPr lang="fr-FR" dirty="0" err="1"/>
+              <a:t>introduce</a:t>
+            </a:r>
+            <a:r>
+              <a:rPr lang="fr-FR" dirty="0"/>
+              <a:t> </a:t>
+            </a:r>
+            <a:r>
+              <a:rPr lang="fr-FR" dirty="0" err="1"/>
+              <a:t>inference</a:t>
+            </a:r>
+            <a:r>
+              <a:rPr lang="fr-FR" dirty="0"/>
+              <a:t> </a:t>
+            </a:r>
+            <a:r>
+              <a:rPr lang="fr-FR" dirty="0" err="1" smtClean="0"/>
+              <a:t>latencies</a:t>
+            </a:r>
+            <a:r>
+              <a:rPr lang="fr-FR" dirty="0"/>
+              <a:t> </a:t>
+            </a:r>
+            <a:r>
+              <a:rPr lang="fr-FR" dirty="0" smtClean="0"/>
+              <a:t>(</a:t>
+            </a:r>
+            <a:r>
+              <a:rPr lang="fr-FR" dirty="0" err="1" smtClean="0"/>
+              <a:t>wait</a:t>
+            </a:r>
+            <a:r>
+              <a:rPr lang="fr-FR" dirty="0" smtClean="0"/>
+              <a:t> for the batch to </a:t>
+            </a:r>
+            <a:r>
+              <a:rPr lang="fr-FR" dirty="0" err="1" smtClean="0"/>
+              <a:t>be</a:t>
+            </a:r>
+            <a:r>
+              <a:rPr lang="fr-FR" dirty="0" smtClean="0"/>
+              <a:t> </a:t>
+            </a:r>
+            <a:r>
+              <a:rPr lang="fr-FR" dirty="0" err="1" smtClean="0"/>
+              <a:t>filled</a:t>
+            </a:r>
+            <a:r>
+              <a:rPr lang="fr-FR" dirty="0" smtClean="0"/>
+              <a:t>, </a:t>
+            </a:r>
+            <a:r>
+              <a:rPr lang="fr-FR" dirty="0" err="1" smtClean="0"/>
+              <a:t>then</a:t>
+            </a:r>
+            <a:r>
+              <a:rPr lang="fr-FR" dirty="0" smtClean="0"/>
+              <a:t> </a:t>
+            </a:r>
+            <a:r>
+              <a:rPr lang="fr-FR" dirty="0" err="1" smtClean="0"/>
+              <a:t>you</a:t>
+            </a:r>
+            <a:r>
+              <a:rPr lang="fr-FR" dirty="0" smtClean="0"/>
+              <a:t> </a:t>
+            </a:r>
+            <a:r>
+              <a:rPr lang="fr-FR" dirty="0" err="1" smtClean="0"/>
+              <a:t>can</a:t>
+            </a:r>
+            <a:r>
+              <a:rPr lang="fr-FR" dirty="0" smtClean="0"/>
+              <a:t> </a:t>
+            </a:r>
+            <a:r>
+              <a:rPr lang="fr-FR" dirty="0" err="1" smtClean="0"/>
+              <a:t>start</a:t>
+            </a:r>
+            <a:r>
+              <a:rPr lang="fr-FR" dirty="0" smtClean="0"/>
+              <a:t> </a:t>
+            </a:r>
+            <a:r>
+              <a:rPr lang="fr-FR" dirty="0" err="1" smtClean="0"/>
+              <a:t>processing</a:t>
+            </a:r>
+            <a:r>
+              <a:rPr lang="fr-FR" dirty="0" smtClean="0"/>
+              <a:t>)</a:t>
+            </a:r>
+          </a:p>
+          <a:p>
+            <a:pPr marL="285750" indent="-285750">
+              <a:buFont typeface="Arial" panose="020B0604020202020204" pitchFamily="34" charset="0"/>
+              <a:buChar char="•"/>
+            </a:pPr>
+            <a:endParaRPr lang="fr-FR" dirty="0"/>
+          </a:p>
+          <a:p>
+            <a:r>
+              <a:rPr lang="fr-FR" dirty="0" err="1" smtClean="0"/>
+              <a:t>Examples</a:t>
+            </a:r>
+            <a:r>
+              <a:rPr lang="fr-FR" dirty="0" smtClean="0"/>
+              <a:t> :</a:t>
+            </a:r>
+            <a:endParaRPr lang="fr-FR" dirty="0"/>
+          </a:p>
+          <a:p>
+            <a:r>
+              <a:rPr lang="fr-FR" dirty="0"/>
+              <a:t>Image </a:t>
+            </a:r>
+            <a:r>
+              <a:rPr lang="fr-FR" dirty="0" smtClean="0"/>
+              <a:t>classification, </a:t>
+            </a:r>
+            <a:r>
+              <a:rPr lang="fr-FR" dirty="0" err="1" smtClean="0"/>
+              <a:t>Hyperparameter</a:t>
+            </a:r>
+            <a:r>
+              <a:rPr lang="fr-FR" dirty="0" smtClean="0"/>
+              <a:t> </a:t>
+            </a:r>
+            <a:r>
+              <a:rPr lang="fr-FR" dirty="0" err="1" smtClean="0"/>
+              <a:t>tuning</a:t>
+            </a:r>
+            <a:r>
+              <a:rPr lang="fr-FR" dirty="0" smtClean="0"/>
+              <a:t>, Large workflow </a:t>
+            </a:r>
+            <a:r>
+              <a:rPr lang="fr-FR" dirty="0" err="1" smtClean="0"/>
+              <a:t>scheduled</a:t>
+            </a:r>
+            <a:r>
+              <a:rPr lang="fr-FR" dirty="0" smtClean="0"/>
+              <a:t> </a:t>
+            </a:r>
+            <a:r>
+              <a:rPr lang="fr-FR" dirty="0" err="1" smtClean="0"/>
+              <a:t>every</a:t>
+            </a:r>
+            <a:r>
+              <a:rPr lang="fr-FR" dirty="0" smtClean="0"/>
+              <a:t> night</a:t>
+            </a:r>
+          </a:p>
+        </p:txBody>
+      </p:sp>
+      <p:sp>
+        <p:nvSpPr>
+          <p:cNvPr id="6" name="Espace réservé du texte 5"/>
+          <p:cNvSpPr>
+            <a:spLocks noGrp="1"/>
+          </p:cNvSpPr>
+          <p:nvPr>
+            <p:ph type="body" sz="quarter" idx="18"/>
+          </p:nvPr>
+        </p:nvSpPr>
+        <p:spPr/>
+        <p:txBody>
+          <a:bodyPr/>
+          <a:lstStyle/>
+          <a:p>
+            <a:r>
+              <a:rPr lang="fr-FR" dirty="0" smtClean="0"/>
+              <a:t>Batch </a:t>
+            </a:r>
+            <a:r>
+              <a:rPr lang="fr-FR" dirty="0" err="1" smtClean="0"/>
+              <a:t>inference</a:t>
+            </a:r>
+            <a:endParaRPr lang="fr-FR" dirty="0"/>
+          </a:p>
+        </p:txBody>
+      </p:sp>
+      <p:sp>
+        <p:nvSpPr>
+          <p:cNvPr id="7" name="Espace réservé du texte 6"/>
+          <p:cNvSpPr>
+            <a:spLocks noGrp="1"/>
+          </p:cNvSpPr>
+          <p:nvPr>
+            <p:ph type="body" sz="quarter" idx="19"/>
+          </p:nvPr>
+        </p:nvSpPr>
+        <p:spPr>
+          <a:xfrm>
+            <a:off x="6612146" y="2845802"/>
+            <a:ext cx="4557487" cy="3131486"/>
+          </a:xfrm>
+        </p:spPr>
+        <p:txBody>
+          <a:bodyPr/>
+          <a:lstStyle/>
+          <a:p>
+            <a:r>
+              <a:rPr lang="en-US" dirty="0"/>
+              <a:t>Idea: Process data in real time as it is collected.</a:t>
+            </a:r>
+          </a:p>
+          <a:p>
+            <a:pPr marL="285750" indent="-285750">
+              <a:buFont typeface="Arial" panose="020B0604020202020204" pitchFamily="34" charset="0"/>
+              <a:buChar char="•"/>
+            </a:pPr>
+            <a:r>
+              <a:rPr lang="en-US" dirty="0"/>
+              <a:t>Real-time processing</a:t>
+            </a:r>
+          </a:p>
+          <a:p>
+            <a:pPr marL="285750" indent="-285750">
+              <a:buFont typeface="Arial" panose="020B0604020202020204" pitchFamily="34" charset="0"/>
+              <a:buChar char="•"/>
+            </a:pPr>
+            <a:r>
+              <a:rPr lang="en-US" dirty="0"/>
+              <a:t>Requires an efficient preprocessing pipeline</a:t>
+            </a:r>
+          </a:p>
+          <a:p>
+            <a:pPr marL="285750" indent="-285750">
+              <a:buFont typeface="Arial" panose="020B0604020202020204" pitchFamily="34" charset="0"/>
+              <a:buChar char="•"/>
+            </a:pPr>
+            <a:r>
+              <a:rPr lang="en-US" dirty="0"/>
+              <a:t>The need for real-time or near-real-time response limits the complexity of models that can be </a:t>
+            </a:r>
+            <a:r>
+              <a:rPr lang="en-US" dirty="0" smtClean="0"/>
+              <a:t>used</a:t>
+            </a:r>
+          </a:p>
+          <a:p>
+            <a:pPr marL="285750" indent="-285750">
+              <a:buFont typeface="Arial" panose="020B0604020202020204" pitchFamily="34" charset="0"/>
+              <a:buChar char="•"/>
+            </a:pPr>
+            <a:endParaRPr lang="en-US" dirty="0" smtClean="0"/>
+          </a:p>
+          <a:p>
+            <a:endParaRPr lang="en-US" dirty="0"/>
+          </a:p>
+          <a:p>
+            <a:r>
+              <a:rPr lang="en-US" dirty="0"/>
+              <a:t>Examples:</a:t>
+            </a:r>
+          </a:p>
+          <a:p>
+            <a:r>
+              <a:rPr lang="en-US" dirty="0"/>
+              <a:t>Recommendation </a:t>
+            </a:r>
+            <a:r>
+              <a:rPr lang="en-US" dirty="0" smtClean="0"/>
+              <a:t>systems, </a:t>
+            </a:r>
+            <a:r>
+              <a:rPr lang="en-US" dirty="0" err="1" smtClean="0"/>
+              <a:t>Chatbots</a:t>
+            </a:r>
+            <a:endParaRPr lang="en-US" dirty="0"/>
+          </a:p>
+        </p:txBody>
+      </p:sp>
+      <p:sp>
+        <p:nvSpPr>
+          <p:cNvPr id="8" name="Espace réservé du texte 7"/>
+          <p:cNvSpPr>
+            <a:spLocks noGrp="1"/>
+          </p:cNvSpPr>
+          <p:nvPr>
+            <p:ph type="body" sz="quarter" idx="20"/>
+          </p:nvPr>
+        </p:nvSpPr>
+        <p:spPr/>
+        <p:txBody>
+          <a:bodyPr/>
+          <a:lstStyle/>
+          <a:p>
+            <a:r>
+              <a:rPr lang="fr-FR" dirty="0" smtClean="0"/>
+              <a:t>Real-Time (Streaming) </a:t>
+            </a:r>
+            <a:r>
+              <a:rPr lang="fr-FR" dirty="0" err="1" smtClean="0"/>
+              <a:t>inference</a:t>
+            </a:r>
+            <a:endParaRPr lang="fr-FR" dirty="0"/>
+          </a:p>
+        </p:txBody>
+      </p:sp>
+      <p:pic>
+        <p:nvPicPr>
+          <p:cNvPr id="9" name="Image 8"/>
+          <p:cNvPicPr>
+            <a:picLocks noChangeAspect="1"/>
+          </p:cNvPicPr>
+          <p:nvPr/>
+        </p:nvPicPr>
+        <p:blipFill>
+          <a:blip r:embed="rId2"/>
+          <a:stretch>
+            <a:fillRect/>
+          </a:stretch>
+        </p:blipFill>
+        <p:spPr>
+          <a:xfrm>
+            <a:off x="2567940" y="2069249"/>
+            <a:ext cx="735330" cy="735330"/>
+          </a:xfrm>
+          <a:prstGeom prst="rect">
+            <a:avLst/>
+          </a:prstGeom>
+        </p:spPr>
+      </p:pic>
+      <p:pic>
+        <p:nvPicPr>
+          <p:cNvPr id="10" name="Image 9"/>
+          <p:cNvPicPr>
+            <a:picLocks noChangeAspect="1"/>
+          </p:cNvPicPr>
+          <p:nvPr/>
+        </p:nvPicPr>
+        <p:blipFill>
+          <a:blip r:embed="rId3"/>
+          <a:stretch>
+            <a:fillRect/>
+          </a:stretch>
+        </p:blipFill>
+        <p:spPr>
+          <a:xfrm>
+            <a:off x="8835390" y="2122589"/>
+            <a:ext cx="628650" cy="628650"/>
+          </a:xfrm>
+          <a:prstGeom prst="rect">
+            <a:avLst/>
+          </a:prstGeom>
+        </p:spPr>
+      </p:pic>
+      <p:sp>
+        <p:nvSpPr>
+          <p:cNvPr id="11" name="Espace réservé du pied de page 4"/>
           <p:cNvSpPr>
             <a:spLocks noGrp="1"/>
           </p:cNvSpPr>
@@ -15188,11 +15598,386 @@
           <a:p>
             <a:r>
               <a:rPr lang="en-US" dirty="0" smtClean="0"/>
-              <a:t>2025 </a:t>
+              <a:t>2025 | ©</a:t>
+            </a:r>
+            <a:r>
+              <a:rPr lang="en-US" dirty="0" err="1" smtClean="0"/>
+              <a:t>HeadMind</a:t>
             </a:r>
             <a:r>
               <a:rPr lang="en-US" dirty="0" smtClean="0"/>
-              <a:t>| ©</a:t>
+              <a:t> Partners</a:t>
+            </a:r>
+            <a:endParaRPr lang="fr-FR" dirty="0"/>
+          </a:p>
+        </p:txBody>
+      </p:sp>
+    </p:spTree>
+    <p:extLst>
+      <p:ext uri="{BB962C8B-B14F-4D97-AF65-F5344CB8AC3E}">
+        <p14:creationId xmlns:p14="http://schemas.microsoft.com/office/powerpoint/2010/main" val="379505522"/>
+      </p:ext>
+    </p:extLst>
+  </p:cSld>
+  <p:clrMapOvr>
+    <a:masterClrMapping/>
+  </p:clrMapOvr>
+</p:sld>
+</file>
+
+<file path=ppt/slides/slide16.xml><?xml version="1.0" encoding="utf-8"?>
+<p:sld xmlns:a="http://schemas.openxmlformats.org/drawingml/2006/main" xmlns:r="http://schemas.openxmlformats.org/officeDocument/2006/relationships" xmlns:p="http://schemas.openxmlformats.org/presentationml/2006/main">
+  <p:cSld>
+    <p:spTree>
+      <p:nvGrpSpPr>
+        <p:cNvPr id="1" name=""/>
+        <p:cNvGrpSpPr/>
+        <p:nvPr/>
+      </p:nvGrpSpPr>
+      <p:grpSpPr>
+        <a:xfrm>
+          <a:off x="0" y="0"/>
+          <a:ext cx="0" cy="0"/>
+          <a:chOff x="0" y="0"/>
+          <a:chExt cx="0" cy="0"/>
+        </a:xfrm>
+      </p:grpSpPr>
+      <p:sp>
+        <p:nvSpPr>
+          <p:cNvPr id="2" name="Titre 1"/>
+          <p:cNvSpPr>
+            <a:spLocks noGrp="1"/>
+          </p:cNvSpPr>
+          <p:nvPr>
+            <p:ph type="title"/>
+          </p:nvPr>
+        </p:nvSpPr>
+        <p:spPr>
+          <a:xfrm>
+            <a:off x="4891733" y="1669002"/>
+            <a:ext cx="6716792" cy="1519966"/>
+          </a:xfrm>
+        </p:spPr>
+        <p:txBody>
+          <a:bodyPr/>
+          <a:lstStyle/>
+          <a:p>
+            <a:r>
+              <a:rPr lang="fr-FR" dirty="0" err="1" smtClean="0"/>
+              <a:t>Scaling</a:t>
+            </a:r>
+            <a:r>
+              <a:rPr lang="fr-FR" dirty="0" smtClean="0"/>
+              <a:t> up an </a:t>
+            </a:r>
+            <a:r>
+              <a:rPr lang="fr-FR" dirty="0" err="1" smtClean="0"/>
+              <a:t>endpoint</a:t>
+            </a:r>
+            <a:endParaRPr lang="fr-FR" dirty="0"/>
+          </a:p>
+        </p:txBody>
+      </p:sp>
+      <p:sp>
+        <p:nvSpPr>
+          <p:cNvPr id="3" name="Espace réservé du texte 2"/>
+          <p:cNvSpPr>
+            <a:spLocks noGrp="1"/>
+          </p:cNvSpPr>
+          <p:nvPr>
+            <p:ph type="body" sz="quarter" idx="10"/>
+          </p:nvPr>
+        </p:nvSpPr>
+        <p:spPr/>
+        <p:txBody>
+          <a:bodyPr/>
+          <a:lstStyle/>
+          <a:p>
+            <a:r>
+              <a:rPr lang="fr-FR" dirty="0" err="1" smtClean="0"/>
+              <a:t>Using</a:t>
+            </a:r>
+            <a:r>
+              <a:rPr lang="fr-FR" dirty="0" smtClean="0"/>
+              <a:t> </a:t>
+            </a:r>
+            <a:r>
+              <a:rPr lang="fr-FR" dirty="0" err="1" smtClean="0"/>
+              <a:t>Locust</a:t>
+            </a:r>
+            <a:endParaRPr lang="fr-FR" dirty="0"/>
+          </a:p>
+        </p:txBody>
+      </p:sp>
+    </p:spTree>
+    <p:extLst>
+      <p:ext uri="{BB962C8B-B14F-4D97-AF65-F5344CB8AC3E}">
+        <p14:creationId xmlns:p14="http://schemas.microsoft.com/office/powerpoint/2010/main" val="1882114450"/>
+      </p:ext>
+    </p:extLst>
+  </p:cSld>
+  <p:clrMapOvr>
+    <a:masterClrMapping/>
+  </p:clrMapOvr>
+</p:sld>
+</file>
+
+<file path=ppt/slides/slide17.xml><?xml version="1.0" encoding="utf-8"?>
+<p:sld xmlns:a="http://schemas.openxmlformats.org/drawingml/2006/main" xmlns:r="http://schemas.openxmlformats.org/officeDocument/2006/relationships" xmlns:p="http://schemas.openxmlformats.org/presentationml/2006/main">
+  <p:cSld>
+    <p:spTree>
+      <p:nvGrpSpPr>
+        <p:cNvPr id="1" name=""/>
+        <p:cNvGrpSpPr/>
+        <p:nvPr/>
+      </p:nvGrpSpPr>
+      <p:grpSpPr>
+        <a:xfrm>
+          <a:off x="0" y="0"/>
+          <a:ext cx="0" cy="0"/>
+          <a:chOff x="0" y="0"/>
+          <a:chExt cx="0" cy="0"/>
+        </a:xfrm>
+      </p:grpSpPr>
+      <p:sp>
+        <p:nvSpPr>
+          <p:cNvPr id="2" name="Titre 1"/>
+          <p:cNvSpPr>
+            <a:spLocks noGrp="1"/>
+          </p:cNvSpPr>
+          <p:nvPr>
+            <p:ph type="title"/>
+          </p:nvPr>
+        </p:nvSpPr>
+        <p:spPr/>
+        <p:txBody>
+          <a:bodyPr/>
+          <a:lstStyle/>
+          <a:p>
+            <a:r>
+              <a:rPr lang="fr-FR" dirty="0" err="1" smtClean="0"/>
+              <a:t>Scaling</a:t>
+            </a:r>
+            <a:r>
+              <a:rPr lang="fr-FR" dirty="0" smtClean="0"/>
+              <a:t> up </a:t>
+            </a:r>
+            <a:r>
+              <a:rPr lang="fr-FR" dirty="0" err="1" smtClean="0"/>
+              <a:t>endpoint</a:t>
+            </a:r>
+            <a:r>
+              <a:rPr lang="fr-FR" dirty="0" smtClean="0"/>
+              <a:t> </a:t>
+            </a:r>
+            <a:r>
+              <a:rPr lang="fr-FR" dirty="0" err="1" smtClean="0"/>
+              <a:t>capacities</a:t>
+            </a:r>
+            <a:endParaRPr lang="fr-FR" dirty="0"/>
+          </a:p>
+        </p:txBody>
+      </p:sp>
+      <p:sp>
+        <p:nvSpPr>
+          <p:cNvPr id="3" name="Espace réservé du texte 2"/>
+          <p:cNvSpPr>
+            <a:spLocks noGrp="1"/>
+          </p:cNvSpPr>
+          <p:nvPr>
+            <p:ph type="body" sz="quarter" idx="14"/>
+          </p:nvPr>
+        </p:nvSpPr>
+        <p:spPr/>
+        <p:txBody>
+          <a:bodyPr/>
+          <a:lstStyle/>
+          <a:p>
+            <a:pPr marL="0" indent="0">
+              <a:buNone/>
+            </a:pPr>
+            <a:r>
+              <a:rPr lang="en-US" dirty="0"/>
+              <a:t>We will test the service's ability to </a:t>
+            </a:r>
+            <a:r>
+              <a:rPr lang="en-US" b="1" dirty="0"/>
+              <a:t>handle increased traffic</a:t>
+            </a:r>
+          </a:p>
+          <a:p>
+            <a:r>
+              <a:rPr lang="en-US" dirty="0"/>
+              <a:t>Sending a large number of API requests in parallel</a:t>
+            </a:r>
+          </a:p>
+          <a:p>
+            <a:r>
+              <a:rPr lang="en-US" dirty="0"/>
+              <a:t>Monitoring </a:t>
+            </a:r>
+            <a:r>
+              <a:rPr lang="en-US" dirty="0" smtClean="0"/>
+              <a:t>average </a:t>
+            </a:r>
+            <a:r>
+              <a:rPr lang="en-US" dirty="0"/>
+              <a:t>response time and </a:t>
+            </a:r>
+            <a:r>
+              <a:rPr lang="en-US" dirty="0" smtClean="0"/>
+              <a:t>number </a:t>
+            </a:r>
+            <a:r>
+              <a:rPr lang="en-US" dirty="0"/>
+              <a:t>of errors</a:t>
+            </a:r>
+          </a:p>
+          <a:p>
+            <a:endParaRPr lang="fr-FR" dirty="0" smtClean="0"/>
+          </a:p>
+          <a:p>
+            <a:pPr marL="0" indent="0">
+              <a:buNone/>
+            </a:pPr>
+            <a:r>
+              <a:rPr lang="fr-FR" dirty="0" smtClean="0"/>
+              <a:t>Utilisation de </a:t>
+            </a:r>
+            <a:r>
+              <a:rPr lang="fr-FR" b="1" dirty="0" err="1" smtClean="0"/>
+              <a:t>Locust</a:t>
+            </a:r>
+            <a:r>
+              <a:rPr lang="fr-FR" dirty="0" smtClean="0"/>
+              <a:t> :</a:t>
+            </a:r>
+          </a:p>
+          <a:p>
+            <a:r>
+              <a:rPr lang="fr-FR" dirty="0" smtClean="0"/>
+              <a:t>Open source python </a:t>
+            </a:r>
+            <a:r>
+              <a:rPr lang="fr-FR" dirty="0" err="1" smtClean="0"/>
+              <a:t>library</a:t>
+            </a:r>
+            <a:r>
+              <a:rPr lang="fr-FR" dirty="0" smtClean="0"/>
+              <a:t> for </a:t>
+            </a:r>
+            <a:r>
+              <a:rPr lang="fr-FR" dirty="0" err="1" smtClean="0"/>
+              <a:t>load</a:t>
+            </a:r>
+            <a:r>
+              <a:rPr lang="fr-FR" dirty="0" smtClean="0"/>
+              <a:t> </a:t>
+            </a:r>
+            <a:r>
+              <a:rPr lang="fr-FR" dirty="0" err="1" smtClean="0"/>
+              <a:t>testing</a:t>
+            </a:r>
+            <a:endParaRPr lang="fr-FR" dirty="0" smtClean="0"/>
+          </a:p>
+          <a:p>
+            <a:r>
+              <a:rPr lang="fr-FR" dirty="0" err="1" smtClean="0"/>
+              <a:t>Allows</a:t>
+            </a:r>
+            <a:r>
+              <a:rPr lang="fr-FR" dirty="0" smtClean="0"/>
+              <a:t> simulation of multiple </a:t>
+            </a:r>
+            <a:r>
+              <a:rPr lang="fr-FR" dirty="0" err="1" smtClean="0"/>
+              <a:t>simultaneous</a:t>
+            </a:r>
+            <a:r>
+              <a:rPr lang="fr-FR" dirty="0" smtClean="0"/>
+              <a:t> </a:t>
+            </a:r>
+            <a:r>
+              <a:rPr lang="fr-FR" dirty="0" err="1" smtClean="0"/>
+              <a:t>users</a:t>
+            </a:r>
+            <a:endParaRPr lang="fr-FR" dirty="0" smtClean="0"/>
+          </a:p>
+          <a:p>
+            <a:r>
+              <a:rPr lang="fr-FR" dirty="0" err="1" smtClean="0"/>
+              <a:t>Praised</a:t>
+            </a:r>
+            <a:r>
+              <a:rPr lang="fr-FR" dirty="0" smtClean="0"/>
+              <a:t> for </a:t>
+            </a:r>
+            <a:r>
+              <a:rPr lang="fr-FR" dirty="0" err="1" smtClean="0"/>
+              <a:t>its</a:t>
+            </a:r>
+            <a:r>
+              <a:rPr lang="fr-FR" dirty="0" smtClean="0"/>
+              <a:t> intuitive interface</a:t>
+            </a:r>
+          </a:p>
+          <a:p>
+            <a:endParaRPr lang="fr-FR" dirty="0" smtClean="0"/>
+          </a:p>
+        </p:txBody>
+      </p:sp>
+      <p:sp>
+        <p:nvSpPr>
+          <p:cNvPr id="4" name="Espace réservé du numéro de diapositive 3"/>
+          <p:cNvSpPr>
+            <a:spLocks noGrp="1"/>
+          </p:cNvSpPr>
+          <p:nvPr>
+            <p:ph type="sldNum" sz="quarter" idx="4"/>
+          </p:nvPr>
+        </p:nvSpPr>
+        <p:spPr/>
+        <p:txBody>
+          <a:bodyPr/>
+          <a:lstStyle/>
+          <a:p>
+            <a:pPr>
+              <a:defRPr/>
+            </a:pPr>
+            <a:fld id="{F4FEB08F-923E-484A-9FC5-0AA7BDA29BD6}" type="slidenum">
+              <a:rPr lang="fr-FR" smtClean="0"/>
+              <a:pPr>
+                <a:defRPr/>
+              </a:pPr>
+              <a:t>17</a:t>
+            </a:fld>
+            <a:endParaRPr lang="fr-FR" dirty="0"/>
+          </a:p>
+        </p:txBody>
+      </p:sp>
+      <p:sp>
+        <p:nvSpPr>
+          <p:cNvPr id="7" name="Espace réservé du pied de page 4"/>
+          <p:cNvSpPr>
+            <a:spLocks noGrp="1"/>
+          </p:cNvSpPr>
+          <p:nvPr>
+            <p:ph type="ftr" sz="quarter" idx="3"/>
+          </p:nvPr>
+        </p:nvSpPr>
+        <p:spPr>
+          <a:xfrm>
+            <a:off x="194408" y="6435303"/>
+            <a:ext cx="5672016" cy="365125"/>
+          </a:xfrm>
+        </p:spPr>
+        <p:txBody>
+          <a:bodyPr/>
+          <a:lstStyle/>
+          <a:p>
+            <a:r>
+              <a:rPr lang="en-US" dirty="0" smtClean="0"/>
+              <a:t>2025 | ©</a:t>
             </a:r>
             <a:r>
               <a:rPr lang="en-US" dirty="0" err="1" smtClean="0"/>
@@ -15366,7 +16151,6 @@
               <a:rPr lang="fr-FR" dirty="0" smtClean="0"/>
               <a:t>Introduction and goals</a:t>
             </a:r>
-            <a:endParaRPr lang="fr-FR" dirty="0" smtClean="0"/>
           </a:p>
         </p:txBody>
       </p:sp>
@@ -15914,11 +16698,7 @@
           <a:p>
             <a:r>
               <a:rPr lang="fr-FR" dirty="0" smtClean="0"/>
-              <a:t>Introduction </a:t>
-            </a:r>
-            <a:r>
-              <a:rPr lang="fr-FR" dirty="0" smtClean="0"/>
-              <a:t>&amp; objectives</a:t>
+              <a:t>Introduction &amp; objectives</a:t>
             </a:r>
             <a:endParaRPr lang="fr-FR" dirty="0"/>
           </a:p>
@@ -15961,7 +16741,7 @@
         </p:nvSpPr>
         <p:spPr>
           <a:xfrm>
-            <a:off x="847897" y="2931375"/>
+            <a:off x="737059" y="2926132"/>
             <a:ext cx="6267797" cy="2631490"/>
           </a:xfrm>
           <a:prstGeom prst="rect">
@@ -16173,81 +16953,6 @@
             <a:endParaRPr lang="fr-FR" sz="1400" dirty="0"/>
           </a:p>
           <a:p>
-            <a:endParaRPr lang="fr-FR" dirty="0"/>
-          </a:p>
-        </p:txBody>
-      </p:sp>
-      <p:sp>
-        <p:nvSpPr>
-          <p:cNvPr id="11" name="ZoneTexte 10"/>
-          <p:cNvSpPr txBox="1"/>
-          <p:nvPr/>
-        </p:nvSpPr>
-        <p:spPr>
-          <a:xfrm>
-            <a:off x="847898" y="1299558"/>
-            <a:ext cx="6267797" cy="1384995"/>
-          </a:xfrm>
-          <a:prstGeom prst="rect">
-            <a:avLst/>
-          </a:prstGeom>
-          <a:noFill/>
-        </p:spPr>
-        <p:txBody>
-          <a:bodyPr wrap="square" rtlCol="0">
-            <a:spAutoFit/>
-          </a:bodyPr>
-          <a:lstStyle/>
-          <a:p>
-            <a:pPr>
-              <a:lnSpc>
-                <a:spcPct val="150000"/>
-              </a:lnSpc>
-            </a:pPr>
-            <a:r>
-              <a:rPr lang="fr-FR" sz="1400" dirty="0" smtClean="0"/>
-              <a:t>Rappel lors du TP précédent,  :</a:t>
-            </a:r>
-            <a:endParaRPr lang="fr-FR" dirty="0" smtClean="0"/>
-          </a:p>
-          <a:p>
-            <a:pPr marL="285750" indent="-285750">
-              <a:lnSpc>
-                <a:spcPct val="150000"/>
-              </a:lnSpc>
-              <a:buFont typeface="Arial" panose="020B0604020202020204" pitchFamily="34" charset="0"/>
-              <a:buChar char="•"/>
-            </a:pPr>
-            <a:r>
-              <a:rPr lang="fr-FR" sz="1400" dirty="0" smtClean="0"/>
-              <a:t>???</a:t>
-            </a:r>
-          </a:p>
-          <a:p>
-            <a:pPr marL="285750" indent="-285750">
-              <a:lnSpc>
-                <a:spcPct val="150000"/>
-              </a:lnSpc>
-              <a:buFont typeface="Arial" panose="020B0604020202020204" pitchFamily="34" charset="0"/>
-              <a:buChar char="•"/>
-            </a:pPr>
-            <a:r>
-              <a:rPr lang="fr-FR" sz="1400" dirty="0" smtClean="0"/>
-              <a:t>???</a:t>
-            </a:r>
-          </a:p>
-          <a:p>
-            <a:pPr marL="285750" indent="-285750">
-              <a:lnSpc>
-                <a:spcPct val="150000"/>
-              </a:lnSpc>
-              <a:buFont typeface="Arial" panose="020B0604020202020204" pitchFamily="34" charset="0"/>
-              <a:buChar char="•"/>
-            </a:pPr>
-            <a:r>
-              <a:rPr lang="fr-FR" sz="1400" dirty="0"/>
-              <a:t>??? </a:t>
-            </a:r>
             <a:endParaRPr lang="fr-FR" dirty="0"/>
           </a:p>
         </p:txBody>
@@ -16337,11 +17042,7 @@
           <a:p>
             <a:r>
               <a:rPr lang="en-US" dirty="0" smtClean="0"/>
-              <a:t>2025 </a:t>
-            </a:r>
-            <a:r>
-              <a:rPr lang="en-US" dirty="0" smtClean="0"/>
-              <a:t>| ©</a:t>
+              <a:t>2025 | ©</a:t>
             </a:r>
             <a:r>
               <a:rPr lang="en-US" dirty="0" err="1" smtClean="0"/>
@@ -16351,6 +17052,88 @@
               <a:rPr lang="en-US" dirty="0" smtClean="0"/>
               <a:t> Partners</a:t>
             </a:r>
+            <a:endParaRPr lang="fr-FR" dirty="0"/>
+          </a:p>
+        </p:txBody>
+      </p:sp>
+      <p:sp>
+        <p:nvSpPr>
+          <p:cNvPr id="10" name="ZoneTexte 9"/>
+          <p:cNvSpPr txBox="1"/>
+          <p:nvPr/>
+        </p:nvSpPr>
+        <p:spPr>
+          <a:xfrm>
+            <a:off x="737059" y="1645191"/>
+            <a:ext cx="6267797" cy="1338828"/>
+          </a:xfrm>
+          <a:prstGeom prst="rect">
+            <a:avLst/>
+          </a:prstGeom>
+          <a:noFill/>
+        </p:spPr>
+        <p:txBody>
+          <a:bodyPr wrap="square" rtlCol="0">
+            <a:spAutoFit/>
+          </a:bodyPr>
+          <a:lstStyle/>
+          <a:p>
+            <a:pPr>
+              <a:lnSpc>
+                <a:spcPct val="150000"/>
+              </a:lnSpc>
+            </a:pPr>
+            <a:r>
+              <a:rPr lang="fr-FR" sz="1400" dirty="0" smtClean="0"/>
+              <a:t>Last </a:t>
+            </a:r>
+            <a:r>
+              <a:rPr lang="fr-FR" sz="1400" dirty="0" err="1" smtClean="0"/>
+              <a:t>week</a:t>
+            </a:r>
+            <a:r>
+              <a:rPr lang="fr-FR" sz="1400" dirty="0" smtClean="0"/>
+              <a:t> :</a:t>
+            </a:r>
+            <a:endParaRPr lang="fr-FR" dirty="0" smtClean="0"/>
+          </a:p>
+          <a:p>
+            <a:pPr marL="285750" indent="-285750">
+              <a:lnSpc>
+                <a:spcPct val="150000"/>
+              </a:lnSpc>
+              <a:buFont typeface="Arial" panose="020B0604020202020204" pitchFamily="34" charset="0"/>
+              <a:buChar char="•"/>
+            </a:pPr>
+            <a:r>
+              <a:rPr lang="fr-FR" sz="1400" dirty="0" smtClean="0"/>
+              <a:t>Introduction to </a:t>
+            </a:r>
+            <a:r>
+              <a:rPr lang="fr-FR" sz="1400" dirty="0" err="1" smtClean="0"/>
+              <a:t>MLOps</a:t>
+            </a:r>
+            <a:endParaRPr lang="fr-FR" sz="1400" dirty="0" smtClean="0"/>
+          </a:p>
+          <a:p>
+            <a:pPr marL="285750" indent="-285750">
+              <a:lnSpc>
+                <a:spcPct val="150000"/>
+              </a:lnSpc>
+              <a:buFont typeface="Arial" panose="020B0604020202020204" pitchFamily="34" charset="0"/>
+              <a:buChar char="•"/>
+            </a:pPr>
+            <a:r>
+              <a:rPr lang="fr-FR" sz="1400" dirty="0" smtClean="0"/>
+              <a:t>Introduction to </a:t>
+            </a:r>
+            <a:r>
+              <a:rPr lang="fr-FR" sz="1400" dirty="0" err="1" smtClean="0"/>
+              <a:t>mlflow</a:t>
+            </a:r>
+            <a:endParaRPr lang="fr-FR" sz="1400" dirty="0" smtClean="0"/>
+          </a:p>
+          <a:p>
             <a:endParaRPr lang="fr-FR" dirty="0"/>
           </a:p>
         </p:txBody>
@@ -16409,11 +17192,7 @@
           <a:p>
             <a:r>
               <a:rPr lang="fr-FR" dirty="0" smtClean="0"/>
-              <a:t>Introduction </a:t>
-            </a:r>
-            <a:r>
-              <a:rPr lang="fr-FR" dirty="0" smtClean="0"/>
-              <a:t>&amp; objectives</a:t>
+              <a:t>Introduction &amp; objectives</a:t>
             </a:r>
             <a:endParaRPr lang="fr-FR" dirty="0"/>
           </a:p>
@@ -16562,7 +17341,6 @@
               <a:rPr lang="fr-FR" sz="1400" dirty="0" smtClean="0"/>
               <a:t>*)</a:t>
             </a:r>
-            <a:endParaRPr lang="fr-FR" sz="1400" dirty="0" smtClean="0"/>
           </a:p>
           <a:p>
             <a:pPr marL="285750" indent="-285750">
@@ -16574,11 +17352,7 @@
             </a:pPr>
             <a:r>
               <a:rPr lang="fr-FR" sz="1400" dirty="0" smtClean="0"/>
-              <a:t>Google </a:t>
-            </a:r>
-            <a:r>
-              <a:rPr lang="fr-FR" sz="1400" dirty="0" smtClean="0"/>
-              <a:t>Cloud Platform (GCP</a:t>
+              <a:t>Google Cloud Platform (GCP</a:t>
             </a:r>
             <a:r>
               <a:rPr lang="fr-FR" sz="1400" dirty="0"/>
@@ -16676,11 +17450,7 @@
             </a:r>
             <a:r>
               <a:rPr lang="fr-FR" sz="1600" dirty="0" smtClean="0"/>
-              <a:t> </a:t>
-            </a:r>
-            <a:r>
-              <a:rPr lang="fr-FR" sz="1600" dirty="0" smtClean="0"/>
-              <a:t>? </a:t>
+              <a:t> ? </a:t>
             </a:r>
             <a:endParaRPr lang="fr-FR" sz="2000" dirty="0" smtClean="0"/>
           </a:p>
@@ -16695,10 +17465,6 @@
             <a:r>
               <a:rPr lang="en-US" sz="1400" dirty="0"/>
               <a:t>Set of computing resources (processing, storage, network) accessible remotely via the Internet</a:t>
-            </a:r>
-            <a:r>
-              <a:rPr lang="en-US" sz="1400" dirty="0"/>
-              <a:t/>
             </a:r>
             <a:br>
               <a:rPr lang="en-US" sz="1400" dirty="0"/>
@@ -16967,11 +17733,7 @@
           <a:p>
             <a:r>
               <a:rPr lang="en-US" dirty="0" smtClean="0"/>
-              <a:t>2025 </a:t>
-            </a:r>
-            <a:r>
-              <a:rPr lang="en-US" dirty="0" smtClean="0"/>
-              <a:t>| ©</a:t>
+              <a:t>2025 | ©</a:t>
             </a:r>
             <a:r>
               <a:rPr lang="en-US" dirty="0" err="1" smtClean="0"/>
@@ -17031,8 +17793,16 @@
           <a:lstStyle/>
           <a:p>
             <a:r>
-              <a:rPr lang="fr-FR" dirty="0"/>
-              <a:t>Introduction &amp; objectives</a:t>
+              <a:rPr lang="fr-FR" dirty="0" smtClean="0"/>
+              <a:t>Key components (</a:t>
+            </a:r>
+            <a:r>
+              <a:rPr lang="fr-FR" dirty="0" err="1" smtClean="0"/>
+              <a:t>without</a:t>
+            </a:r>
+            <a:r>
+              <a:rPr lang="fr-FR" dirty="0" smtClean="0"/>
+              <a:t> AI) : </a:t>
             </a:r>
             <a:endParaRPr lang="fr-FR" dirty="0"/>
           </a:p>
@@ -17067,40 +17837,619 @@
           </a:p>
         </p:txBody>
       </p:sp>
+      <p:sp>
+        <p:nvSpPr>
+          <p:cNvPr id="8" name="AutoShape 4" descr="Fichier:Microsoft-Azure.png — Wikipédia"/>
+          <p:cNvSpPr>
+            <a:spLocks noChangeAspect="1" noChangeArrowheads="1"/>
+          </p:cNvSpPr>
+          <p:nvPr/>
+        </p:nvSpPr>
+        <p:spPr bwMode="auto">
+          <a:xfrm>
+            <a:off x="63500" y="-136525"/>
+            <a:ext cx="304800" cy="304800"/>
+          </a:xfrm>
+          <a:prstGeom prst="rect">
+            <a:avLst/>
+          </a:prstGeom>
+          <a:noFill/>
+          <a:extLst>
+            <a:ext uri="{909E8E84-426E-40DD-AFC4-6F175D3DCCD1}">
+              <a14:hiddenFill xmlns:a14="http://schemas.microsoft.com/office/drawing/2010/main">
+                <a:solidFill>
+                  <a:srgbClr val="FFFFFF"/>
+                </a:solidFill>
+              </a14:hiddenFill>
+            </a:ext>
+          </a:extLst>
+        </p:spPr>
+        <p:txBody>
+          <a:bodyPr vert="horz" wrap="square" lIns="91440" tIns="45720" rIns="91440" bIns="45720" numCol="1" anchor="t" anchorCtr="0" compatLnSpc="1">
+            <a:prstTxWarp prst="textNoShape">
+              <a:avLst/>
+            </a:prstTxWarp>
+          </a:bodyPr>
+          <a:lstStyle/>
+          <a:p>
+            <a:endParaRPr lang="fr-FR"/>
+          </a:p>
+        </p:txBody>
+      </p:sp>
+      <p:sp>
+        <p:nvSpPr>
+          <p:cNvPr id="14" name="Espace réservé du pied de page 4"/>
+          <p:cNvSpPr>
+            <a:spLocks noGrp="1"/>
+          </p:cNvSpPr>
+          <p:nvPr>
+            <p:ph type="ftr" sz="quarter" idx="3"/>
+          </p:nvPr>
+        </p:nvSpPr>
+        <p:spPr>
+          <a:xfrm>
+            <a:off x="194408" y="6435303"/>
+            <a:ext cx="5672016" cy="365125"/>
+          </a:xfrm>
+        </p:spPr>
+        <p:txBody>
+          <a:bodyPr/>
+          <a:lstStyle/>
+          <a:p>
+            <a:r>
+              <a:rPr lang="en-US" dirty="0" smtClean="0"/>
+              <a:t>2025 | ©</a:t>
+            </a:r>
+            <a:r>
+              <a:rPr lang="en-US" dirty="0" err="1" smtClean="0"/>
+              <a:t>HeadMind</a:t>
+            </a:r>
+            <a:r>
+              <a:rPr lang="en-US" dirty="0" smtClean="0"/>
+              <a:t> Partners</a:t>
+            </a:r>
+            <a:endParaRPr lang="fr-FR" dirty="0"/>
+          </a:p>
+        </p:txBody>
+      </p:sp>
+      <p:sp>
+        <p:nvSpPr>
+          <p:cNvPr id="5" name="ZoneTexte 4"/>
+          <p:cNvSpPr txBox="1"/>
+          <p:nvPr/>
+        </p:nvSpPr>
+        <p:spPr>
+          <a:xfrm>
+            <a:off x="7558699" y="1355415"/>
+            <a:ext cx="1814945" cy="369332"/>
+          </a:xfrm>
+          <a:prstGeom prst="rect">
+            <a:avLst/>
+          </a:prstGeom>
+          <a:noFill/>
+        </p:spPr>
+        <p:txBody>
+          <a:bodyPr wrap="square" rtlCol="0">
+            <a:spAutoFit/>
+          </a:bodyPr>
+          <a:lstStyle/>
+          <a:p>
+            <a:r>
+              <a:rPr lang="fr-FR" u="sng" dirty="0" smtClean="0"/>
+              <a:t>Virtual Network</a:t>
+            </a:r>
+            <a:endParaRPr lang="fr-FR" u="sng" dirty="0"/>
+          </a:p>
+        </p:txBody>
+      </p:sp>
+      <p:sp>
+        <p:nvSpPr>
+          <p:cNvPr id="13" name="ZoneTexte 12"/>
+          <p:cNvSpPr txBox="1"/>
+          <p:nvPr/>
+        </p:nvSpPr>
+        <p:spPr>
+          <a:xfrm>
+            <a:off x="2367715" y="3030809"/>
+            <a:ext cx="1814945" cy="369332"/>
+          </a:xfrm>
+          <a:prstGeom prst="rect">
+            <a:avLst/>
+          </a:prstGeom>
+          <a:noFill/>
+        </p:spPr>
+        <p:txBody>
+          <a:bodyPr wrap="square" rtlCol="0">
+            <a:spAutoFit/>
+          </a:bodyPr>
+          <a:lstStyle/>
+          <a:p>
+            <a:r>
+              <a:rPr lang="fr-FR" u="sng" dirty="0" smtClean="0"/>
+              <a:t>Container App</a:t>
+            </a:r>
+            <a:endParaRPr lang="fr-FR" u="sng" dirty="0"/>
+          </a:p>
+        </p:txBody>
+      </p:sp>
+      <p:sp>
+        <p:nvSpPr>
+          <p:cNvPr id="15" name="ZoneTexte 14"/>
+          <p:cNvSpPr txBox="1"/>
+          <p:nvPr/>
+        </p:nvSpPr>
+        <p:spPr>
+          <a:xfrm>
+            <a:off x="7550189" y="3023277"/>
+            <a:ext cx="2521853" cy="369332"/>
+          </a:xfrm>
+          <a:prstGeom prst="rect">
+            <a:avLst/>
+          </a:prstGeom>
+          <a:noFill/>
+        </p:spPr>
+        <p:txBody>
+          <a:bodyPr wrap="square" rtlCol="0">
+            <a:spAutoFit/>
+          </a:bodyPr>
+          <a:lstStyle/>
+          <a:p>
+            <a:r>
+              <a:rPr lang="fr-FR" u="sng" dirty="0" smtClean="0"/>
+              <a:t>Container </a:t>
+            </a:r>
+            <a:r>
+              <a:rPr lang="fr-FR" u="sng" dirty="0" err="1" smtClean="0"/>
+              <a:t>Registry</a:t>
+            </a:r>
+            <a:endParaRPr lang="fr-FR" u="sng" dirty="0"/>
+          </a:p>
+        </p:txBody>
+      </p:sp>
+      <p:sp>
+        <p:nvSpPr>
+          <p:cNvPr id="16" name="ZoneTexte 15"/>
+          <p:cNvSpPr txBox="1"/>
+          <p:nvPr/>
+        </p:nvSpPr>
+        <p:spPr>
+          <a:xfrm>
+            <a:off x="7550189" y="4622209"/>
+            <a:ext cx="2948802" cy="369332"/>
+          </a:xfrm>
+          <a:prstGeom prst="rect">
+            <a:avLst/>
+          </a:prstGeom>
+          <a:noFill/>
+        </p:spPr>
+        <p:txBody>
+          <a:bodyPr wrap="square" rtlCol="0">
+            <a:spAutoFit/>
+          </a:bodyPr>
+          <a:lstStyle/>
+          <a:p>
+            <a:r>
+              <a:rPr lang="fr-FR" u="sng" dirty="0" smtClean="0"/>
+              <a:t>Application </a:t>
+            </a:r>
+            <a:r>
+              <a:rPr lang="fr-FR" u="sng" dirty="0"/>
+              <a:t>G</a:t>
+            </a:r>
+            <a:r>
+              <a:rPr lang="fr-FR" u="sng" dirty="0" smtClean="0"/>
+              <a:t>ateway</a:t>
+            </a:r>
+            <a:endParaRPr lang="fr-FR" u="sng" dirty="0"/>
+          </a:p>
+        </p:txBody>
+      </p:sp>
+      <p:sp>
+        <p:nvSpPr>
+          <p:cNvPr id="17" name="ZoneTexte 16"/>
+          <p:cNvSpPr txBox="1"/>
+          <p:nvPr/>
+        </p:nvSpPr>
+        <p:spPr>
+          <a:xfrm>
+            <a:off x="2680546" y="4622209"/>
+            <a:ext cx="1814945" cy="369332"/>
+          </a:xfrm>
+          <a:prstGeom prst="rect">
+            <a:avLst/>
+          </a:prstGeom>
+          <a:noFill/>
+        </p:spPr>
+        <p:txBody>
+          <a:bodyPr wrap="square" rtlCol="0">
+            <a:spAutoFit/>
+          </a:bodyPr>
+          <a:lstStyle/>
+          <a:p>
+            <a:r>
+              <a:rPr lang="fr-FR" u="sng" dirty="0" smtClean="0"/>
+              <a:t>Storage</a:t>
+            </a:r>
+            <a:endParaRPr lang="fr-FR" u="sng" dirty="0"/>
+          </a:p>
+        </p:txBody>
+      </p:sp>
+      <p:sp>
+        <p:nvSpPr>
+          <p:cNvPr id="18" name="ZoneTexte 17"/>
+          <p:cNvSpPr txBox="1"/>
+          <p:nvPr/>
+        </p:nvSpPr>
+        <p:spPr>
+          <a:xfrm>
+            <a:off x="2222522" y="1389730"/>
+            <a:ext cx="2730991" cy="369332"/>
+          </a:xfrm>
+          <a:prstGeom prst="rect">
+            <a:avLst/>
+          </a:prstGeom>
+          <a:noFill/>
+        </p:spPr>
+        <p:txBody>
+          <a:bodyPr wrap="square" rtlCol="0">
+            <a:spAutoFit/>
+          </a:bodyPr>
+          <a:lstStyle/>
+          <a:p>
+            <a:r>
+              <a:rPr lang="fr-FR" u="sng" dirty="0" smtClean="0"/>
+              <a:t>Ressource group</a:t>
+            </a:r>
+            <a:endParaRPr lang="fr-FR" u="sng" dirty="0"/>
+          </a:p>
+        </p:txBody>
+      </p:sp>
+      <p:cxnSp>
+        <p:nvCxnSpPr>
+          <p:cNvPr id="19" name="Connecteur droit 18"/>
+          <p:cNvCxnSpPr/>
+          <p:nvPr/>
+        </p:nvCxnSpPr>
+        <p:spPr>
+          <a:xfrm>
+            <a:off x="5866424" y="1413164"/>
+            <a:ext cx="0" cy="4696691"/>
+          </a:xfrm>
+          <a:prstGeom prst="line">
+            <a:avLst/>
+          </a:prstGeom>
+        </p:spPr>
+        <p:style>
+          <a:lnRef idx="1">
+            <a:schemeClr val="accent1"/>
+          </a:lnRef>
+          <a:fillRef idx="0">
+            <a:schemeClr val="accent1"/>
+          </a:fillRef>
+          <a:effectRef idx="0">
+            <a:schemeClr val="accent1"/>
+          </a:effectRef>
+          <a:fontRef idx="minor">
+            <a:schemeClr val="tx1"/>
+          </a:fontRef>
+        </p:style>
+      </p:cxnSp>
+      <p:cxnSp>
+        <p:nvCxnSpPr>
+          <p:cNvPr id="24" name="Connecteur droit 23"/>
+          <p:cNvCxnSpPr/>
+          <p:nvPr/>
+        </p:nvCxnSpPr>
+        <p:spPr>
+          <a:xfrm rot="5400000">
+            <a:off x="5971919" y="-2070723"/>
+            <a:ext cx="0" cy="10188000"/>
+          </a:xfrm>
+          <a:prstGeom prst="line">
+            <a:avLst/>
+          </a:prstGeom>
+        </p:spPr>
+        <p:style>
+          <a:lnRef idx="1">
+            <a:schemeClr val="accent1"/>
+          </a:lnRef>
+          <a:fillRef idx="0">
+            <a:schemeClr val="accent1"/>
+          </a:fillRef>
+          <a:effectRef idx="0">
+            <a:schemeClr val="accent1"/>
+          </a:effectRef>
+          <a:fontRef idx="minor">
+            <a:schemeClr val="tx1"/>
+          </a:fontRef>
+        </p:style>
+      </p:cxnSp>
+      <p:cxnSp>
+        <p:nvCxnSpPr>
+          <p:cNvPr id="25" name="Connecteur droit 24"/>
+          <p:cNvCxnSpPr/>
+          <p:nvPr/>
+        </p:nvCxnSpPr>
+        <p:spPr>
+          <a:xfrm rot="5400000">
+            <a:off x="5971919" y="-484647"/>
+            <a:ext cx="0" cy="10188000"/>
+          </a:xfrm>
+          <a:prstGeom prst="line">
+            <a:avLst/>
+          </a:prstGeom>
+        </p:spPr>
+        <p:style>
+          <a:lnRef idx="1">
+            <a:schemeClr val="accent1"/>
+          </a:lnRef>
+          <a:fillRef idx="0">
+            <a:schemeClr val="accent1"/>
+          </a:fillRef>
+          <a:effectRef idx="0">
+            <a:schemeClr val="accent1"/>
+          </a:effectRef>
+          <a:fontRef idx="minor">
+            <a:schemeClr val="tx1"/>
+          </a:fontRef>
+        </p:style>
+      </p:cxnSp>
       <p:pic>
         <p:nvPicPr>
-          <p:cNvPr id="6" name="Image 5"/>
+          <p:cNvPr id="1026" name="Picture 2" descr="Azure Resources - Visual Studio Marketplace"/>
           <p:cNvPicPr>
-            <a:picLocks noChangeAspect="1"/>
+            <a:picLocks noChangeAspect="1" noChangeArrowheads="1"/>
           </p:cNvPicPr>
           <p:nvPr/>
         </p:nvPicPr>
         <p:blipFill>
-          <a:blip r:embed="rId2"/>
+          <a:blip r:embed="rId3" cstate="print">
+            <a:extLst>
+              <a:ext uri="{28A0092B-C50C-407E-A947-70E740481C1C}">
+                <a14:useLocalDpi xmlns:a14="http://schemas.microsoft.com/office/drawing/2010/main" val="0"/>
+              </a:ext>
+            </a:extLst>
+          </a:blip>
+          <a:srcRect/>
           <a:stretch>
             <a:fillRect/>
           </a:stretch>
         </p:blipFill>
-        <p:spPr>
-          <a:xfrm>
-            <a:off x="8005156" y="2186250"/>
-            <a:ext cx="2876204" cy="2336916"/>
+        <p:spPr bwMode="auto">
+          <a:xfrm>
+            <a:off x="4936869" y="1977817"/>
+            <a:ext cx="486956" cy="486956"/>
           </a:xfrm>
           <a:prstGeom prst="rect">
             <a:avLst/>
           </a:prstGeom>
+          <a:noFill/>
+          <a:extLst>
+            <a:ext uri="{909E8E84-426E-40DD-AFC4-6F175D3DCCD1}">
+              <a14:hiddenFill xmlns:a14="http://schemas.microsoft.com/office/drawing/2010/main">
+                <a:solidFill>
+                  <a:srgbClr val="FFFFFF"/>
+                </a:solidFill>
+              </a14:hiddenFill>
+            </a:ext>
+          </a:extLst>
         </p:spPr>
       </p:pic>
-      <p:sp>
-        <p:nvSpPr>
-          <p:cNvPr id="11" name="ZoneTexte 10"/>
+      <p:pic>
+        <p:nvPicPr>
+          <p:cNvPr id="1028" name="Picture 4" descr="Tarification - Container Registry | Microsoft Azure"/>
+          <p:cNvPicPr>
+            <a:picLocks noChangeAspect="1" noChangeArrowheads="1"/>
+          </p:cNvPicPr>
+          <p:nvPr/>
+        </p:nvPicPr>
+        <p:blipFill>
+          <a:blip r:embed="rId4" cstate="print">
+            <a:extLst>
+              <a:ext uri="{28A0092B-C50C-407E-A947-70E740481C1C}">
+                <a14:useLocalDpi xmlns:a14="http://schemas.microsoft.com/office/drawing/2010/main" val="0"/>
+              </a:ext>
+            </a:extLst>
+          </a:blip>
+          <a:srcRect/>
+          <a:stretch>
+            <a:fillRect/>
+          </a:stretch>
+        </p:blipFill>
+        <p:spPr bwMode="auto">
+          <a:xfrm>
+            <a:off x="10613020" y="3578569"/>
+            <a:ext cx="933706" cy="490196"/>
+          </a:xfrm>
+          <a:prstGeom prst="rect">
+            <a:avLst/>
+          </a:prstGeom>
+          <a:noFill/>
+          <a:extLst>
+            <a:ext uri="{909E8E84-426E-40DD-AFC4-6F175D3DCCD1}">
+              <a14:hiddenFill xmlns:a14="http://schemas.microsoft.com/office/drawing/2010/main">
+                <a:solidFill>
+                  <a:srgbClr val="FFFFFF"/>
+                </a:solidFill>
+              </a14:hiddenFill>
+            </a:ext>
+          </a:extLst>
+        </p:spPr>
+      </p:pic>
+      <p:pic>
+        <p:nvPicPr>
+          <p:cNvPr id="1030" name="Picture 6" descr="Tarification Réseau virtuel | Microsoft Azure"/>
+          <p:cNvPicPr>
+            <a:picLocks noChangeAspect="1" noChangeArrowheads="1"/>
+          </p:cNvPicPr>
+          <p:nvPr/>
+        </p:nvPicPr>
+        <p:blipFill>
+          <a:blip r:embed="rId5" cstate="print">
+            <a:extLst>
+              <a:ext uri="{28A0092B-C50C-407E-A947-70E740481C1C}">
+                <a14:useLocalDpi xmlns:a14="http://schemas.microsoft.com/office/drawing/2010/main" val="0"/>
+              </a:ext>
+            </a:extLst>
+          </a:blip>
+          <a:srcRect/>
+          <a:stretch>
+            <a:fillRect/>
+          </a:stretch>
+        </p:blipFill>
+        <p:spPr bwMode="auto">
+          <a:xfrm>
+            <a:off x="10613020" y="2044076"/>
+            <a:ext cx="675120" cy="354438"/>
+          </a:xfrm>
+          <a:prstGeom prst="rect">
+            <a:avLst/>
+          </a:prstGeom>
+          <a:noFill/>
+          <a:extLst>
+            <a:ext uri="{909E8E84-426E-40DD-AFC4-6F175D3DCCD1}">
+              <a14:hiddenFill xmlns:a14="http://schemas.microsoft.com/office/drawing/2010/main">
+                <a:solidFill>
+                  <a:srgbClr val="FFFFFF"/>
+                </a:solidFill>
+              </a14:hiddenFill>
+            </a:ext>
+          </a:extLst>
+        </p:spPr>
+      </p:pic>
+      <p:pic>
+        <p:nvPicPr>
+          <p:cNvPr id="1032" name="Picture 8" descr="Azure Container Apps - Visual Studio Marketplace"/>
+          <p:cNvPicPr>
+            <a:picLocks noChangeAspect="1" noChangeArrowheads="1"/>
+          </p:cNvPicPr>
+          <p:nvPr/>
+        </p:nvPicPr>
+        <p:blipFill>
+          <a:blip r:embed="rId6" cstate="print">
+            <a:extLst>
+              <a:ext uri="{28A0092B-C50C-407E-A947-70E740481C1C}">
+                <a14:useLocalDpi xmlns:a14="http://schemas.microsoft.com/office/drawing/2010/main" val="0"/>
+              </a:ext>
+            </a:extLst>
+          </a:blip>
+          <a:srcRect/>
+          <a:stretch>
+            <a:fillRect/>
+          </a:stretch>
+        </p:blipFill>
+        <p:spPr bwMode="auto">
+          <a:xfrm>
+            <a:off x="4961300" y="3576053"/>
+            <a:ext cx="495228" cy="495228"/>
+          </a:xfrm>
+          <a:prstGeom prst="rect">
+            <a:avLst/>
+          </a:prstGeom>
+          <a:noFill/>
+          <a:extLst>
+            <a:ext uri="{909E8E84-426E-40DD-AFC4-6F175D3DCCD1}">
+              <a14:hiddenFill xmlns:a14="http://schemas.microsoft.com/office/drawing/2010/main">
+                <a:solidFill>
+                  <a:srgbClr val="FFFFFF"/>
+                </a:solidFill>
+              </a14:hiddenFill>
+            </a:ext>
+          </a:extLst>
+        </p:spPr>
+      </p:pic>
+      <p:pic>
+        <p:nvPicPr>
+          <p:cNvPr id="1034" name="Picture 10" descr="Azure Storage - Visual Studio Marketplace"/>
+          <p:cNvPicPr>
+            <a:picLocks noChangeAspect="1" noChangeArrowheads="1"/>
+          </p:cNvPicPr>
+          <p:nvPr/>
+        </p:nvPicPr>
+        <p:blipFill>
+          <a:blip r:embed="rId7" cstate="print">
+            <a:extLst>
+              <a:ext uri="{28A0092B-C50C-407E-A947-70E740481C1C}">
+                <a14:useLocalDpi xmlns:a14="http://schemas.microsoft.com/office/drawing/2010/main" val="0"/>
+              </a:ext>
+            </a:extLst>
+          </a:blip>
+          <a:srcRect/>
+          <a:stretch>
+            <a:fillRect/>
+          </a:stretch>
+        </p:blipFill>
+        <p:spPr bwMode="auto">
+          <a:xfrm>
+            <a:off x="4998508" y="5171087"/>
+            <a:ext cx="539675" cy="539675"/>
+          </a:xfrm>
+          <a:prstGeom prst="rect">
+            <a:avLst/>
+          </a:prstGeom>
+          <a:noFill/>
+          <a:extLst>
+            <a:ext uri="{909E8E84-426E-40DD-AFC4-6F175D3DCCD1}">
+              <a14:hiddenFill xmlns:a14="http://schemas.microsoft.com/office/drawing/2010/main">
+                <a:solidFill>
+                  <a:srgbClr val="FFFFFF"/>
+                </a:solidFill>
+              </a14:hiddenFill>
+            </a:ext>
+          </a:extLst>
+        </p:spPr>
+      </p:pic>
+      <p:pic>
+        <p:nvPicPr>
+          <p:cNvPr id="1036" name="Picture 12" descr="Tarification Application Gateway | Microsoft Azure"/>
+          <p:cNvPicPr>
+            <a:picLocks noChangeAspect="1" noChangeArrowheads="1"/>
+          </p:cNvPicPr>
+          <p:nvPr/>
+        </p:nvPicPr>
+        <p:blipFill>
+          <a:blip r:embed="rId8" cstate="print">
+            <a:extLst>
+              <a:ext uri="{28A0092B-C50C-407E-A947-70E740481C1C}">
+                <a14:useLocalDpi xmlns:a14="http://schemas.microsoft.com/office/drawing/2010/main" val="0"/>
+              </a:ext>
+            </a:extLst>
+          </a:blip>
+          <a:srcRect/>
+          <a:stretch>
+            <a:fillRect/>
+          </a:stretch>
+        </p:blipFill>
+        <p:spPr bwMode="auto">
+          <a:xfrm>
+            <a:off x="10630302" y="5144062"/>
+            <a:ext cx="1130905" cy="593725"/>
+          </a:xfrm>
+          <a:prstGeom prst="rect">
+            <a:avLst/>
+          </a:prstGeom>
+          <a:noFill/>
+          <a:extLst>
+            <a:ext uri="{909E8E84-426E-40DD-AFC4-6F175D3DCCD1}">
+              <a14:hiddenFill xmlns:a14="http://schemas.microsoft.com/office/drawing/2010/main">
+                <a:solidFill>
+                  <a:srgbClr val="FFFFFF"/>
+                </a:solidFill>
+              </a14:hiddenFill>
+            </a:ext>
+          </a:extLst>
+        </p:spPr>
+      </p:pic>
+      <p:sp>
+        <p:nvSpPr>
+          <p:cNvPr id="26" name="ZoneTexte 25"/>
           <p:cNvSpPr txBox="1"/>
           <p:nvPr/>
         </p:nvSpPr>
         <p:spPr>
           <a:xfrm>
-            <a:off x="724073" y="1172324"/>
-            <a:ext cx="6267797" cy="3539430"/>
+            <a:off x="1766963" y="1898130"/>
+            <a:ext cx="3439365" cy="646331"/>
           </a:xfrm>
           <a:prstGeom prst="rect">
             <a:avLst/>
@@ -17113,373 +18462,195 @@
           </a:bodyPr>
           <a:lstStyle/>
           <a:p>
-            <a:pPr>
-              <a:lnSpc>
-                <a:spcPct val="150000"/>
-              </a:lnSpc>
-            </a:pPr>
-            <a:r>
-              <a:rPr lang="fr-FR" sz="1600" dirty="0" err="1" smtClean="0"/>
-              <a:t>Why</a:t>
-            </a:r>
-            <a:r>
-              <a:rPr lang="fr-FR" sz="1600" dirty="0" smtClean="0"/>
-              <a:t> </a:t>
-            </a:r>
-            <a:r>
-              <a:rPr lang="fr-FR" sz="1600" dirty="0" err="1" smtClean="0"/>
-              <a:t>should</a:t>
-            </a:r>
-            <a:r>
-              <a:rPr lang="fr-FR" sz="1600" dirty="0" smtClean="0"/>
-              <a:t> </a:t>
-            </a:r>
-            <a:r>
-              <a:rPr lang="fr-FR" sz="1600" dirty="0" err="1" smtClean="0"/>
-              <a:t>we</a:t>
-            </a:r>
-            <a:r>
-              <a:rPr lang="fr-FR" sz="1600" dirty="0" smtClean="0"/>
-              <a:t> use a cloud for </a:t>
-            </a:r>
-            <a:r>
-              <a:rPr lang="fr-FR" sz="1600" dirty="0" err="1" smtClean="0"/>
-              <a:t>today’s</a:t>
-            </a:r>
-            <a:r>
-              <a:rPr lang="fr-FR" sz="1600" dirty="0" smtClean="0"/>
-              <a:t> session ?</a:t>
-            </a:r>
-            <a:endParaRPr lang="fr-FR" sz="1600" dirty="0" smtClean="0"/>
-          </a:p>
-          <a:p>
-            <a:pPr>
-              <a:lnSpc>
-                <a:spcPct val="150000"/>
-              </a:lnSpc>
-            </a:pPr>
-            <a:r>
-              <a:rPr lang="fr-FR" sz="1600" b="1" dirty="0" smtClean="0"/>
-              <a:t>Azure Machine Learning</a:t>
-            </a:r>
-            <a:endParaRPr lang="fr-FR" sz="1600" b="1" dirty="0"/>
-          </a:p>
-          <a:p>
-            <a:pPr marL="285750" indent="-285750">
-              <a:buFont typeface="Arial" panose="020B0604020202020204" pitchFamily="34" charset="0"/>
-              <a:buChar char="•"/>
-            </a:pPr>
-            <a:r>
-              <a:rPr lang="fr-FR" sz="1600" dirty="0"/>
-              <a:t>For model </a:t>
-            </a:r>
-            <a:r>
-              <a:rPr lang="fr-FR" sz="1600" dirty="0" smtClean="0"/>
-              <a:t>training:</a:t>
-            </a:r>
-          </a:p>
-          <a:p>
-            <a:pPr marL="742950" lvl="1" indent="-285750">
-              <a:buFont typeface="Arial" panose="020B0604020202020204" pitchFamily="34" charset="0"/>
-              <a:buChar char="•"/>
-            </a:pPr>
-            <a:r>
-              <a:rPr lang="fr-FR" sz="1600" dirty="0" smtClean="0"/>
-              <a:t>Access </a:t>
-            </a:r>
-            <a:r>
-              <a:rPr lang="fr-FR" sz="1600" dirty="0"/>
-              <a:t>to </a:t>
-            </a:r>
-            <a:r>
-              <a:rPr lang="fr-FR" sz="1600" dirty="0" err="1"/>
-              <a:t>computing</a:t>
-            </a:r>
-            <a:r>
-              <a:rPr lang="fr-FR" sz="1600" dirty="0"/>
-              <a:t> power (CPU/GPU), </a:t>
-            </a:r>
-            <a:r>
-              <a:rPr lang="fr-FR" sz="1600" dirty="0" err="1"/>
-              <a:t>potentially</a:t>
-            </a:r>
-            <a:r>
-              <a:rPr lang="fr-FR" sz="1600" dirty="0"/>
-              <a:t> long training </a:t>
-            </a:r>
-            <a:r>
-              <a:rPr lang="fr-FR" sz="1600" dirty="0" smtClean="0"/>
-              <a:t>duration</a:t>
-            </a:r>
-          </a:p>
-          <a:p>
-            <a:pPr marL="742950" lvl="1" indent="-285750">
-              <a:buFont typeface="Arial" panose="020B0604020202020204" pitchFamily="34" charset="0"/>
-              <a:buChar char="•"/>
-            </a:pPr>
-            <a:r>
-              <a:rPr lang="fr-FR" sz="1600" dirty="0" err="1" smtClean="0"/>
-              <a:t>Scaling</a:t>
-            </a:r>
-            <a:r>
-              <a:rPr lang="fr-FR" sz="1600" dirty="0" smtClean="0"/>
-              <a:t> up ressources </a:t>
-            </a:r>
-            <a:r>
-              <a:rPr lang="fr-FR" sz="1600" dirty="0" err="1" smtClean="0"/>
-              <a:t>is</a:t>
-            </a:r>
-            <a:r>
-              <a:rPr lang="fr-FR" sz="1600" dirty="0" smtClean="0"/>
-              <a:t> </a:t>
-            </a:r>
-            <a:r>
-              <a:rPr lang="fr-FR" sz="1600" dirty="0" err="1" smtClean="0"/>
-              <a:t>easy</a:t>
-            </a:r>
-            <a:r>
-              <a:rPr lang="fr-FR" sz="1600" dirty="0" smtClean="0"/>
+            <a:r>
+              <a:rPr lang="fr-FR" dirty="0" smtClean="0"/>
+              <a:t>Group </a:t>
+            </a:r>
+            <a:r>
+              <a:rPr lang="en-US" dirty="0"/>
+              <a:t>for organizing and managing Azure </a:t>
+            </a:r>
+            <a:r>
+              <a:rPr lang="en-US" dirty="0" smtClean="0"/>
+              <a:t>resources</a:t>
+            </a:r>
+            <a:endParaRPr lang="fr-FR" dirty="0"/>
+          </a:p>
+        </p:txBody>
+      </p:sp>
+      <p:sp>
+        <p:nvSpPr>
+          <p:cNvPr id="33" name="ZoneTexte 32"/>
+          <p:cNvSpPr txBox="1"/>
+          <p:nvPr/>
+        </p:nvSpPr>
+        <p:spPr>
+          <a:xfrm>
+            <a:off x="7091432" y="3500502"/>
+            <a:ext cx="3439365" cy="646331"/>
+          </a:xfrm>
+          <a:prstGeom prst="rect">
+            <a:avLst/>
+          </a:prstGeom>
+          <a:noFill/>
+        </p:spPr>
+        <p:txBody>
+          <a:bodyPr wrap="square" rtlCol="0">
+            <a:spAutoFit/>
+          </a:bodyPr>
+          <a:lstStyle/>
+          <a:p>
+            <a:r>
+              <a:rPr lang="en-US" dirty="0"/>
+              <a:t>Private Docker registry to store and manage container </a:t>
+            </a:r>
+            <a:r>
+              <a:rPr lang="en-US" dirty="0" smtClean="0"/>
+              <a:t>images</a:t>
+            </a:r>
+            <a:endParaRPr lang="fr-FR" dirty="0"/>
+          </a:p>
+        </p:txBody>
+      </p:sp>
+      <p:sp>
+        <p:nvSpPr>
+          <p:cNvPr id="34" name="ZoneTexte 33"/>
+          <p:cNvSpPr txBox="1"/>
+          <p:nvPr/>
+        </p:nvSpPr>
+        <p:spPr>
+          <a:xfrm>
+            <a:off x="6883263" y="1898130"/>
+            <a:ext cx="3615728" cy="646331"/>
+          </a:xfrm>
+          <a:prstGeom prst="rect">
+            <a:avLst/>
+          </a:prstGeom>
+          <a:noFill/>
+        </p:spPr>
+        <p:txBody>
+          <a:bodyPr wrap="square" rtlCol="0">
+            <a:spAutoFit/>
+          </a:bodyPr>
+          <a:lstStyle/>
+          <a:p>
+            <a:r>
+              <a:rPr lang="en-US" dirty="0"/>
+              <a:t>Isolated private network in Azure for secure resource connectivity</a:t>
+            </a:r>
+            <a:endParaRPr lang="fr-FR" dirty="0"/>
+          </a:p>
+        </p:txBody>
+      </p:sp>
+      <p:sp>
+        <p:nvSpPr>
+          <p:cNvPr id="35" name="ZoneTexte 34"/>
+          <p:cNvSpPr txBox="1"/>
+          <p:nvPr/>
+        </p:nvSpPr>
+        <p:spPr>
+          <a:xfrm>
+            <a:off x="1480823" y="3500502"/>
+            <a:ext cx="3439365" cy="646331"/>
+          </a:xfrm>
+          <a:prstGeom prst="rect">
+            <a:avLst/>
+          </a:prstGeom>
+          <a:noFill/>
+        </p:spPr>
+        <p:txBody>
+          <a:bodyPr wrap="square" rtlCol="0">
+            <a:spAutoFit/>
+          </a:bodyPr>
+          <a:lstStyle/>
+          <a:p>
+            <a:r>
+              <a:rPr lang="en-US" dirty="0" err="1"/>
+              <a:t>Serverless</a:t>
+            </a:r>
+            <a:r>
+              <a:rPr lang="en-US" dirty="0"/>
+              <a:t> platform for running containerized </a:t>
+            </a:r>
+            <a:r>
+              <a:rPr lang="en-US" dirty="0" err="1"/>
+              <a:t>microservices</a:t>
+            </a:r>
+            <a:endParaRPr lang="fr-FR" dirty="0"/>
+          </a:p>
+        </p:txBody>
+      </p:sp>
+      <p:sp>
+        <p:nvSpPr>
+          <p:cNvPr id="36" name="ZoneTexte 35"/>
+          <p:cNvSpPr txBox="1"/>
+          <p:nvPr/>
+        </p:nvSpPr>
+        <p:spPr>
+          <a:xfrm>
+            <a:off x="1476522" y="5256258"/>
+            <a:ext cx="3439365" cy="369332"/>
+          </a:xfrm>
+          <a:prstGeom prst="rect">
+            <a:avLst/>
+          </a:prstGeom>
+          <a:noFill/>
+        </p:spPr>
+        <p:txBody>
+          <a:bodyPr wrap="square" rtlCol="0">
+            <a:spAutoFit/>
+          </a:bodyPr>
+          <a:lstStyle/>
+          <a:p>
+            <a:r>
+              <a:rPr lang="fr-FR" dirty="0" err="1"/>
+              <a:t>Scalable</a:t>
+            </a:r>
+            <a:r>
+              <a:rPr lang="fr-FR" dirty="0"/>
+              <a:t> cloud </a:t>
+            </a:r>
+            <a:r>
+              <a:rPr lang="fr-FR" dirty="0" err="1"/>
+              <a:t>storage</a:t>
+            </a:r>
+            <a:r>
+              <a:rPr lang="fr-FR" dirty="0"/>
               <a:t> for </a:t>
             </a:r>
             <a:r>
-              <a:rPr lang="fr-FR" sz="1600" dirty="0" err="1" smtClean="0"/>
-              <a:t>tougher</a:t>
-            </a:r>
-            <a:r>
-              <a:rPr lang="fr-FR" sz="1600" dirty="0" smtClean="0"/>
-              <a:t> </a:t>
-            </a:r>
-            <a:r>
-              <a:rPr lang="fr-FR" sz="1600" dirty="0" err="1" smtClean="0"/>
-              <a:t>workloads</a:t>
-            </a:r>
-            <a:endParaRPr lang="fr-FR" sz="1600" dirty="0"/>
-          </a:p>
-          <a:p>
-            <a:pPr marL="285750" indent="-285750">
-              <a:buFont typeface="Arial" panose="020B0604020202020204" pitchFamily="34" charset="0"/>
-              <a:buChar char="•"/>
-            </a:pPr>
-            <a:r>
-              <a:rPr lang="fr-FR" sz="1600" dirty="0" err="1"/>
-              <a:t>Optimize</a:t>
-            </a:r>
-            <a:r>
-              <a:rPr lang="fr-FR" sz="1600" dirty="0"/>
-              <a:t> training </a:t>
-            </a:r>
-            <a:r>
-              <a:rPr lang="fr-FR" sz="1600" dirty="0" err="1" smtClean="0"/>
-              <a:t>hyperparameters</a:t>
-            </a:r>
-            <a:endParaRPr lang="fr-FR" sz="1600" dirty="0" smtClean="0"/>
-          </a:p>
-          <a:p>
-            <a:pPr marL="742950" lvl="1" indent="-285750">
-              <a:buFont typeface="Arial" panose="020B0604020202020204" pitchFamily="34" charset="0"/>
-              <a:buChar char="•"/>
-            </a:pPr>
-            <a:r>
-              <a:rPr lang="fr-FR" sz="1600" dirty="0" err="1" smtClean="0"/>
-              <a:t>Parallel</a:t>
-            </a:r>
-            <a:r>
-              <a:rPr lang="fr-FR" sz="1600" dirty="0" smtClean="0"/>
-              <a:t> </a:t>
-            </a:r>
-            <a:r>
-              <a:rPr lang="fr-FR" sz="1600" dirty="0" err="1" smtClean="0"/>
-              <a:t>launch</a:t>
-            </a:r>
-            <a:r>
-              <a:rPr lang="fr-FR" sz="1600" dirty="0" smtClean="0"/>
-              <a:t> of multiple </a:t>
-            </a:r>
-            <a:r>
-              <a:rPr lang="fr-FR" sz="1600" dirty="0"/>
-              <a:t>trainings </a:t>
-            </a:r>
-            <a:r>
-              <a:rPr lang="fr-FR" sz="1600" dirty="0" err="1"/>
-              <a:t>with</a:t>
-            </a:r>
-            <a:r>
-              <a:rPr lang="fr-FR" sz="1600" dirty="0"/>
-              <a:t> </a:t>
-            </a:r>
-            <a:r>
-              <a:rPr lang="fr-FR" sz="1600" dirty="0" err="1"/>
-              <a:t>different</a:t>
-            </a:r>
-            <a:r>
-              <a:rPr lang="fr-FR" sz="1600" dirty="0"/>
-              <a:t> </a:t>
-            </a:r>
-            <a:r>
-              <a:rPr lang="fr-FR" sz="1600" dirty="0" err="1"/>
-              <a:t>parameters</a:t>
-            </a:r>
-            <a:r>
-              <a:rPr lang="fr-FR" sz="1600" dirty="0"/>
-              <a:t> in </a:t>
-            </a:r>
-            <a:r>
-              <a:rPr lang="fr-FR" sz="1600" dirty="0" smtClean="0"/>
-              <a:t>Integrated </a:t>
-            </a:r>
-            <a:r>
-              <a:rPr lang="fr-FR" sz="1600" dirty="0" err="1" smtClean="0"/>
-              <a:t>tools</a:t>
-            </a:r>
-            <a:endParaRPr lang="fr-FR" sz="1600" dirty="0"/>
-          </a:p>
-          <a:p>
-            <a:pPr marL="742950" lvl="1" indent="-285750">
-              <a:buFont typeface="Arial" panose="020B0604020202020204" pitchFamily="34" charset="0"/>
-              <a:buChar char="•"/>
-            </a:pPr>
-            <a:r>
-              <a:rPr lang="fr-FR" sz="1600" dirty="0" err="1" smtClean="0"/>
-              <a:t>Reduced</a:t>
-            </a:r>
-            <a:r>
-              <a:rPr lang="fr-FR" sz="1600" dirty="0" smtClean="0"/>
-              <a:t> </a:t>
-            </a:r>
-            <a:r>
-              <a:rPr lang="fr-FR" sz="1600" dirty="0" err="1"/>
-              <a:t>cost</a:t>
-            </a:r>
-            <a:r>
-              <a:rPr lang="fr-FR" sz="1600" dirty="0"/>
-              <a:t> for </a:t>
-            </a:r>
-            <a:r>
-              <a:rPr lang="fr-FR" sz="1600" dirty="0" err="1"/>
-              <a:t>unpromising</a:t>
-            </a:r>
-            <a:r>
-              <a:rPr lang="fr-FR" sz="1600" dirty="0"/>
-              <a:t> trainings</a:t>
-            </a:r>
-          </a:p>
-          <a:p>
-            <a:pPr marL="285750" indent="-285750">
-              <a:buFont typeface="Arial" panose="020B0604020202020204" pitchFamily="34" charset="0"/>
-              <a:buChar char="•"/>
-            </a:pPr>
-            <a:r>
-              <a:rPr lang="fr-FR" sz="1600" dirty="0"/>
-              <a:t>Model </a:t>
-            </a:r>
-            <a:r>
-              <a:rPr lang="fr-FR" sz="1600" dirty="0" err="1" smtClean="0"/>
-              <a:t>deployment</a:t>
-            </a:r>
-            <a:r>
-              <a:rPr lang="fr-FR" sz="1600" dirty="0" smtClean="0"/>
-              <a:t>:</a:t>
-            </a:r>
-          </a:p>
-          <a:p>
-            <a:pPr marL="742950" lvl="1" indent="-285750">
-              <a:buFont typeface="Arial" panose="020B0604020202020204" pitchFamily="34" charset="0"/>
-              <a:buChar char="•"/>
-            </a:pPr>
-            <a:r>
-              <a:rPr lang="fr-FR" sz="1600" dirty="0" smtClean="0"/>
-              <a:t>Azure </a:t>
-            </a:r>
-            <a:r>
-              <a:rPr lang="fr-FR" sz="1600" dirty="0"/>
-              <a:t>Machine Learning </a:t>
-            </a:r>
-            <a:r>
-              <a:rPr lang="fr-FR" sz="1600" dirty="0" err="1"/>
-              <a:t>provides</a:t>
-            </a:r>
-            <a:r>
-              <a:rPr lang="fr-FR" sz="1600" dirty="0"/>
-              <a:t> </a:t>
-            </a:r>
-            <a:r>
-              <a:rPr lang="fr-FR" sz="1600" dirty="0" err="1"/>
-              <a:t>managed</a:t>
-            </a:r>
-            <a:r>
-              <a:rPr lang="fr-FR" sz="1600" dirty="0"/>
-              <a:t> </a:t>
-            </a:r>
-            <a:r>
-              <a:rPr lang="fr-FR" sz="1600" dirty="0" err="1" smtClean="0"/>
-              <a:t>endpoints</a:t>
-            </a:r>
-            <a:endParaRPr lang="fr-FR" sz="1600" dirty="0"/>
-          </a:p>
-          <a:p>
-            <a:pPr marL="742950" lvl="1" indent="-285750">
-              <a:buFont typeface="Arial" panose="020B0604020202020204" pitchFamily="34" charset="0"/>
-              <a:buChar char="•"/>
-            </a:pPr>
-            <a:r>
-              <a:rPr lang="fr-FR" sz="1600" dirty="0" err="1" smtClean="0"/>
-              <a:t>Scalable</a:t>
-            </a:r>
-            <a:r>
-              <a:rPr lang="fr-FR" sz="1600" dirty="0" smtClean="0"/>
-              <a:t> </a:t>
-            </a:r>
-            <a:r>
-              <a:rPr lang="fr-FR" sz="1600" dirty="0" err="1" smtClean="0"/>
-              <a:t>endpoint</a:t>
-            </a:r>
-            <a:r>
-              <a:rPr lang="fr-FR" sz="1600" dirty="0" smtClean="0"/>
-              <a:t> for </a:t>
-            </a:r>
-            <a:r>
-              <a:rPr lang="fr-FR" sz="1600" dirty="0" err="1" smtClean="0"/>
-              <a:t>inference</a:t>
-            </a:r>
-            <a:endParaRPr lang="fr-FR" sz="1600" dirty="0"/>
-          </a:p>
-        </p:txBody>
-      </p:sp>
-      <p:sp>
-        <p:nvSpPr>
-          <p:cNvPr id="7" name="Espace réservé du pied de page 4"/>
-          <p:cNvSpPr>
-            <a:spLocks noGrp="1"/>
-          </p:cNvSpPr>
-          <p:nvPr>
-            <p:ph type="ftr" sz="quarter" idx="3"/>
-          </p:nvPr>
-        </p:nvSpPr>
-        <p:spPr>
-          <a:xfrm>
-            <a:off x="194408" y="6435303"/>
-            <a:ext cx="5672016" cy="365125"/>
-          </a:xfrm>
-        </p:spPr>
-        <p:txBody>
-          <a:bodyPr/>
+              <a:rPr lang="fr-FR" dirty="0" smtClean="0"/>
+              <a:t>files</a:t>
+            </a:r>
+            <a:endParaRPr lang="fr-FR" dirty="0"/>
+          </a:p>
+        </p:txBody>
+      </p:sp>
+      <p:sp>
+        <p:nvSpPr>
+          <p:cNvPr id="37" name="ZoneTexte 36"/>
+          <p:cNvSpPr txBox="1"/>
+          <p:nvPr/>
+        </p:nvSpPr>
+        <p:spPr>
+          <a:xfrm>
+            <a:off x="7132381" y="5117759"/>
+            <a:ext cx="3439365" cy="646331"/>
+          </a:xfrm>
+          <a:prstGeom prst="rect">
+            <a:avLst/>
+          </a:prstGeom>
+          <a:noFill/>
+        </p:spPr>
+        <p:txBody>
+          <a:bodyPr wrap="square" rtlCol="0">
+            <a:spAutoFit/>
+          </a:bodyPr>
           <a:lstStyle/>
           <a:p>
             <a:r>
-              <a:rPr lang="en-US" dirty="0" smtClean="0"/>
-              <a:t>2025 </a:t>
-            </a:r>
-            <a:r>
-              <a:rPr lang="en-US" dirty="0" smtClean="0"/>
-              <a:t>| ©</a:t>
-            </a:r>
-            <a:r>
-              <a:rPr lang="en-US" dirty="0" err="1" smtClean="0"/>
-              <a:t>HeadMind</a:t>
-            </a:r>
-            <a:r>
-              <a:rPr lang="en-US" dirty="0" smtClean="0"/>
-              <a:t> Partners</a:t>
+              <a:rPr lang="en-US" dirty="0"/>
+              <a:t>Traffic manager for web apps with built-in security</a:t>
             </a:r>
             <a:endParaRPr lang="fr-FR" dirty="0"/>
           </a:p>
@@ -17488,7 +18659,7 @@
     </p:spTree>
     <p:extLst>
       <p:ext uri="{BB962C8B-B14F-4D97-AF65-F5344CB8AC3E}">
-        <p14:creationId xmlns:p14="http://schemas.microsoft.com/office/powerpoint/2010/main" val="1989031525"/>
+        <p14:creationId xmlns:p14="http://schemas.microsoft.com/office/powerpoint/2010/main" val="2380749534"/>
       </p:ext>
     </p:extLst>
   </p:cSld>
@@ -17532,7 +18703,31 @@
           <a:p>
             <a:r>
               <a:rPr lang="fr-FR" dirty="0" smtClean="0"/>
-              <a:t>Model training</a:t>
+              <a:t>How to </a:t>
+            </a:r>
+            <a:r>
+              <a:rPr lang="fr-FR" dirty="0" err="1" smtClean="0"/>
+              <a:t>interact</a:t>
+            </a:r>
+            <a:r>
+              <a:rPr lang="fr-FR" dirty="0" smtClean="0"/>
+              <a:t> </a:t>
+            </a:r>
+            <a:r>
+              <a:rPr lang="fr-FR" dirty="0" err="1" smtClean="0"/>
+              <a:t>with</a:t>
+            </a:r>
+            <a:r>
+              <a:rPr lang="fr-FR" dirty="0" smtClean="0"/>
+              <a:t> </a:t>
+            </a:r>
+            <a:r>
+              <a:rPr lang="fr-FR" dirty="0" err="1" smtClean="0"/>
+              <a:t>clouds</a:t>
+            </a:r>
+            <a:r>
+              <a:rPr lang="fr-FR" dirty="0" smtClean="0"/>
+              <a:t> : </a:t>
             </a:r>
             <a:endParaRPr lang="fr-FR" dirty="0"/>
           </a:p>
@@ -17540,12 +18735,12 @@
       </p:sp>
       <p:sp>
         <p:nvSpPr>
-          <p:cNvPr id="3" name="Espace réservé du texte 2"/>
-          <p:cNvSpPr>
-            <a:spLocks noGrp="1"/>
-          </p:cNvSpPr>
-          <p:nvPr>
-            <p:ph type="body" sz="quarter" idx="10"/>
+          <p:cNvPr id="4" name="Espace réservé du numéro de diapositive 3"/>
+          <p:cNvSpPr>
+            <a:spLocks noGrp="1"/>
+          </p:cNvSpPr>
+          <p:nvPr>
+            <p:ph type="sldNum" sz="quarter" idx="4"/>
           </p:nvPr>
         </p:nvSpPr>
         <p:spPr/>
@@ -17553,9 +18748,505 @@
           <a:bodyPr/>
           <a:lstStyle/>
           <a:p>
+            <a:pPr>
+              <a:defRPr/>
+            </a:pPr>
+            <a:fld id="{F4FEB08F-923E-484A-9FC5-0AA7BDA29BD6}" type="slidenum">
+              <a:rPr lang="fr-FR" smtClean="0"/>
+              <a:pPr>
+                <a:defRPr/>
+              </a:pPr>
+              <a:t>7</a:t>
+            </a:fld>
+            <a:endParaRPr lang="fr-FR" dirty="0"/>
+          </a:p>
+        </p:txBody>
+      </p:sp>
+      <p:sp>
+        <p:nvSpPr>
+          <p:cNvPr id="8" name="AutoShape 4" descr="Fichier:Microsoft-Azure.png — Wikipédia"/>
+          <p:cNvSpPr>
+            <a:spLocks noChangeAspect="1" noChangeArrowheads="1"/>
+          </p:cNvSpPr>
+          <p:nvPr/>
+        </p:nvSpPr>
+        <p:spPr bwMode="auto">
+          <a:xfrm>
+            <a:off x="63500" y="-136525"/>
+            <a:ext cx="304800" cy="304800"/>
+          </a:xfrm>
+          <a:prstGeom prst="rect">
+            <a:avLst/>
+          </a:prstGeom>
+          <a:noFill/>
+          <a:extLst>
+            <a:ext uri="{909E8E84-426E-40DD-AFC4-6F175D3DCCD1}">
+              <a14:hiddenFill xmlns:a14="http://schemas.microsoft.com/office/drawing/2010/main">
+                <a:solidFill>
+                  <a:srgbClr val="FFFFFF"/>
+                </a:solidFill>
+              </a14:hiddenFill>
+            </a:ext>
+          </a:extLst>
+        </p:spPr>
+        <p:txBody>
+          <a:bodyPr vert="horz" wrap="square" lIns="91440" tIns="45720" rIns="91440" bIns="45720" numCol="1" anchor="t" anchorCtr="0" compatLnSpc="1">
+            <a:prstTxWarp prst="textNoShape">
+              <a:avLst/>
+            </a:prstTxWarp>
+          </a:bodyPr>
+          <a:lstStyle/>
+          <a:p>
+            <a:endParaRPr lang="fr-FR"/>
+          </a:p>
+        </p:txBody>
+      </p:sp>
+      <p:sp>
+        <p:nvSpPr>
+          <p:cNvPr id="6" name="ZoneTexte 5"/>
+          <p:cNvSpPr txBox="1"/>
+          <p:nvPr/>
+        </p:nvSpPr>
+        <p:spPr>
+          <a:xfrm>
+            <a:off x="9932065" y="6427262"/>
+            <a:ext cx="1691360" cy="307777"/>
+          </a:xfrm>
+          <a:prstGeom prst="rect">
+            <a:avLst/>
+          </a:prstGeom>
+          <a:noFill/>
+        </p:spPr>
+        <p:txBody>
+          <a:bodyPr wrap="none" rtlCol="0">
+            <a:spAutoFit/>
+          </a:bodyPr>
+          <a:lstStyle/>
+          <a:p>
+            <a:r>
+              <a:rPr lang="fr-FR" sz="1400" dirty="0" smtClean="0"/>
+              <a:t>* Sources : </a:t>
+            </a:r>
+            <a:r>
+              <a:rPr lang="fr-FR" sz="1400" dirty="0" err="1" smtClean="0">
+                <a:hlinkClick r:id="rId3"/>
+              </a:rPr>
+              <a:t>Statista</a:t>
+            </a:r>
+            <a:r>
+              <a:rPr lang="fr-FR" sz="1400" dirty="0" smtClean="0"/>
+              <a:t> </a:t>
+            </a:r>
+            <a:endParaRPr lang="fr-FR" sz="1400" dirty="0"/>
+          </a:p>
+        </p:txBody>
+      </p:sp>
+      <p:sp>
+        <p:nvSpPr>
+          <p:cNvPr id="14" name="Espace réservé du pied de page 4"/>
+          <p:cNvSpPr>
+            <a:spLocks noGrp="1"/>
+          </p:cNvSpPr>
+          <p:nvPr>
+            <p:ph type="ftr" sz="quarter" idx="3"/>
+          </p:nvPr>
+        </p:nvSpPr>
+        <p:spPr>
+          <a:xfrm>
+            <a:off x="194408" y="6435303"/>
+            <a:ext cx="5672016" cy="365125"/>
+          </a:xfrm>
+        </p:spPr>
+        <p:txBody>
+          <a:bodyPr/>
+          <a:lstStyle/>
+          <a:p>
+            <a:r>
+              <a:rPr lang="en-US" dirty="0" smtClean="0"/>
+              <a:t>2025 | ©</a:t>
+            </a:r>
+            <a:r>
+              <a:rPr lang="en-US" dirty="0" err="1" smtClean="0"/>
+              <a:t>HeadMind</a:t>
+            </a:r>
+            <a:r>
+              <a:rPr lang="en-US" dirty="0" smtClean="0"/>
+              <a:t> Partners</a:t>
+            </a:r>
+            <a:endParaRPr lang="fr-FR" dirty="0"/>
+          </a:p>
+        </p:txBody>
+      </p:sp>
+      <p:sp>
+        <p:nvSpPr>
+          <p:cNvPr id="16" name="ZoneTexte 15"/>
+          <p:cNvSpPr txBox="1"/>
+          <p:nvPr/>
+        </p:nvSpPr>
+        <p:spPr>
+          <a:xfrm>
+            <a:off x="1605669" y="1416549"/>
+            <a:ext cx="3560714" cy="369332"/>
+          </a:xfrm>
+          <a:prstGeom prst="rect">
+            <a:avLst/>
+          </a:prstGeom>
+          <a:noFill/>
+        </p:spPr>
+        <p:txBody>
+          <a:bodyPr wrap="square" rtlCol="0">
+            <a:spAutoFit/>
+          </a:bodyPr>
+          <a:lstStyle/>
+          <a:p>
+            <a:r>
+              <a:rPr lang="fr-FR" u="sng" dirty="0" smtClean="0"/>
+              <a:t>Command Line Interface</a:t>
+            </a:r>
+            <a:endParaRPr lang="fr-FR" u="sng" dirty="0"/>
+          </a:p>
+        </p:txBody>
+      </p:sp>
+      <p:sp>
+        <p:nvSpPr>
+          <p:cNvPr id="17" name="ZoneTexte 16"/>
+          <p:cNvSpPr txBox="1"/>
+          <p:nvPr/>
+        </p:nvSpPr>
+        <p:spPr>
+          <a:xfrm>
+            <a:off x="6619399" y="1430232"/>
+            <a:ext cx="4207823" cy="369332"/>
+          </a:xfrm>
+          <a:prstGeom prst="rect">
+            <a:avLst/>
+          </a:prstGeom>
+          <a:noFill/>
+        </p:spPr>
+        <p:txBody>
+          <a:bodyPr wrap="square" rtlCol="0">
+            <a:spAutoFit/>
+          </a:bodyPr>
+          <a:lstStyle/>
+          <a:p>
+            <a:r>
+              <a:rPr lang="fr-FR" u="sng" dirty="0" smtClean="0"/>
+              <a:t>Software </a:t>
+            </a:r>
+            <a:r>
+              <a:rPr lang="fr-FR" u="sng" dirty="0" err="1" smtClean="0"/>
+              <a:t>Developement</a:t>
+            </a:r>
+            <a:r>
+              <a:rPr lang="fr-FR" u="sng" dirty="0" smtClean="0"/>
+              <a:t> Kit </a:t>
+            </a:r>
             <a:r>
               <a:rPr lang="fr-FR" dirty="0" smtClean="0"/>
-              <a:t>Data, Azure hands-on</a:t>
+              <a:t>(SDK)</a:t>
+            </a:r>
+            <a:endParaRPr lang="fr-FR" dirty="0"/>
+          </a:p>
+        </p:txBody>
+      </p:sp>
+      <p:sp>
+        <p:nvSpPr>
+          <p:cNvPr id="18" name="ZoneTexte 17"/>
+          <p:cNvSpPr txBox="1"/>
+          <p:nvPr/>
+        </p:nvSpPr>
+        <p:spPr>
+          <a:xfrm>
+            <a:off x="1834176" y="3830247"/>
+            <a:ext cx="2850313" cy="369332"/>
+          </a:xfrm>
+          <a:prstGeom prst="rect">
+            <a:avLst/>
+          </a:prstGeom>
+          <a:noFill/>
+        </p:spPr>
+        <p:txBody>
+          <a:bodyPr wrap="square" rtlCol="0">
+            <a:spAutoFit/>
+          </a:bodyPr>
+          <a:lstStyle/>
+          <a:p>
+            <a:r>
+              <a:rPr lang="fr-FR" u="sng" dirty="0" smtClean="0"/>
+              <a:t>Infrastructure as Code</a:t>
+            </a:r>
+            <a:endParaRPr lang="fr-FR" u="sng" dirty="0"/>
+          </a:p>
+        </p:txBody>
+      </p:sp>
+      <p:cxnSp>
+        <p:nvCxnSpPr>
+          <p:cNvPr id="19" name="Connecteur droit 18"/>
+          <p:cNvCxnSpPr/>
+          <p:nvPr/>
+        </p:nvCxnSpPr>
+        <p:spPr>
+          <a:xfrm>
+            <a:off x="5866424" y="1413164"/>
+            <a:ext cx="0" cy="2304000"/>
+          </a:xfrm>
+          <a:prstGeom prst="line">
+            <a:avLst/>
+          </a:prstGeom>
+        </p:spPr>
+        <p:style>
+          <a:lnRef idx="1">
+            <a:schemeClr val="accent1"/>
+          </a:lnRef>
+          <a:fillRef idx="0">
+            <a:schemeClr val="accent1"/>
+          </a:fillRef>
+          <a:effectRef idx="0">
+            <a:schemeClr val="accent1"/>
+          </a:effectRef>
+          <a:fontRef idx="minor">
+            <a:schemeClr val="tx1"/>
+          </a:fontRef>
+        </p:style>
+      </p:cxnSp>
+      <p:cxnSp>
+        <p:nvCxnSpPr>
+          <p:cNvPr id="20" name="Connecteur droit 19"/>
+          <p:cNvCxnSpPr/>
+          <p:nvPr/>
+        </p:nvCxnSpPr>
+        <p:spPr>
+          <a:xfrm rot="5400000">
+            <a:off x="5999627" y="-1377996"/>
+            <a:ext cx="0" cy="10188000"/>
+          </a:xfrm>
+          <a:prstGeom prst="line">
+            <a:avLst/>
+          </a:prstGeom>
+        </p:spPr>
+        <p:style>
+          <a:lnRef idx="1">
+            <a:schemeClr val="accent1"/>
+          </a:lnRef>
+          <a:fillRef idx="0">
+            <a:schemeClr val="accent1"/>
+          </a:fillRef>
+          <a:effectRef idx="0">
+            <a:schemeClr val="accent1"/>
+          </a:effectRef>
+          <a:fontRef idx="minor">
+            <a:schemeClr val="tx1"/>
+          </a:fontRef>
+        </p:style>
+      </p:cxnSp>
+      <p:pic>
+        <p:nvPicPr>
+          <p:cNvPr id="2050" name="Picture 2" descr="Llamar a APIs protegidas con Azure AD con Azure CLI - return(GiS);"/>
+          <p:cNvPicPr>
+            <a:picLocks noChangeAspect="1" noChangeArrowheads="1"/>
+          </p:cNvPicPr>
+          <p:nvPr/>
+        </p:nvPicPr>
+        <p:blipFill>
+          <a:blip r:embed="rId4" cstate="print">
+            <a:extLst>
+              <a:ext uri="{28A0092B-C50C-407E-A947-70E740481C1C}">
+                <a14:useLocalDpi xmlns:a14="http://schemas.microsoft.com/office/drawing/2010/main" val="0"/>
+              </a:ext>
+            </a:extLst>
+          </a:blip>
+          <a:srcRect/>
+          <a:stretch>
+            <a:fillRect/>
+          </a:stretch>
+        </p:blipFill>
+        <p:spPr bwMode="auto">
+          <a:xfrm>
+            <a:off x="5042096" y="2186122"/>
+            <a:ext cx="558589" cy="558589"/>
+          </a:xfrm>
+          <a:prstGeom prst="rect">
+            <a:avLst/>
+          </a:prstGeom>
+          <a:noFill/>
+          <a:extLst>
+            <a:ext uri="{909E8E84-426E-40DD-AFC4-6F175D3DCCD1}">
+              <a14:hiddenFill xmlns:a14="http://schemas.microsoft.com/office/drawing/2010/main">
+                <a:solidFill>
+                  <a:srgbClr val="FFFFFF"/>
+                </a:solidFill>
+              </a14:hiddenFill>
+            </a:ext>
+          </a:extLst>
+        </p:spPr>
+      </p:pic>
+      <p:pic>
+        <p:nvPicPr>
+          <p:cNvPr id="2052" name="Picture 4" descr="Fichier:Python-logo-notext.svg — Wikipédia"/>
+          <p:cNvPicPr>
+            <a:picLocks noChangeAspect="1" noChangeArrowheads="1"/>
+          </p:cNvPicPr>
+          <p:nvPr/>
+        </p:nvPicPr>
+        <p:blipFill>
+          <a:blip r:embed="rId5" cstate="print">
+            <a:extLst>
+              <a:ext uri="{28A0092B-C50C-407E-A947-70E740481C1C}">
+                <a14:useLocalDpi xmlns:a14="http://schemas.microsoft.com/office/drawing/2010/main" val="0"/>
+              </a:ext>
+            </a:extLst>
+          </a:blip>
+          <a:srcRect/>
+          <a:stretch>
+            <a:fillRect/>
+          </a:stretch>
+        </p:blipFill>
+        <p:spPr bwMode="auto">
+          <a:xfrm>
+            <a:off x="10500733" y="2107134"/>
+            <a:ext cx="652978" cy="716564"/>
+          </a:xfrm>
+          <a:prstGeom prst="rect">
+            <a:avLst/>
+          </a:prstGeom>
+          <a:noFill/>
+          <a:extLst>
+            <a:ext uri="{909E8E84-426E-40DD-AFC4-6F175D3DCCD1}">
+              <a14:hiddenFill xmlns:a14="http://schemas.microsoft.com/office/drawing/2010/main">
+                <a:solidFill>
+                  <a:srgbClr val="FFFFFF"/>
+                </a:solidFill>
+              </a14:hiddenFill>
+            </a:ext>
+          </a:extLst>
+        </p:spPr>
+      </p:pic>
+      <p:pic>
+        <p:nvPicPr>
+          <p:cNvPr id="2054" name="Picture 6" descr="file type terraform&quot; Icon - Download for free – Iconduck"/>
+          <p:cNvPicPr>
+            <a:picLocks noChangeAspect="1" noChangeArrowheads="1"/>
+          </p:cNvPicPr>
+          <p:nvPr/>
+        </p:nvPicPr>
+        <p:blipFill>
+          <a:blip r:embed="rId6" cstate="print">
+            <a:extLst>
+              <a:ext uri="{28A0092B-C50C-407E-A947-70E740481C1C}">
+                <a14:useLocalDpi xmlns:a14="http://schemas.microsoft.com/office/drawing/2010/main" val="0"/>
+              </a:ext>
+            </a:extLst>
+          </a:blip>
+          <a:srcRect/>
+          <a:stretch>
+            <a:fillRect/>
+          </a:stretch>
+        </p:blipFill>
+        <p:spPr bwMode="auto">
+          <a:xfrm>
+            <a:off x="10478089" y="4568064"/>
+            <a:ext cx="599466" cy="674564"/>
+          </a:xfrm>
+          <a:prstGeom prst="rect">
+            <a:avLst/>
+          </a:prstGeom>
+          <a:noFill/>
+          <a:extLst>
+            <a:ext uri="{909E8E84-426E-40DD-AFC4-6F175D3DCCD1}">
+              <a14:hiddenFill xmlns:a14="http://schemas.microsoft.com/office/drawing/2010/main">
+                <a:solidFill>
+                  <a:srgbClr val="FFFFFF"/>
+                </a:solidFill>
+              </a14:hiddenFill>
+            </a:ext>
+          </a:extLst>
+        </p:spPr>
+      </p:pic>
+      <p:sp>
+        <p:nvSpPr>
+          <p:cNvPr id="24" name="ZoneTexte 23"/>
+          <p:cNvSpPr txBox="1"/>
+          <p:nvPr/>
+        </p:nvSpPr>
+        <p:spPr>
+          <a:xfrm>
+            <a:off x="1337521" y="2142251"/>
+            <a:ext cx="3439365" cy="646331"/>
+          </a:xfrm>
+          <a:prstGeom prst="rect">
+            <a:avLst/>
+          </a:prstGeom>
+          <a:noFill/>
+        </p:spPr>
+        <p:txBody>
+          <a:bodyPr wrap="square" rtlCol="0">
+            <a:spAutoFit/>
+          </a:bodyPr>
+          <a:lstStyle/>
+          <a:p>
+            <a:r>
+              <a:rPr lang="en-US" dirty="0"/>
+              <a:t>Command-line tool to control Azure from your terminal</a:t>
+            </a:r>
+            <a:endParaRPr lang="fr-FR" dirty="0"/>
+          </a:p>
+        </p:txBody>
+      </p:sp>
+      <p:sp>
+        <p:nvSpPr>
+          <p:cNvPr id="26" name="ZoneTexte 25"/>
+          <p:cNvSpPr txBox="1"/>
+          <p:nvPr/>
+        </p:nvSpPr>
+        <p:spPr>
+          <a:xfrm>
+            <a:off x="6648325" y="2142251"/>
+            <a:ext cx="3439365" cy="646331"/>
+          </a:xfrm>
+          <a:prstGeom prst="rect">
+            <a:avLst/>
+          </a:prstGeom>
+          <a:noFill/>
+        </p:spPr>
+        <p:txBody>
+          <a:bodyPr wrap="square" rtlCol="0">
+            <a:spAutoFit/>
+          </a:bodyPr>
+          <a:lstStyle/>
+          <a:p>
+            <a:r>
+              <a:rPr lang="en-US" dirty="0"/>
+              <a:t>Python library to automate and manage Azure services</a:t>
+            </a:r>
+            <a:endParaRPr lang="fr-FR" dirty="0"/>
+          </a:p>
+        </p:txBody>
+      </p:sp>
+      <p:sp>
+        <p:nvSpPr>
+          <p:cNvPr id="27" name="ZoneTexte 26"/>
+          <p:cNvSpPr txBox="1"/>
+          <p:nvPr/>
+        </p:nvSpPr>
+        <p:spPr>
+          <a:xfrm>
+            <a:off x="1539649" y="4582181"/>
+            <a:ext cx="8548041" cy="646331"/>
+          </a:xfrm>
+          <a:prstGeom prst="rect">
+            <a:avLst/>
+          </a:prstGeom>
+          <a:noFill/>
+        </p:spPr>
+        <p:txBody>
+          <a:bodyPr wrap="square" rtlCol="0">
+            <a:spAutoFit/>
+          </a:bodyPr>
+          <a:lstStyle/>
+          <a:p>
+            <a:r>
+              <a:rPr lang="en-US" dirty="0"/>
+              <a:t>Method to manage and deploy infrastructure using code instead of manual processes, via configuration files</a:t>
             </a:r>
             <a:endParaRPr lang="fr-FR" dirty="0"/>
           </a:p>
@@ -17564,7 +19255,7 @@
     </p:spTree>
     <p:extLst>
       <p:ext uri="{BB962C8B-B14F-4D97-AF65-F5344CB8AC3E}">
-        <p14:creationId xmlns:p14="http://schemas.microsoft.com/office/powerpoint/2010/main" val="3498287465"/>
+        <p14:creationId xmlns:p14="http://schemas.microsoft.com/office/powerpoint/2010/main" val="2852202675"/>
       </p:ext>
     </p:extLst>
   </p:cSld>
@@ -17607,14 +19298,9 @@
           <a:lstStyle/>
           <a:p>
             <a:r>
-              <a:rPr lang="fr-FR" dirty="0" smtClean="0"/>
-              <a:t>Training </a:t>
-            </a:r>
-            <a:r>
-              <a:rPr lang="fr-FR" dirty="0" err="1" smtClean="0"/>
-              <a:t>dataset</a:t>
-            </a:r>
-            <a:endParaRPr lang="fr-FR" dirty="0"/>
+              <a:rPr lang="fr-FR" dirty="0"/>
+              <a:t>Introduction &amp; objectives</a:t>
+            </a:r>
           </a:p>
         </p:txBody>
       </p:sp>
@@ -17649,7 +19335,7 @@
       </p:sp>
       <p:pic>
         <p:nvPicPr>
-          <p:cNvPr id="13" name="Image 12"/>
+          <p:cNvPr id="6" name="Image 5"/>
           <p:cNvPicPr>
             <a:picLocks noChangeAspect="1"/>
           </p:cNvPicPr>
@@ -17663,8 +19349,8 @@
         </p:blipFill>
         <p:spPr>
           <a:xfrm>
-            <a:off x="7230852" y="3264992"/>
-            <a:ext cx="917784" cy="839911"/>
+            <a:off x="8171410" y="2380214"/>
+            <a:ext cx="2876204" cy="2336916"/>
           </a:xfrm>
           <a:prstGeom prst="rect">
             <a:avLst/>
@@ -17673,294 +19359,19 @@
       </p:pic>
       <p:sp>
         <p:nvSpPr>
-          <p:cNvPr id="9" name="Espace réservé du texte 8"/>
-          <p:cNvSpPr>
-            <a:spLocks noGrp="1"/>
-          </p:cNvSpPr>
-          <p:nvPr>
-            <p:ph type="body" sz="quarter" idx="14"/>
-          </p:nvPr>
-        </p:nvSpPr>
-        <p:spPr>
-          <a:xfrm>
-            <a:off x="594389" y="1348953"/>
-            <a:ext cx="11137237" cy="4467225"/>
-          </a:xfrm>
-        </p:spPr>
-        <p:txBody>
-          <a:bodyPr/>
-          <a:lstStyle/>
-          <a:p>
-            <a:pPr marL="0" indent="0">
-              <a:buNone/>
-            </a:pPr>
-            <a:r>
-              <a:rPr lang="fr-FR" dirty="0" err="1" smtClean="0"/>
-              <a:t>What</a:t>
-            </a:r>
-            <a:r>
-              <a:rPr lang="fr-FR" dirty="0" smtClean="0"/>
-              <a:t> </a:t>
-            </a:r>
-            <a:r>
-              <a:rPr lang="fr-FR" dirty="0" err="1" smtClean="0"/>
-              <a:t>is</a:t>
-            </a:r>
-            <a:r>
-              <a:rPr lang="fr-FR" dirty="0" smtClean="0"/>
-              <a:t> MNIST ?</a:t>
-            </a:r>
-            <a:endParaRPr lang="fr-FR" dirty="0" smtClean="0"/>
-          </a:p>
-          <a:p>
-            <a:r>
-              <a:rPr lang="en-US" b="1" dirty="0" smtClean="0"/>
-              <a:t>M</a:t>
-            </a:r>
-            <a:r>
-              <a:rPr lang="en-US" dirty="0" smtClean="0"/>
-              <a:t>odified </a:t>
-            </a:r>
-            <a:r>
-              <a:rPr lang="en-US" b="1" dirty="0" smtClean="0"/>
-              <a:t>N</a:t>
-            </a:r>
-            <a:r>
-              <a:rPr lang="en-US" dirty="0" smtClean="0"/>
-              <a:t>ational </a:t>
-            </a:r>
-            <a:r>
-              <a:rPr lang="en-US" b="1" dirty="0"/>
-              <a:t>I</a:t>
-            </a:r>
-            <a:r>
-              <a:rPr lang="en-US" dirty="0"/>
-              <a:t>nstitute of </a:t>
-            </a:r>
-            <a:r>
-              <a:rPr lang="en-US" b="1" dirty="0" smtClean="0"/>
-              <a:t>S</a:t>
-            </a:r>
-            <a:r>
-              <a:rPr lang="en-US" dirty="0" smtClean="0"/>
-              <a:t>tandards </a:t>
-            </a:r>
-            <a:r>
-              <a:rPr lang="en-US" dirty="0"/>
-              <a:t>and </a:t>
-            </a:r>
-            <a:r>
-              <a:rPr lang="en-US" b="1" dirty="0" smtClean="0"/>
-              <a:t>T</a:t>
-            </a:r>
-            <a:r>
-              <a:rPr lang="en-US" dirty="0" smtClean="0"/>
-              <a:t>echnology</a:t>
-            </a:r>
-          </a:p>
-          <a:p>
-            <a:r>
-              <a:rPr lang="en-US" dirty="0" smtClean="0"/>
-              <a:t>70 000 </a:t>
-            </a:r>
-            <a:r>
-              <a:rPr lang="en-US" dirty="0" smtClean="0"/>
-              <a:t>digit greyscale images</a:t>
-            </a:r>
-            <a:endParaRPr lang="en-US" dirty="0" smtClean="0"/>
-          </a:p>
-          <a:p>
-            <a:r>
-              <a:rPr lang="en-US" dirty="0" smtClean="0"/>
-              <a:t>60 000 </a:t>
-            </a:r>
-            <a:r>
-              <a:rPr lang="en-US" dirty="0" smtClean="0"/>
-              <a:t>training images &amp; </a:t>
-            </a:r>
-            <a:r>
-              <a:rPr lang="en-US" dirty="0" smtClean="0"/>
-              <a:t>10 </a:t>
-            </a:r>
-            <a:r>
-              <a:rPr lang="en-US" dirty="0" smtClean="0"/>
-              <a:t>000 images in the test set</a:t>
-            </a:r>
-            <a:endParaRPr lang="en-US" dirty="0" smtClean="0"/>
-          </a:p>
-          <a:p>
-            <a:r>
-              <a:rPr lang="en-US" dirty="0" smtClean="0"/>
-              <a:t>Created by </a:t>
-            </a:r>
-            <a:r>
-              <a:rPr lang="en-US" dirty="0" smtClean="0"/>
-              <a:t>Yan </a:t>
-            </a:r>
-            <a:r>
-              <a:rPr lang="en-US" dirty="0" err="1" smtClean="0"/>
-              <a:t>LeCun</a:t>
-            </a:r>
-            <a:r>
-              <a:rPr lang="en-US" dirty="0" smtClean="0"/>
-              <a:t> </a:t>
-            </a:r>
-            <a:endParaRPr lang="en-US" dirty="0" smtClean="0"/>
-          </a:p>
-          <a:p>
-            <a:pPr marL="0" indent="0">
-              <a:buNone/>
-            </a:pPr>
-            <a:endParaRPr lang="fr-FR" dirty="0" smtClean="0"/>
-          </a:p>
-          <a:p>
-            <a:pPr marL="0" indent="0">
-              <a:buNone/>
-            </a:pPr>
-            <a:r>
-              <a:rPr lang="fr-FR" dirty="0" err="1" smtClean="0"/>
-              <a:t>Why</a:t>
-            </a:r>
-            <a:r>
-              <a:rPr lang="fr-FR" dirty="0" smtClean="0"/>
-              <a:t> </a:t>
-            </a:r>
-            <a:r>
-              <a:rPr lang="fr-FR" dirty="0" err="1" smtClean="0"/>
-              <a:t>this</a:t>
-            </a:r>
-            <a:r>
-              <a:rPr lang="fr-FR" dirty="0" smtClean="0"/>
-              <a:t> </a:t>
-            </a:r>
-            <a:r>
-              <a:rPr lang="fr-FR" dirty="0" err="1" smtClean="0"/>
-              <a:t>dataset</a:t>
-            </a:r>
-            <a:r>
-              <a:rPr lang="fr-FR" dirty="0" smtClean="0"/>
-              <a:t> ?</a:t>
-            </a:r>
-            <a:endParaRPr lang="fr-FR" dirty="0" smtClean="0"/>
-          </a:p>
-          <a:p>
-            <a:r>
-              <a:rPr lang="fr-FR" dirty="0" err="1" smtClean="0"/>
-              <a:t>Staple</a:t>
-            </a:r>
-            <a:r>
-              <a:rPr lang="fr-FR" dirty="0" smtClean="0"/>
-              <a:t> </a:t>
-            </a:r>
-            <a:r>
-              <a:rPr lang="fr-FR" dirty="0" err="1" smtClean="0"/>
-              <a:t>dataset</a:t>
-            </a:r>
-            <a:r>
-              <a:rPr lang="fr-FR" dirty="0" smtClean="0"/>
-              <a:t> for ML </a:t>
-            </a:r>
-            <a:r>
-              <a:rPr lang="fr-FR" dirty="0" err="1" smtClean="0"/>
-              <a:t>algorithms</a:t>
-            </a:r>
-            <a:endParaRPr lang="fr-FR" dirty="0" smtClean="0"/>
-          </a:p>
-          <a:p>
-            <a:r>
-              <a:rPr lang="fr-FR" dirty="0" smtClean="0"/>
-              <a:t>Simple</a:t>
-            </a:r>
-            <a:endParaRPr lang="fr-FR" dirty="0" smtClean="0"/>
-          </a:p>
-          <a:p>
-            <a:r>
-              <a:rPr lang="fr-FR" dirty="0" err="1" smtClean="0"/>
-              <a:t>Ideal</a:t>
-            </a:r>
-            <a:r>
-              <a:rPr lang="fr-FR" dirty="0" smtClean="0"/>
-              <a:t> for </a:t>
-            </a:r>
-            <a:r>
-              <a:rPr lang="fr-FR" dirty="0" err="1" smtClean="0"/>
-              <a:t>discovering</a:t>
-            </a:r>
-            <a:r>
-              <a:rPr lang="fr-FR" dirty="0" smtClean="0"/>
-              <a:t> </a:t>
-            </a:r>
-            <a:r>
-              <a:rPr lang="fr-FR" dirty="0" err="1" smtClean="0"/>
-              <a:t>purposes</a:t>
-            </a:r>
-            <a:endParaRPr lang="fr-FR" dirty="0"/>
-          </a:p>
-        </p:txBody>
-      </p:sp>
-      <p:pic>
-        <p:nvPicPr>
-          <p:cNvPr id="10" name="Image 9"/>
-          <p:cNvPicPr>
-            <a:picLocks noChangeAspect="1"/>
-          </p:cNvPicPr>
+          <p:cNvPr id="11" name="ZoneTexte 10"/>
+          <p:cNvSpPr txBox="1"/>
           <p:nvPr/>
-        </p:nvPicPr>
-        <p:blipFill rotWithShape="1">
-          <a:blip r:embed="rId3"/>
-          <a:srcRect l="39308"/>
-          <a:stretch/>
-        </p:blipFill>
-        <p:spPr>
-          <a:xfrm>
-            <a:off x="8782050" y="2883810"/>
-            <a:ext cx="2757487" cy="1628775"/>
+        </p:nvSpPr>
+        <p:spPr>
+          <a:xfrm>
+            <a:off x="724073" y="1172324"/>
+            <a:ext cx="6267797" cy="4401205"/>
           </a:xfrm>
           <a:prstGeom prst="rect">
             <a:avLst/>
           </a:prstGeom>
-        </p:spPr>
-      </p:pic>
-      <p:pic>
-        <p:nvPicPr>
-          <p:cNvPr id="12" name="Image 11"/>
-          <p:cNvPicPr>
-            <a:picLocks noChangeAspect="1"/>
-          </p:cNvPicPr>
-          <p:nvPr/>
-        </p:nvPicPr>
-        <p:blipFill rotWithShape="1">
-          <a:blip r:embed="rId3"/>
-          <a:srcRect r="86059"/>
-          <a:stretch/>
-        </p:blipFill>
-        <p:spPr>
-          <a:xfrm>
-            <a:off x="8148636" y="2868412"/>
-            <a:ext cx="633414" cy="1628775"/>
-          </a:xfrm>
-          <a:prstGeom prst="rect">
-            <a:avLst/>
-          </a:prstGeom>
-        </p:spPr>
-      </p:pic>
-      <p:sp>
-        <p:nvSpPr>
-          <p:cNvPr id="14" name="ZoneTexte 13"/>
-          <p:cNvSpPr txBox="1"/>
-          <p:nvPr/>
-        </p:nvSpPr>
-        <p:spPr>
-          <a:xfrm>
-            <a:off x="11018840" y="3484984"/>
-            <a:ext cx="391610" cy="307777"/>
-          </a:xfrm>
-          <a:prstGeom prst="rect">
-            <a:avLst/>
-          </a:prstGeom>
-          <a:solidFill>
-            <a:srgbClr val="FFAB40"/>
-          </a:solidFill>
+          <a:noFill/>
         </p:spPr>
         <p:txBody>
           <a:bodyPr wrap="square" rtlCol="0">
@@ -17968,17 +19379,376 @@
           </a:bodyPr>
           <a:lstStyle/>
           <a:p>
-            <a:r>
-              <a:rPr lang="fr-FR" sz="1400" dirty="0" smtClean="0"/>
-              <a:t> 3</a:t>
-            </a:r>
-            <a:endParaRPr lang="fr-FR" dirty="0"/>
-          </a:p>
-        </p:txBody>
-      </p:sp>
-      <p:sp>
-        <p:nvSpPr>
-          <p:cNvPr id="15" name="Espace réservé du pied de page 4"/>
+            <a:pPr>
+              <a:lnSpc>
+                <a:spcPct val="150000"/>
+              </a:lnSpc>
+            </a:pPr>
+            <a:r>
+              <a:rPr lang="fr-FR" sz="1600" dirty="0" err="1" smtClean="0"/>
+              <a:t>Why</a:t>
+            </a:r>
+            <a:r>
+              <a:rPr lang="fr-FR" sz="1600" dirty="0" smtClean="0"/>
+              <a:t> </a:t>
+            </a:r>
+            <a:r>
+              <a:rPr lang="fr-FR" sz="1600" dirty="0" err="1" smtClean="0"/>
+              <a:t>should</a:t>
+            </a:r>
+            <a:r>
+              <a:rPr lang="fr-FR" sz="1600" dirty="0" smtClean="0"/>
+              <a:t> </a:t>
+            </a:r>
+            <a:r>
+              <a:rPr lang="fr-FR" sz="1600" dirty="0" err="1" smtClean="0"/>
+              <a:t>we</a:t>
+            </a:r>
+            <a:r>
+              <a:rPr lang="fr-FR" sz="1600" dirty="0" smtClean="0"/>
+              <a:t> use a cloud for </a:t>
+            </a:r>
+            <a:r>
+              <a:rPr lang="fr-FR" sz="1600" dirty="0" err="1" smtClean="0"/>
+              <a:t>today’s</a:t>
+            </a:r>
+            <a:r>
+              <a:rPr lang="fr-FR" sz="1600" dirty="0" smtClean="0"/>
+              <a:t> session ?</a:t>
+            </a:r>
+          </a:p>
+          <a:p>
+            <a:pPr>
+              <a:lnSpc>
+                <a:spcPct val="150000"/>
+              </a:lnSpc>
+            </a:pPr>
+            <a:r>
+              <a:rPr lang="fr-FR" sz="1600" dirty="0" smtClean="0"/>
+              <a:t>AI in Azure ? </a:t>
+            </a:r>
+            <a:r>
+              <a:rPr lang="fr-FR" sz="1600" b="1" dirty="0" smtClean="0"/>
+              <a:t>Azure </a:t>
+            </a:r>
+            <a:r>
+              <a:rPr lang="fr-FR" sz="1600" b="1" dirty="0" smtClean="0"/>
+              <a:t>Machine </a:t>
+            </a:r>
+            <a:r>
+              <a:rPr lang="fr-FR" sz="1600" b="1" dirty="0" smtClean="0"/>
+              <a:t>Learning</a:t>
+            </a:r>
+          </a:p>
+          <a:p>
+            <a:pPr>
+              <a:lnSpc>
+                <a:spcPct val="150000"/>
+              </a:lnSpc>
+            </a:pPr>
+            <a:endParaRPr lang="fr-FR" sz="1600" b="1" dirty="0"/>
+          </a:p>
+          <a:p>
+            <a:pPr marL="285750" indent="-285750">
+              <a:buFont typeface="Arial" panose="020B0604020202020204" pitchFamily="34" charset="0"/>
+              <a:buChar char="•"/>
+            </a:pPr>
+            <a:r>
+              <a:rPr lang="fr-FR" sz="1600" dirty="0"/>
+              <a:t>For model </a:t>
+            </a:r>
+            <a:r>
+              <a:rPr lang="fr-FR" sz="1600" dirty="0" smtClean="0"/>
+              <a:t>training</a:t>
+            </a:r>
+            <a:r>
+              <a:rPr lang="fr-FR" sz="1600" dirty="0" smtClean="0"/>
+              <a:t>:</a:t>
+            </a:r>
+            <a:endParaRPr lang="fr-FR" sz="1600" dirty="0" smtClean="0"/>
+          </a:p>
+          <a:p>
+            <a:pPr marL="742950" lvl="1" indent="-285750">
+              <a:buFont typeface="Arial" panose="020B0604020202020204" pitchFamily="34" charset="0"/>
+              <a:buChar char="•"/>
+            </a:pPr>
+            <a:r>
+              <a:rPr lang="fr-FR" sz="1600" dirty="0" smtClean="0"/>
+              <a:t>Access </a:t>
+            </a:r>
+            <a:r>
+              <a:rPr lang="fr-FR" sz="1600" dirty="0"/>
+              <a:t>to </a:t>
+            </a:r>
+            <a:r>
+              <a:rPr lang="fr-FR" sz="1600" dirty="0" err="1"/>
+              <a:t>computing</a:t>
+            </a:r>
+            <a:r>
+              <a:rPr lang="fr-FR" sz="1600" dirty="0"/>
+              <a:t> power (CPU/GPU), </a:t>
+            </a:r>
+            <a:r>
+              <a:rPr lang="fr-FR" sz="1600" dirty="0" err="1"/>
+              <a:t>potentially</a:t>
+            </a:r>
+            <a:r>
+              <a:rPr lang="fr-FR" sz="1600" dirty="0"/>
+              <a:t> long training </a:t>
+            </a:r>
+            <a:r>
+              <a:rPr lang="fr-FR" sz="1600" dirty="0" smtClean="0"/>
+              <a:t>duration</a:t>
+            </a:r>
+          </a:p>
+          <a:p>
+            <a:pPr marL="742950" lvl="1" indent="-285750">
+              <a:buFont typeface="Arial" panose="020B0604020202020204" pitchFamily="34" charset="0"/>
+              <a:buChar char="•"/>
+            </a:pPr>
+            <a:r>
+              <a:rPr lang="fr-FR" sz="1600" dirty="0" err="1" smtClean="0"/>
+              <a:t>Scaling</a:t>
+            </a:r>
+            <a:r>
+              <a:rPr lang="fr-FR" sz="1600" dirty="0" smtClean="0"/>
+              <a:t> up ressources </a:t>
+            </a:r>
+            <a:r>
+              <a:rPr lang="fr-FR" sz="1600" dirty="0" err="1" smtClean="0"/>
+              <a:t>is</a:t>
+            </a:r>
+            <a:r>
+              <a:rPr lang="fr-FR" sz="1600" dirty="0" smtClean="0"/>
+              <a:t> </a:t>
+            </a:r>
+            <a:r>
+              <a:rPr lang="fr-FR" sz="1600" dirty="0" err="1" smtClean="0"/>
+              <a:t>easy</a:t>
+            </a:r>
+            <a:r>
+              <a:rPr lang="fr-FR" sz="1600" dirty="0" smtClean="0"/>
+              <a:t> for </a:t>
+            </a:r>
+            <a:r>
+              <a:rPr lang="fr-FR" sz="1600" dirty="0" err="1" smtClean="0"/>
+              <a:t>tougher</a:t>
+            </a:r>
+            <a:r>
+              <a:rPr lang="fr-FR" sz="1600" dirty="0" smtClean="0"/>
+              <a:t> </a:t>
+            </a:r>
+            <a:r>
+              <a:rPr lang="fr-FR" sz="1600" dirty="0" err="1" smtClean="0"/>
+              <a:t>workloads</a:t>
+            </a:r>
+            <a:endParaRPr lang="fr-FR" sz="1600" dirty="0" smtClean="0"/>
+          </a:p>
+          <a:p>
+            <a:pPr lvl="1"/>
+            <a:endParaRPr lang="fr-FR" sz="1600" dirty="0"/>
+          </a:p>
+          <a:p>
+            <a:pPr marL="285750" indent="-285750">
+              <a:buFont typeface="Arial" panose="020B0604020202020204" pitchFamily="34" charset="0"/>
+              <a:buChar char="•"/>
+            </a:pPr>
+            <a:r>
+              <a:rPr lang="fr-FR" sz="1600" dirty="0" err="1"/>
+              <a:t>Optimize</a:t>
+            </a:r>
+            <a:r>
+              <a:rPr lang="fr-FR" sz="1600" dirty="0"/>
+              <a:t> training </a:t>
+            </a:r>
+            <a:r>
+              <a:rPr lang="fr-FR" sz="1600" dirty="0" err="1" smtClean="0"/>
+              <a:t>hyperparameters</a:t>
+            </a:r>
+            <a:endParaRPr lang="fr-FR" sz="1600" dirty="0" smtClean="0"/>
+          </a:p>
+          <a:p>
+            <a:pPr marL="742950" lvl="1" indent="-285750">
+              <a:buFont typeface="Arial" panose="020B0604020202020204" pitchFamily="34" charset="0"/>
+              <a:buChar char="•"/>
+            </a:pPr>
+            <a:r>
+              <a:rPr lang="fr-FR" sz="1600" dirty="0" err="1" smtClean="0"/>
+              <a:t>Parallel</a:t>
+            </a:r>
+            <a:r>
+              <a:rPr lang="fr-FR" sz="1600" dirty="0" smtClean="0"/>
+              <a:t> </a:t>
+            </a:r>
+            <a:r>
+              <a:rPr lang="fr-FR" sz="1600" dirty="0" err="1" smtClean="0"/>
+              <a:t>launch</a:t>
+            </a:r>
+            <a:r>
+              <a:rPr lang="fr-FR" sz="1600" dirty="0" smtClean="0"/>
+              <a:t> of multiple </a:t>
+            </a:r>
+            <a:r>
+              <a:rPr lang="fr-FR" sz="1600" dirty="0"/>
+              <a:t>trainings </a:t>
+            </a:r>
+            <a:r>
+              <a:rPr lang="fr-FR" sz="1600" dirty="0" err="1"/>
+              <a:t>with</a:t>
+            </a:r>
+            <a:r>
+              <a:rPr lang="fr-FR" sz="1600" dirty="0"/>
+              <a:t> </a:t>
+            </a:r>
+            <a:r>
+              <a:rPr lang="fr-FR" sz="1600" dirty="0" err="1"/>
+              <a:t>different</a:t>
+            </a:r>
+            <a:r>
+              <a:rPr lang="fr-FR" sz="1600" dirty="0"/>
+              <a:t> </a:t>
+            </a:r>
+            <a:r>
+              <a:rPr lang="fr-FR" sz="1600" dirty="0" err="1"/>
+              <a:t>parameters</a:t>
+            </a:r>
+            <a:r>
+              <a:rPr lang="fr-FR" sz="1600" dirty="0"/>
+              <a:t> in </a:t>
+            </a:r>
+            <a:r>
+              <a:rPr lang="fr-FR" sz="1600" dirty="0" smtClean="0"/>
+              <a:t>Integrated </a:t>
+            </a:r>
+            <a:r>
+              <a:rPr lang="fr-FR" sz="1600" dirty="0" err="1" smtClean="0"/>
+              <a:t>tools</a:t>
+            </a:r>
+            <a:endParaRPr lang="fr-FR" sz="1600" dirty="0"/>
+          </a:p>
+          <a:p>
+            <a:pPr marL="742950" lvl="1" indent="-285750">
+              <a:buFont typeface="Arial" panose="020B0604020202020204" pitchFamily="34" charset="0"/>
+              <a:buChar char="•"/>
+            </a:pPr>
+            <a:r>
+              <a:rPr lang="fr-FR" sz="1600" dirty="0" err="1" smtClean="0"/>
+              <a:t>Reduced</a:t>
+            </a:r>
+            <a:r>
+              <a:rPr lang="fr-FR" sz="1600" dirty="0" smtClean="0"/>
+              <a:t> </a:t>
+            </a:r>
+            <a:r>
+              <a:rPr lang="fr-FR" sz="1600" dirty="0" err="1"/>
+              <a:t>cost</a:t>
+            </a:r>
+            <a:r>
+              <a:rPr lang="fr-FR" sz="1600" dirty="0"/>
+              <a:t> for </a:t>
+            </a:r>
+            <a:r>
+              <a:rPr lang="fr-FR" sz="1600" dirty="0" err="1"/>
+              <a:t>unpromising</a:t>
+            </a:r>
+            <a:r>
+              <a:rPr lang="fr-FR" sz="1600" dirty="0"/>
+              <a:t> </a:t>
+            </a:r>
+            <a:r>
+              <a:rPr lang="fr-FR" sz="1600" dirty="0" smtClean="0"/>
+              <a:t>trainings</a:t>
+            </a:r>
+          </a:p>
+          <a:p>
+            <a:pPr lvl="1"/>
+            <a:endParaRPr lang="fr-FR" sz="1600" dirty="0"/>
+          </a:p>
+          <a:p>
+            <a:pPr marL="285750" indent="-285750">
+              <a:buFont typeface="Arial" panose="020B0604020202020204" pitchFamily="34" charset="0"/>
+              <a:buChar char="•"/>
+            </a:pPr>
+            <a:r>
+              <a:rPr lang="fr-FR" sz="1600" dirty="0"/>
+              <a:t>Model </a:t>
+            </a:r>
+            <a:r>
+              <a:rPr lang="fr-FR" sz="1600" dirty="0" err="1" smtClean="0"/>
+              <a:t>deployment</a:t>
+            </a:r>
+            <a:r>
+              <a:rPr lang="fr-FR" sz="1600" dirty="0" smtClean="0"/>
+              <a:t>:</a:t>
+            </a:r>
+          </a:p>
+          <a:p>
+            <a:pPr marL="742950" lvl="1" indent="-285750">
+              <a:buFont typeface="Arial" panose="020B0604020202020204" pitchFamily="34" charset="0"/>
+              <a:buChar char="•"/>
+            </a:pPr>
+            <a:r>
+              <a:rPr lang="fr-FR" sz="1600" dirty="0" smtClean="0"/>
+              <a:t>Azure </a:t>
+            </a:r>
+            <a:r>
+              <a:rPr lang="fr-FR" sz="1600" dirty="0"/>
+              <a:t>Machine Learning </a:t>
+            </a:r>
+            <a:r>
+              <a:rPr lang="fr-FR" sz="1600" dirty="0" err="1"/>
+              <a:t>provides</a:t>
+            </a:r>
+            <a:r>
+              <a:rPr lang="fr-FR" sz="1600" dirty="0"/>
+              <a:t> </a:t>
+            </a:r>
+            <a:r>
+              <a:rPr lang="fr-FR" sz="1600" dirty="0" err="1"/>
+              <a:t>managed</a:t>
+            </a:r>
+            <a:r>
+              <a:rPr lang="fr-FR" sz="1600" dirty="0"/>
+              <a:t> </a:t>
+            </a:r>
+            <a:r>
+              <a:rPr lang="fr-FR" sz="1600" dirty="0" err="1" smtClean="0"/>
+              <a:t>endpoints</a:t>
+            </a:r>
+            <a:endParaRPr lang="fr-FR" sz="1600" dirty="0"/>
+          </a:p>
+          <a:p>
+            <a:pPr marL="742950" lvl="1" indent="-285750">
+              <a:buFont typeface="Arial" panose="020B0604020202020204" pitchFamily="34" charset="0"/>
+              <a:buChar char="•"/>
+            </a:pPr>
+            <a:r>
+              <a:rPr lang="fr-FR" sz="1600" dirty="0" err="1" smtClean="0"/>
+              <a:t>Scalable</a:t>
+            </a:r>
+            <a:r>
+              <a:rPr lang="fr-FR" sz="1600" dirty="0" smtClean="0"/>
+              <a:t> </a:t>
+            </a:r>
+            <a:r>
+              <a:rPr lang="fr-FR" sz="1600" dirty="0" err="1" smtClean="0"/>
+              <a:t>endpoint</a:t>
+            </a:r>
+            <a:r>
+              <a:rPr lang="fr-FR" sz="1600" dirty="0" smtClean="0"/>
+              <a:t> for </a:t>
+            </a:r>
+            <a:r>
+              <a:rPr lang="fr-FR" sz="1600" dirty="0" err="1" smtClean="0"/>
+              <a:t>inference</a:t>
+            </a:r>
+            <a:endParaRPr lang="fr-FR" sz="1600" dirty="0"/>
+          </a:p>
+        </p:txBody>
+      </p:sp>
+      <p:sp>
+        <p:nvSpPr>
+          <p:cNvPr id="7" name="Espace réservé du pied de page 4"/>
           <p:cNvSpPr>
             <a:spLocks noGrp="1"/>
           </p:cNvSpPr>
@@ -17998,11 +19768,7 @@
           <a:p>
             <a:r>
               <a:rPr lang="en-US" dirty="0" smtClean="0"/>
-              <a:t>2025 </a:t>
-            </a:r>
-            <a:r>
-              <a:rPr lang="en-US" dirty="0" smtClean="0"/>
-              <a:t>| ©</a:t>
+              <a:t>2025 | ©</a:t>
             </a:r>
             <a:r>
               <a:rPr lang="en-US" dirty="0" err="1" smtClean="0"/>
@@ -18019,7 +19785,7 @@
     </p:spTree>
     <p:extLst>
       <p:ext uri="{BB962C8B-B14F-4D97-AF65-F5344CB8AC3E}">
-        <p14:creationId xmlns:p14="http://schemas.microsoft.com/office/powerpoint/2010/main" val="4014395332"/>
+        <p14:creationId xmlns:p14="http://schemas.microsoft.com/office/powerpoint/2010/main" val="1989031525"/>
       </p:ext>
     </p:extLst>
   </p:cSld>
@@ -18071,12 +19837,12 @@
       </p:sp>
       <p:sp>
         <p:nvSpPr>
-          <p:cNvPr id="4" name="Espace réservé du numéro de diapositive 3"/>
-          <p:cNvSpPr>
-            <a:spLocks noGrp="1"/>
-          </p:cNvSpPr>
-          <p:nvPr>
-            <p:ph type="sldNum" sz="quarter" idx="4"/>
+          <p:cNvPr id="3" name="Espace réservé du texte 2"/>
+          <p:cNvSpPr>
+            <a:spLocks noGrp="1"/>
+          </p:cNvSpPr>
+          <p:nvPr>
+            <p:ph type="body" sz="quarter" idx="10"/>
           </p:nvPr>
         </p:nvSpPr>
         <p:spPr/>
@@ -18084,151 +19850,18 @@
           <a:bodyPr/>
           <a:lstStyle/>
           <a:p>
-            <a:pPr>
-              <a:defRPr/>
-            </a:pPr>
-            <a:fld id="{F4FEB08F-923E-484A-9FC5-0AA7BDA29BD6}" type="slidenum">
-              <a:rPr lang="fr-FR" smtClean="0"/>
-              <a:pPr>
-                <a:defRPr/>
-              </a:pPr>
-              <a:t>9</a:t>
-            </a:fld>
+            <a:r>
+              <a:rPr lang="fr-FR" dirty="0" smtClean="0"/>
+              <a:t>Data, Azure hands-on</a:t>
+            </a:r>
             <a:endParaRPr lang="fr-FR" dirty="0"/>
           </a:p>
         </p:txBody>
       </p:sp>
-      <p:sp>
-        <p:nvSpPr>
-          <p:cNvPr id="5" name="Espace réservé du pied de page 4"/>
-          <p:cNvSpPr>
-            <a:spLocks noGrp="1"/>
-          </p:cNvSpPr>
-          <p:nvPr>
-            <p:ph type="ftr" sz="quarter" idx="3"/>
-          </p:nvPr>
-        </p:nvSpPr>
-        <p:spPr/>
-        <p:txBody>
-          <a:bodyPr/>
-          <a:lstStyle/>
-          <a:p>
-            <a:r>
-              <a:rPr lang="en-US" dirty="0" smtClean="0"/>
-              <a:t>2025 </a:t>
-            </a:r>
-            <a:r>
-              <a:rPr lang="en-US" dirty="0" smtClean="0"/>
-              <a:t>| ©</a:t>
-            </a:r>
-            <a:r>
-              <a:rPr lang="en-US" dirty="0" err="1" smtClean="0"/>
-              <a:t>HeadMind</a:t>
-            </a:r>
-            <a:r>
-              <a:rPr lang="en-US" dirty="0" smtClean="0"/>
-              <a:t> Partners</a:t>
-            </a:r>
-            <a:endParaRPr lang="fr-FR" dirty="0"/>
-          </a:p>
-        </p:txBody>
-      </p:sp>
-      <p:sp>
-        <p:nvSpPr>
-          <p:cNvPr id="3" name="Espace réservé du texte 2"/>
-          <p:cNvSpPr>
-            <a:spLocks noGrp="1"/>
-          </p:cNvSpPr>
-          <p:nvPr>
-            <p:ph type="body" sz="quarter" idx="14"/>
-          </p:nvPr>
-        </p:nvSpPr>
-        <p:spPr>
-          <a:xfrm>
-            <a:off x="5202604" y="4894268"/>
-            <a:ext cx="2547602" cy="1049137"/>
-          </a:xfrm>
-        </p:spPr>
-        <p:txBody>
-          <a:bodyPr/>
-          <a:lstStyle/>
-          <a:p>
-            <a:pPr marL="0" indent="0">
-              <a:buNone/>
-            </a:pPr>
-            <a:r>
-              <a:rPr lang="fr-FR" dirty="0" smtClean="0"/>
-              <a:t>Part </a:t>
-            </a:r>
-            <a:r>
-              <a:rPr lang="fr-FR" dirty="0" smtClean="0"/>
-              <a:t>1 </a:t>
-            </a:r>
-            <a:r>
-              <a:rPr lang="fr-FR" dirty="0" smtClean="0"/>
-              <a:t>of the </a:t>
-            </a:r>
-            <a:r>
-              <a:rPr lang="fr-FR" dirty="0" err="1" smtClean="0"/>
-              <a:t>lab</a:t>
-            </a:r>
-            <a:r>
-              <a:rPr lang="fr-FR" dirty="0" smtClean="0"/>
-              <a:t> </a:t>
-            </a:r>
-            <a:r>
-              <a:rPr lang="fr-FR" dirty="0" smtClean="0"/>
-              <a:t>!</a:t>
-            </a:r>
-            <a:endParaRPr lang="fr-FR" dirty="0"/>
-          </a:p>
-        </p:txBody>
-      </p:sp>
-      <p:pic>
-        <p:nvPicPr>
-          <p:cNvPr id="11" name="Picture 2" descr="👨‍💻 Informaticien Emoji"/>
-          <p:cNvPicPr>
-            <a:picLocks noChangeAspect="1" noChangeArrowheads="1"/>
-          </p:cNvPicPr>
-          <p:nvPr/>
-        </p:nvPicPr>
-        <p:blipFill>
-          <a:blip r:embed="rId2">
-            <a:extLst>
-              <a:ext uri="{28A0092B-C50C-407E-A947-70E740481C1C}">
-                <a14:useLocalDpi xmlns:a14="http://schemas.microsoft.com/office/drawing/2010/main" val="0"/>
-              </a:ext>
-            </a:extLst>
-          </a:blip>
-          <a:srcRect/>
-          <a:stretch>
-            <a:fillRect/>
-          </a:stretch>
-        </p:blipFill>
-        <p:spPr bwMode="auto">
-          <a:xfrm>
-            <a:off x="4505528" y="1544634"/>
-            <a:ext cx="3165803" cy="3165803"/>
-          </a:xfrm>
-          <a:prstGeom prst="rect">
-            <a:avLst/>
-          </a:prstGeom>
-          <a:noFill/>
-          <a:extLst>
-            <a:ext uri="{909E8E84-426E-40DD-AFC4-6F175D3DCCD1}">
-              <a14:hiddenFill xmlns:a14="http://schemas.microsoft.com/office/drawing/2010/main">
-                <a:solidFill>
-                  <a:srgbClr val="FFFFFF"/>
-                </a:solidFill>
-              </a14:hiddenFill>
-            </a:ext>
-          </a:extLst>
-        </p:spPr>
-      </p:pic>
     </p:spTree>
     <p:extLst>
       <p:ext uri="{BB962C8B-B14F-4D97-AF65-F5344CB8AC3E}">
-        <p14:creationId xmlns:p14="http://schemas.microsoft.com/office/powerpoint/2010/main" val="2213275979"/>
+        <p14:creationId xmlns:p14="http://schemas.microsoft.com/office/powerpoint/2010/main" val="3498287465"/>
       </p:ext>
     </p:extLst>
   </p:cSld>
